--- a/Présentation1.pptx
+++ b/Présentation1.pptx
@@ -4,10 +4,18 @@
   <p:sldMasterIdLst>
     <p:sldMasterId id="2147483648" r:id="rId1"/>
   </p:sldMasterIdLst>
+  <p:notesMasterIdLst>
+    <p:notesMasterId r:id="rId10"/>
+  </p:notesMasterIdLst>
   <p:sldIdLst>
     <p:sldId id="256" r:id="rId2"/>
     <p:sldId id="257" r:id="rId3"/>
-    <p:sldId id="258" r:id="rId4"/>
+    <p:sldId id="262" r:id="rId4"/>
+    <p:sldId id="263" r:id="rId5"/>
+    <p:sldId id="264" r:id="rId6"/>
+    <p:sldId id="266" r:id="rId7"/>
+    <p:sldId id="265" r:id="rId8"/>
+    <p:sldId id="267" r:id="rId9"/>
   </p:sldIdLst>
   <p:sldSz cx="12192000" cy="6858000"/>
   <p:notesSz cx="6858000" cy="9144000"/>
@@ -107,6 +115,439 @@
     </a:lvl9pPr>
   </p:defaultTextStyle>
 </p:presentation>
+</file>
+
+<file path=ppt/notesMasters/notesMaster1.xml><?xml version="1.0" encoding="utf-8"?>
+<p:notesMaster xmlns:a="http://schemas.openxmlformats.org/drawingml/2006/main" xmlns:r="http://schemas.openxmlformats.org/officeDocument/2006/relationships" xmlns:p="http://schemas.openxmlformats.org/presentationml/2006/main">
+  <p:cSld>
+    <p:bg>
+      <p:bgRef idx="1001">
+        <a:schemeClr val="bg1"/>
+      </p:bgRef>
+    </p:bg>
+    <p:spTree>
+      <p:nvGrpSpPr>
+        <p:cNvPr id="1" name=""/>
+        <p:cNvGrpSpPr/>
+        <p:nvPr/>
+      </p:nvGrpSpPr>
+      <p:grpSpPr>
+        <a:xfrm>
+          <a:off x="0" y="0"/>
+          <a:ext cx="0" cy="0"/>
+          <a:chOff x="0" y="0"/>
+          <a:chExt cx="0" cy="0"/>
+        </a:xfrm>
+      </p:grpSpPr>
+      <p:sp>
+        <p:nvSpPr>
+          <p:cNvPr id="2" name="Espace réservé de l'en-tête 1"/>
+          <p:cNvSpPr>
+            <a:spLocks noGrp="1"/>
+          </p:cNvSpPr>
+          <p:nvPr>
+            <p:ph type="hdr" sz="quarter"/>
+          </p:nvPr>
+        </p:nvSpPr>
+        <p:spPr>
+          <a:xfrm>
+            <a:off x="0" y="0"/>
+            <a:ext cx="2971800" cy="458788"/>
+          </a:xfrm>
+          <a:prstGeom prst="rect">
+            <a:avLst/>
+          </a:prstGeom>
+        </p:spPr>
+        <p:txBody>
+          <a:bodyPr vert="horz" lIns="91440" tIns="45720" rIns="91440" bIns="45720" rtlCol="0"/>
+          <a:lstStyle>
+            <a:lvl1pPr algn="l">
+              <a:defRPr sz="1200"/>
+            </a:lvl1pPr>
+          </a:lstStyle>
+          <a:p>
+            <a:endParaRPr lang="fr-FR"/>
+          </a:p>
+        </p:txBody>
+      </p:sp>
+      <p:sp>
+        <p:nvSpPr>
+          <p:cNvPr id="3" name="Espace réservé de la date 2"/>
+          <p:cNvSpPr>
+            <a:spLocks noGrp="1"/>
+          </p:cNvSpPr>
+          <p:nvPr>
+            <p:ph type="dt" idx="1"/>
+          </p:nvPr>
+        </p:nvSpPr>
+        <p:spPr>
+          <a:xfrm>
+            <a:off x="3884613" y="0"/>
+            <a:ext cx="2971800" cy="458788"/>
+          </a:xfrm>
+          <a:prstGeom prst="rect">
+            <a:avLst/>
+          </a:prstGeom>
+        </p:spPr>
+        <p:txBody>
+          <a:bodyPr vert="horz" lIns="91440" tIns="45720" rIns="91440" bIns="45720" rtlCol="0"/>
+          <a:lstStyle>
+            <a:lvl1pPr algn="r">
+              <a:defRPr sz="1200"/>
+            </a:lvl1pPr>
+          </a:lstStyle>
+          <a:p>
+            <a:fld id="{D043B491-AE1D-F749-B26D-9A16804EB212}" type="datetimeFigureOut">
+              <a:rPr lang="fr-FR" smtClean="0"/>
+              <a:t>02/09/2022</a:t>
+            </a:fld>
+            <a:endParaRPr lang="fr-FR"/>
+          </a:p>
+        </p:txBody>
+      </p:sp>
+      <p:sp>
+        <p:nvSpPr>
+          <p:cNvPr id="4" name="Espace réservé de l'image des diapositives 3"/>
+          <p:cNvSpPr>
+            <a:spLocks noGrp="1" noRot="1" noChangeAspect="1"/>
+          </p:cNvSpPr>
+          <p:nvPr>
+            <p:ph type="sldImg" idx="2"/>
+          </p:nvPr>
+        </p:nvSpPr>
+        <p:spPr>
+          <a:xfrm>
+            <a:off x="685800" y="1143000"/>
+            <a:ext cx="5486400" cy="3086100"/>
+          </a:xfrm>
+          <a:prstGeom prst="rect">
+            <a:avLst/>
+          </a:prstGeom>
+          <a:noFill/>
+          <a:ln w="12700">
+            <a:solidFill>
+              <a:prstClr val="black"/>
+            </a:solidFill>
+          </a:ln>
+        </p:spPr>
+        <p:txBody>
+          <a:bodyPr vert="horz" lIns="91440" tIns="45720" rIns="91440" bIns="45720" rtlCol="0" anchor="ctr"/>
+          <a:lstStyle/>
+          <a:p>
+            <a:endParaRPr lang="fr-FR"/>
+          </a:p>
+        </p:txBody>
+      </p:sp>
+      <p:sp>
+        <p:nvSpPr>
+          <p:cNvPr id="5" name="Espace réservé des notes 4"/>
+          <p:cNvSpPr>
+            <a:spLocks noGrp="1"/>
+          </p:cNvSpPr>
+          <p:nvPr>
+            <p:ph type="body" sz="quarter" idx="3"/>
+          </p:nvPr>
+        </p:nvSpPr>
+        <p:spPr>
+          <a:xfrm>
+            <a:off x="685800" y="4400550"/>
+            <a:ext cx="5486400" cy="3600450"/>
+          </a:xfrm>
+          <a:prstGeom prst="rect">
+            <a:avLst/>
+          </a:prstGeom>
+        </p:spPr>
+        <p:txBody>
+          <a:bodyPr vert="horz" lIns="91440" tIns="45720" rIns="91440" bIns="45720" rtlCol="0"/>
+          <a:lstStyle/>
+          <a:p>
+            <a:pPr lvl="0"/>
+            <a:r>
+              <a:rPr lang="fr-FR"/>
+              <a:t>Cliquez pour modifier les styles du texte du masque</a:t>
+            </a:r>
+          </a:p>
+          <a:p>
+            <a:pPr lvl="1"/>
+            <a:r>
+              <a:rPr lang="fr-FR"/>
+              <a:t>Deuxième niveau</a:t>
+            </a:r>
+          </a:p>
+          <a:p>
+            <a:pPr lvl="2"/>
+            <a:r>
+              <a:rPr lang="fr-FR"/>
+              <a:t>Troisième niveau</a:t>
+            </a:r>
+          </a:p>
+          <a:p>
+            <a:pPr lvl="3"/>
+            <a:r>
+              <a:rPr lang="fr-FR"/>
+              <a:t>Quatrième niveau</a:t>
+            </a:r>
+          </a:p>
+          <a:p>
+            <a:pPr lvl="4"/>
+            <a:r>
+              <a:rPr lang="fr-FR"/>
+              <a:t>Cinquième niveau</a:t>
+            </a:r>
+          </a:p>
+        </p:txBody>
+      </p:sp>
+      <p:sp>
+        <p:nvSpPr>
+          <p:cNvPr id="6" name="Espace réservé du pied de page 5"/>
+          <p:cNvSpPr>
+            <a:spLocks noGrp="1"/>
+          </p:cNvSpPr>
+          <p:nvPr>
+            <p:ph type="ftr" sz="quarter" idx="4"/>
+          </p:nvPr>
+        </p:nvSpPr>
+        <p:spPr>
+          <a:xfrm>
+            <a:off x="0" y="8685213"/>
+            <a:ext cx="2971800" cy="458787"/>
+          </a:xfrm>
+          <a:prstGeom prst="rect">
+            <a:avLst/>
+          </a:prstGeom>
+        </p:spPr>
+        <p:txBody>
+          <a:bodyPr vert="horz" lIns="91440" tIns="45720" rIns="91440" bIns="45720" rtlCol="0" anchor="b"/>
+          <a:lstStyle>
+            <a:lvl1pPr algn="l">
+              <a:defRPr sz="1200"/>
+            </a:lvl1pPr>
+          </a:lstStyle>
+          <a:p>
+            <a:endParaRPr lang="fr-FR"/>
+          </a:p>
+        </p:txBody>
+      </p:sp>
+      <p:sp>
+        <p:nvSpPr>
+          <p:cNvPr id="7" name="Espace réservé du numéro de diapositive 6"/>
+          <p:cNvSpPr>
+            <a:spLocks noGrp="1"/>
+          </p:cNvSpPr>
+          <p:nvPr>
+            <p:ph type="sldNum" sz="quarter" idx="5"/>
+          </p:nvPr>
+        </p:nvSpPr>
+        <p:spPr>
+          <a:xfrm>
+            <a:off x="3884613" y="8685213"/>
+            <a:ext cx="2971800" cy="458787"/>
+          </a:xfrm>
+          <a:prstGeom prst="rect">
+            <a:avLst/>
+          </a:prstGeom>
+        </p:spPr>
+        <p:txBody>
+          <a:bodyPr vert="horz" lIns="91440" tIns="45720" rIns="91440" bIns="45720" rtlCol="0" anchor="b"/>
+          <a:lstStyle>
+            <a:lvl1pPr algn="r">
+              <a:defRPr sz="1200"/>
+            </a:lvl1pPr>
+          </a:lstStyle>
+          <a:p>
+            <a:fld id="{7BC599D8-D1D6-994C-8FD5-FFD2B4981737}" type="slidenum">
+              <a:rPr lang="fr-FR" smtClean="0"/>
+              <a:t>‹N°›</a:t>
+            </a:fld>
+            <a:endParaRPr lang="fr-FR"/>
+          </a:p>
+        </p:txBody>
+      </p:sp>
+    </p:spTree>
+    <p:extLst>
+      <p:ext uri="{BB962C8B-B14F-4D97-AF65-F5344CB8AC3E}">
+        <p14:creationId xmlns:p14="http://schemas.microsoft.com/office/powerpoint/2010/main" val="3117483202"/>
+      </p:ext>
+    </p:extLst>
+  </p:cSld>
+  <p:clrMap bg1="lt1" tx1="dk1" bg2="lt2" tx2="dk2" accent1="accent1" accent2="accent2" accent3="accent3" accent4="accent4" accent5="accent5" accent6="accent6" hlink="hlink" folHlink="folHlink"/>
+  <p:notesStyle>
+    <a:lvl1pPr marL="0" algn="l" defTabSz="914400" rtl="0" eaLnBrk="1" latinLnBrk="0" hangingPunct="1">
+      <a:defRPr sz="1200" kern="1200">
+        <a:solidFill>
+          <a:schemeClr val="tx1"/>
+        </a:solidFill>
+        <a:latin typeface="+mn-lt"/>
+        <a:ea typeface="+mn-ea"/>
+        <a:cs typeface="+mn-cs"/>
+      </a:defRPr>
+    </a:lvl1pPr>
+    <a:lvl2pPr marL="457200" algn="l" defTabSz="914400" rtl="0" eaLnBrk="1" latinLnBrk="0" hangingPunct="1">
+      <a:defRPr sz="1200" kern="1200">
+        <a:solidFill>
+          <a:schemeClr val="tx1"/>
+        </a:solidFill>
+        <a:latin typeface="+mn-lt"/>
+        <a:ea typeface="+mn-ea"/>
+        <a:cs typeface="+mn-cs"/>
+      </a:defRPr>
+    </a:lvl2pPr>
+    <a:lvl3pPr marL="914400" algn="l" defTabSz="914400" rtl="0" eaLnBrk="1" latinLnBrk="0" hangingPunct="1">
+      <a:defRPr sz="1200" kern="1200">
+        <a:solidFill>
+          <a:schemeClr val="tx1"/>
+        </a:solidFill>
+        <a:latin typeface="+mn-lt"/>
+        <a:ea typeface="+mn-ea"/>
+        <a:cs typeface="+mn-cs"/>
+      </a:defRPr>
+    </a:lvl3pPr>
+    <a:lvl4pPr marL="1371600" algn="l" defTabSz="914400" rtl="0" eaLnBrk="1" latinLnBrk="0" hangingPunct="1">
+      <a:defRPr sz="1200" kern="1200">
+        <a:solidFill>
+          <a:schemeClr val="tx1"/>
+        </a:solidFill>
+        <a:latin typeface="+mn-lt"/>
+        <a:ea typeface="+mn-ea"/>
+        <a:cs typeface="+mn-cs"/>
+      </a:defRPr>
+    </a:lvl4pPr>
+    <a:lvl5pPr marL="1828800" algn="l" defTabSz="914400" rtl="0" eaLnBrk="1" latinLnBrk="0" hangingPunct="1">
+      <a:defRPr sz="1200" kern="1200">
+        <a:solidFill>
+          <a:schemeClr val="tx1"/>
+        </a:solidFill>
+        <a:latin typeface="+mn-lt"/>
+        <a:ea typeface="+mn-ea"/>
+        <a:cs typeface="+mn-cs"/>
+      </a:defRPr>
+    </a:lvl5pPr>
+    <a:lvl6pPr marL="2286000" algn="l" defTabSz="914400" rtl="0" eaLnBrk="1" latinLnBrk="0" hangingPunct="1">
+      <a:defRPr sz="1200" kern="1200">
+        <a:solidFill>
+          <a:schemeClr val="tx1"/>
+        </a:solidFill>
+        <a:latin typeface="+mn-lt"/>
+        <a:ea typeface="+mn-ea"/>
+        <a:cs typeface="+mn-cs"/>
+      </a:defRPr>
+    </a:lvl6pPr>
+    <a:lvl7pPr marL="2743200" algn="l" defTabSz="914400" rtl="0" eaLnBrk="1" latinLnBrk="0" hangingPunct="1">
+      <a:defRPr sz="1200" kern="1200">
+        <a:solidFill>
+          <a:schemeClr val="tx1"/>
+        </a:solidFill>
+        <a:latin typeface="+mn-lt"/>
+        <a:ea typeface="+mn-ea"/>
+        <a:cs typeface="+mn-cs"/>
+      </a:defRPr>
+    </a:lvl7pPr>
+    <a:lvl8pPr marL="3200400" algn="l" defTabSz="914400" rtl="0" eaLnBrk="1" latinLnBrk="0" hangingPunct="1">
+      <a:defRPr sz="1200" kern="1200">
+        <a:solidFill>
+          <a:schemeClr val="tx1"/>
+        </a:solidFill>
+        <a:latin typeface="+mn-lt"/>
+        <a:ea typeface="+mn-ea"/>
+        <a:cs typeface="+mn-cs"/>
+      </a:defRPr>
+    </a:lvl8pPr>
+    <a:lvl9pPr marL="3657600" algn="l" defTabSz="914400" rtl="0" eaLnBrk="1" latinLnBrk="0" hangingPunct="1">
+      <a:defRPr sz="1200" kern="1200">
+        <a:solidFill>
+          <a:schemeClr val="tx1"/>
+        </a:solidFill>
+        <a:latin typeface="+mn-lt"/>
+        <a:ea typeface="+mn-ea"/>
+        <a:cs typeface="+mn-cs"/>
+      </a:defRPr>
+    </a:lvl9pPr>
+  </p:notesStyle>
+</p:notesMaster>
+</file>
+
+<file path=ppt/notesSlides/notesSlide1.xml><?xml version="1.0" encoding="utf-8"?>
+<p:notes xmlns:a="http://schemas.openxmlformats.org/drawingml/2006/main" xmlns:r="http://schemas.openxmlformats.org/officeDocument/2006/relationships" xmlns:p="http://schemas.openxmlformats.org/presentationml/2006/main">
+  <p:cSld>
+    <p:spTree>
+      <p:nvGrpSpPr>
+        <p:cNvPr id="1" name=""/>
+        <p:cNvGrpSpPr/>
+        <p:nvPr/>
+      </p:nvGrpSpPr>
+      <p:grpSpPr>
+        <a:xfrm>
+          <a:off x="0" y="0"/>
+          <a:ext cx="0" cy="0"/>
+          <a:chOff x="0" y="0"/>
+          <a:chExt cx="0" cy="0"/>
+        </a:xfrm>
+      </p:grpSpPr>
+      <p:sp>
+        <p:nvSpPr>
+          <p:cNvPr id="2" name="Espace réservé de l'image des diapositives 1"/>
+          <p:cNvSpPr>
+            <a:spLocks noGrp="1" noRot="1" noChangeAspect="1"/>
+          </p:cNvSpPr>
+          <p:nvPr>
+            <p:ph type="sldImg"/>
+          </p:nvPr>
+        </p:nvSpPr>
+        <p:spPr/>
+      </p:sp>
+      <p:sp>
+        <p:nvSpPr>
+          <p:cNvPr id="3" name="Espace réservé des notes 2"/>
+          <p:cNvSpPr>
+            <a:spLocks noGrp="1"/>
+          </p:cNvSpPr>
+          <p:nvPr>
+            <p:ph type="body" idx="1"/>
+          </p:nvPr>
+        </p:nvSpPr>
+        <p:spPr/>
+        <p:txBody>
+          <a:bodyPr/>
+          <a:lstStyle/>
+          <a:p>
+            <a:endParaRPr lang="fr-FR" dirty="0"/>
+          </a:p>
+        </p:txBody>
+      </p:sp>
+      <p:sp>
+        <p:nvSpPr>
+          <p:cNvPr id="4" name="Espace réservé du numéro de diapositive 3"/>
+          <p:cNvSpPr>
+            <a:spLocks noGrp="1"/>
+          </p:cNvSpPr>
+          <p:nvPr>
+            <p:ph type="sldNum" sz="quarter" idx="5"/>
+          </p:nvPr>
+        </p:nvSpPr>
+        <p:spPr/>
+        <p:txBody>
+          <a:bodyPr/>
+          <a:lstStyle/>
+          <a:p>
+            <a:fld id="{7BC599D8-D1D6-994C-8FD5-FFD2B4981737}" type="slidenum">
+              <a:rPr lang="fr-FR" smtClean="0"/>
+              <a:t>3</a:t>
+            </a:fld>
+            <a:endParaRPr lang="fr-FR"/>
+          </a:p>
+        </p:txBody>
+      </p:sp>
+    </p:spTree>
+    <p:extLst>
+      <p:ext uri="{BB962C8B-B14F-4D97-AF65-F5344CB8AC3E}">
+        <p14:creationId xmlns:p14="http://schemas.microsoft.com/office/powerpoint/2010/main" val="3060583304"/>
+      </p:ext>
+    </p:extLst>
+  </p:cSld>
+  <p:clrMapOvr>
+    <a:masterClrMapping/>
+  </p:clrMapOvr>
+</p:notes>
 </file>
 
 <file path=ppt/slideLayouts/slideLayout1.xml><?xml version="1.0" encoding="utf-8"?>
@@ -3495,8 +3936,8 @@
         </p:nvSpPr>
         <p:spPr>
           <a:xfrm>
-            <a:off x="4768223" y="555231"/>
-            <a:ext cx="3400867" cy="461665"/>
+            <a:off x="1" y="59609"/>
+            <a:ext cx="12192000" cy="369332"/>
           </a:xfrm>
           <a:prstGeom prst="rect">
             <a:avLst/>
@@ -3504,13 +3945,14 @@
           <a:noFill/>
         </p:spPr>
         <p:txBody>
-          <a:bodyPr wrap="none" rtlCol="0">
+          <a:bodyPr wrap="square" rtlCol="0">
             <a:spAutoFit/>
           </a:bodyPr>
           <a:lstStyle/>
           <a:p>
-            <a:r>
-              <a:rPr lang="fr-FR" sz="2400" b="1" dirty="0"/>
+            <a:pPr algn="ctr"/>
+            <a:r>
+              <a:rPr lang="fr-FR" b="1" dirty="0"/>
               <a:t>Optimisation des images </a:t>
             </a:r>
           </a:p>
@@ -3538,8 +3980,8 @@
         </p:blipFill>
         <p:spPr>
           <a:xfrm>
-            <a:off x="523081" y="3106888"/>
-            <a:ext cx="2107719" cy="3544583"/>
+            <a:off x="198085" y="1962196"/>
+            <a:ext cx="2647328" cy="4452051"/>
           </a:xfrm>
           <a:prstGeom prst="rect">
             <a:avLst/>
@@ -3567,7 +4009,7 @@
         </p:nvSpPr>
         <p:spPr>
           <a:xfrm>
-            <a:off x="5281992" y="98437"/>
+            <a:off x="0" y="39063"/>
             <a:ext cx="2373331" cy="369332"/>
           </a:xfrm>
           <a:prstGeom prst="rect">
@@ -3620,8 +4062,8 @@
         </p:nvSpPr>
         <p:spPr>
           <a:xfrm>
-            <a:off x="160811" y="2532743"/>
-            <a:ext cx="2884059" cy="369332"/>
+            <a:off x="468367" y="1460133"/>
+            <a:ext cx="1978427" cy="276999"/>
           </a:xfrm>
           <a:prstGeom prst="rect">
             <a:avLst/>
@@ -3657,7 +4099,7 @@
           <a:lstStyle/>
           <a:p>
             <a:r>
-              <a:rPr lang="fr-FR" dirty="0"/>
+              <a:rPr lang="fr-FR" sz="1200" dirty="0"/>
               <a:t>Indice de performance initial</a:t>
             </a:r>
           </a:p>
@@ -3677,14 +4119,80 @@
         </p:nvSpPr>
         <p:spPr>
           <a:xfrm>
-            <a:off x="523081" y="1340339"/>
-            <a:ext cx="11282384" cy="369332"/>
+            <a:off x="0" y="754311"/>
+            <a:ext cx="12192000" cy="276999"/>
           </a:xfrm>
           <a:prstGeom prst="rect">
             <a:avLst/>
           </a:prstGeom>
           <a:noFill/>
         </p:spPr>
+        <p:txBody>
+          <a:bodyPr wrap="square" rtlCol="0">
+            <a:spAutoFit/>
+          </a:bodyPr>
+          <a:lstStyle/>
+          <a:p>
+            <a:pPr algn="ctr"/>
+            <a:r>
+              <a:rPr lang="fr-FR" sz="1200" dirty="0"/>
+              <a:t>L’utilisation de format de compression </a:t>
+            </a:r>
+            <a:r>
+              <a:rPr lang="fr-FR" sz="1200" dirty="0" err="1"/>
+              <a:t>next-gen</a:t>
+            </a:r>
+            <a:r>
+              <a:rPr lang="fr-FR" sz="1200" dirty="0"/>
+              <a:t> a une incidence sur les performances du site et de son référencement.</a:t>
+            </a:r>
+          </a:p>
+        </p:txBody>
+      </p:sp>
+      <p:sp>
+        <p:nvSpPr>
+          <p:cNvPr id="15" name="ZoneTexte 14">
+            <a:extLst>
+              <a:ext uri="{FF2B5EF4-FFF2-40B4-BE49-F238E27FC236}">
+                <a16:creationId xmlns:a16="http://schemas.microsoft.com/office/drawing/2014/main" id="{A0A13529-4C07-9568-6144-8B4591235BE3}"/>
+              </a:ext>
+            </a:extLst>
+          </p:cNvPr>
+          <p:cNvSpPr txBox="1"/>
+          <p:nvPr/>
+        </p:nvSpPr>
+        <p:spPr>
+          <a:xfrm>
+            <a:off x="9558323" y="1460133"/>
+            <a:ext cx="2069926" cy="276999"/>
+          </a:xfrm>
+          <a:prstGeom prst="rect">
+            <a:avLst/>
+          </a:prstGeom>
+          <a:solidFill>
+            <a:schemeClr val="accent6">
+              <a:lumMod val="20000"/>
+              <a:lumOff val="80000"/>
+            </a:schemeClr>
+          </a:solidFill>
+          <a:ln>
+            <a:noFill/>
+          </a:ln>
+        </p:spPr>
+        <p:style>
+          <a:lnRef idx="2">
+            <a:schemeClr val="dk1"/>
+          </a:lnRef>
+          <a:fillRef idx="1">
+            <a:schemeClr val="lt1"/>
+          </a:fillRef>
+          <a:effectRef idx="0">
+            <a:schemeClr val="dk1"/>
+          </a:effectRef>
+          <a:fontRef idx="minor">
+            <a:schemeClr val="dk1"/>
+          </a:fontRef>
+        </p:style>
         <p:txBody>
           <a:bodyPr wrap="none" rtlCol="0">
             <a:spAutoFit/>
@@ -3692,26 +4200,143 @@
           <a:lstStyle/>
           <a:p>
             <a:r>
-              <a:rPr lang="fr-FR" dirty="0"/>
-              <a:t>L’utilisation de format de compression </a:t>
-            </a:r>
-            <a:r>
-              <a:rPr lang="fr-FR" dirty="0" err="1"/>
-              <a:t>next-gen</a:t>
-            </a:r>
-            <a:r>
-              <a:rPr lang="fr-FR" dirty="0"/>
-              <a:t> a une incidence sur les performances du site et de son référencement.</a:t>
-            </a:r>
-          </a:p>
-        </p:txBody>
-      </p:sp>
-      <p:sp>
-        <p:nvSpPr>
-          <p:cNvPr id="12" name="Flèche vers la droite 11">
-            <a:extLst>
-              <a:ext uri="{FF2B5EF4-FFF2-40B4-BE49-F238E27FC236}">
-                <a16:creationId xmlns:a16="http://schemas.microsoft.com/office/drawing/2014/main" id="{B1F6F914-A369-D8B5-AAD8-3AA9EE6365F9}"/>
+              <a:rPr lang="fr-FR" sz="1200" dirty="0"/>
+              <a:t>Nouvel indice de performance</a:t>
+            </a:r>
+          </a:p>
+        </p:txBody>
+      </p:sp>
+      <p:pic>
+        <p:nvPicPr>
+          <p:cNvPr id="19" name="Image 18">
+            <a:extLst>
+              <a:ext uri="{FF2B5EF4-FFF2-40B4-BE49-F238E27FC236}">
+                <a16:creationId xmlns:a16="http://schemas.microsoft.com/office/drawing/2014/main" id="{D3728857-027D-6CF5-18E4-6C7854BF8399}"/>
+              </a:ext>
+            </a:extLst>
+          </p:cNvPr>
+          <p:cNvPicPr>
+            <a:picLocks noChangeAspect="1"/>
+          </p:cNvPicPr>
+          <p:nvPr/>
+        </p:nvPicPr>
+        <p:blipFill rotWithShape="1">
+          <a:blip r:embed="rId3"/>
+          <a:srcRect/>
+          <a:stretch/>
+        </p:blipFill>
+        <p:spPr>
+          <a:xfrm>
+            <a:off x="6484071" y="2508057"/>
+            <a:ext cx="2429878" cy="2913955"/>
+          </a:xfrm>
+          <a:prstGeom prst="rect">
+            <a:avLst/>
+          </a:prstGeom>
+        </p:spPr>
+      </p:pic>
+      <p:pic>
+        <p:nvPicPr>
+          <p:cNvPr id="23" name="Image 22">
+            <a:extLst>
+              <a:ext uri="{FF2B5EF4-FFF2-40B4-BE49-F238E27FC236}">
+                <a16:creationId xmlns:a16="http://schemas.microsoft.com/office/drawing/2014/main" id="{B4E30531-2AEC-5307-AC0E-E4B388ED0C44}"/>
+              </a:ext>
+            </a:extLst>
+          </p:cNvPr>
+          <p:cNvPicPr>
+            <a:picLocks noChangeAspect="1"/>
+          </p:cNvPicPr>
+          <p:nvPr/>
+        </p:nvPicPr>
+        <p:blipFill rotWithShape="1">
+          <a:blip r:embed="rId4"/>
+          <a:srcRect r="18174"/>
+          <a:stretch/>
+        </p:blipFill>
+        <p:spPr>
+          <a:xfrm>
+            <a:off x="9364682" y="1962196"/>
+            <a:ext cx="2617629" cy="4452050"/>
+          </a:xfrm>
+          <a:prstGeom prst="rect">
+            <a:avLst/>
+          </a:prstGeom>
+          <a:effectLst>
+            <a:outerShdw blurRad="63500" sx="102000" sy="102000" algn="ctr" rotWithShape="0">
+              <a:prstClr val="black">
+                <a:alpha val="40000"/>
+              </a:prstClr>
+            </a:outerShdw>
+          </a:effectLst>
+        </p:spPr>
+      </p:pic>
+      <p:pic>
+        <p:nvPicPr>
+          <p:cNvPr id="28" name="Image 27">
+            <a:extLst>
+              <a:ext uri="{FF2B5EF4-FFF2-40B4-BE49-F238E27FC236}">
+                <a16:creationId xmlns:a16="http://schemas.microsoft.com/office/drawing/2014/main" id="{E7B5B3B8-708B-90D7-C9DE-74D39B0A05D5}"/>
+              </a:ext>
+            </a:extLst>
+          </p:cNvPr>
+          <p:cNvPicPr>
+            <a:picLocks noChangeAspect="1"/>
+          </p:cNvPicPr>
+          <p:nvPr/>
+        </p:nvPicPr>
+        <p:blipFill>
+          <a:blip r:embed="rId5"/>
+          <a:stretch>
+            <a:fillRect/>
+          </a:stretch>
+        </p:blipFill>
+        <p:spPr>
+          <a:xfrm>
+            <a:off x="3307734" y="2508057"/>
+            <a:ext cx="2312717" cy="3339070"/>
+          </a:xfrm>
+          <a:prstGeom prst="rect">
+            <a:avLst/>
+          </a:prstGeom>
+        </p:spPr>
+      </p:pic>
+      <p:pic>
+        <p:nvPicPr>
+          <p:cNvPr id="30" name="Image 29">
+            <a:extLst>
+              <a:ext uri="{FF2B5EF4-FFF2-40B4-BE49-F238E27FC236}">
+                <a16:creationId xmlns:a16="http://schemas.microsoft.com/office/drawing/2014/main" id="{CB36C6C4-F536-361D-5EAF-0B2E6AF031C2}"/>
+              </a:ext>
+            </a:extLst>
+          </p:cNvPr>
+          <p:cNvPicPr>
+            <a:picLocks noChangeAspect="1"/>
+          </p:cNvPicPr>
+          <p:nvPr/>
+        </p:nvPicPr>
+        <p:blipFill>
+          <a:blip r:embed="rId6"/>
+          <a:stretch>
+            <a:fillRect/>
+          </a:stretch>
+        </p:blipFill>
+        <p:spPr>
+          <a:xfrm>
+            <a:off x="6516155" y="5957265"/>
+            <a:ext cx="2309002" cy="352082"/>
+          </a:xfrm>
+          <a:prstGeom prst="rect">
+            <a:avLst/>
+          </a:prstGeom>
+        </p:spPr>
+      </p:pic>
+      <p:sp>
+        <p:nvSpPr>
+          <p:cNvPr id="32" name="Rectangle 31">
+            <a:extLst>
+              <a:ext uri="{FF2B5EF4-FFF2-40B4-BE49-F238E27FC236}">
+                <a16:creationId xmlns:a16="http://schemas.microsoft.com/office/drawing/2014/main" id="{E87445C3-CA42-3ACB-2A95-D44AFE635827}"/>
               </a:ext>
             </a:extLst>
           </p:cNvPr>
@@ -3720,12 +4345,18 @@
         </p:nvSpPr>
         <p:spPr>
           <a:xfrm>
-            <a:off x="3338285" y="2440447"/>
-            <a:ext cx="1843316" cy="553923"/>
-          </a:xfrm>
-          <a:prstGeom prst="rightArrow">
-            <a:avLst/>
-          </a:prstGeom>
+            <a:off x="3020644" y="1957409"/>
+            <a:ext cx="6155440" cy="4452051"/>
+          </a:xfrm>
+          <a:prstGeom prst="rect">
+            <a:avLst/>
+          </a:prstGeom>
+          <a:noFill/>
+          <a:ln w="6350">
+            <a:solidFill>
+              <a:schemeClr val="tx1"/>
+            </a:solidFill>
+          </a:ln>
         </p:spPr>
         <p:style>
           <a:lnRef idx="2">
@@ -3752,6 +4383,81 @@
           </a:p>
         </p:txBody>
       </p:sp>
+      <p:cxnSp>
+        <p:nvCxnSpPr>
+          <p:cNvPr id="34" name="Connecteur droit avec flèche 33">
+            <a:extLst>
+              <a:ext uri="{FF2B5EF4-FFF2-40B4-BE49-F238E27FC236}">
+                <a16:creationId xmlns:a16="http://schemas.microsoft.com/office/drawing/2014/main" id="{167D1B32-2353-2387-A6C2-6087EA481FB5}"/>
+              </a:ext>
+            </a:extLst>
+          </p:cNvPr>
+          <p:cNvCxnSpPr>
+            <a:cxnSpLocks/>
+            <a:endCxn id="15" idx="1"/>
+          </p:cNvCxnSpPr>
+          <p:nvPr/>
+        </p:nvCxnSpPr>
+        <p:spPr>
+          <a:xfrm>
+            <a:off x="2446794" y="1598632"/>
+            <a:ext cx="7111529" cy="1"/>
+          </a:xfrm>
+          <a:prstGeom prst="straightConnector1">
+            <a:avLst/>
+          </a:prstGeom>
+          <a:ln w="19050">
+            <a:solidFill>
+              <a:schemeClr val="tx1"/>
+            </a:solidFill>
+            <a:tailEnd type="triangle"/>
+          </a:ln>
+        </p:spPr>
+        <p:style>
+          <a:lnRef idx="1">
+            <a:schemeClr val="accent1"/>
+          </a:lnRef>
+          <a:fillRef idx="0">
+            <a:schemeClr val="accent1"/>
+          </a:fillRef>
+          <a:effectRef idx="0">
+            <a:schemeClr val="accent1"/>
+          </a:effectRef>
+          <a:fontRef idx="minor">
+            <a:schemeClr val="tx1"/>
+          </a:fontRef>
+        </p:style>
+      </p:cxnSp>
+      <p:pic>
+        <p:nvPicPr>
+          <p:cNvPr id="36" name="Image 35">
+            <a:extLst>
+              <a:ext uri="{FF2B5EF4-FFF2-40B4-BE49-F238E27FC236}">
+                <a16:creationId xmlns:a16="http://schemas.microsoft.com/office/drawing/2014/main" id="{D6E9000E-B626-BAD9-2850-654D7153D412}"/>
+              </a:ext>
+            </a:extLst>
+          </p:cNvPr>
+          <p:cNvPicPr>
+            <a:picLocks noChangeAspect="1"/>
+          </p:cNvPicPr>
+          <p:nvPr/>
+        </p:nvPicPr>
+        <p:blipFill>
+          <a:blip r:embed="rId7"/>
+          <a:stretch>
+            <a:fillRect/>
+          </a:stretch>
+        </p:blipFill>
+        <p:spPr>
+          <a:xfrm>
+            <a:off x="3355873" y="5957265"/>
+            <a:ext cx="2248524" cy="352082"/>
+          </a:xfrm>
+          <a:prstGeom prst="rect">
+            <a:avLst/>
+          </a:prstGeom>
+        </p:spPr>
+      </p:pic>
       <p:sp>
         <p:nvSpPr>
           <p:cNvPr id="13" name="ZoneTexte 12">
@@ -3766,8 +4472,8 @@
         </p:nvSpPr>
         <p:spPr>
           <a:xfrm>
-            <a:off x="5351800" y="2532743"/>
-            <a:ext cx="1396601" cy="369332"/>
+            <a:off x="5599165" y="1460133"/>
+            <a:ext cx="993670" cy="276999"/>
           </a:xfrm>
           <a:prstGeom prst="rect">
             <a:avLst/>
@@ -3803,64 +4509,63 @@
           <a:lstStyle/>
           <a:p>
             <a:r>
-              <a:rPr lang="fr-FR" dirty="0"/>
+              <a:rPr lang="fr-FR" sz="1200" dirty="0"/>
               <a:t>Optimisation</a:t>
             </a:r>
           </a:p>
         </p:txBody>
       </p:sp>
-      <p:sp>
-        <p:nvSpPr>
-          <p:cNvPr id="14" name="Flèche vers la droite 13">
-            <a:extLst>
-              <a:ext uri="{FF2B5EF4-FFF2-40B4-BE49-F238E27FC236}">
-                <a16:creationId xmlns:a16="http://schemas.microsoft.com/office/drawing/2014/main" id="{8F3FFAC4-8285-DBFF-C459-ACA1B75767E0}"/>
-              </a:ext>
-            </a:extLst>
-          </p:cNvPr>
-          <p:cNvSpPr/>
-          <p:nvPr/>
-        </p:nvSpPr>
-        <p:spPr>
-          <a:xfrm>
-            <a:off x="7010400" y="2440446"/>
-            <a:ext cx="1751517" cy="553923"/>
-          </a:xfrm>
-          <a:prstGeom prst="rightArrow">
-            <a:avLst/>
-          </a:prstGeom>
+      <p:cxnSp>
+        <p:nvCxnSpPr>
+          <p:cNvPr id="39" name="Connecteur droit 38">
+            <a:extLst>
+              <a:ext uri="{FF2B5EF4-FFF2-40B4-BE49-F238E27FC236}">
+                <a16:creationId xmlns:a16="http://schemas.microsoft.com/office/drawing/2014/main" id="{780747E3-7747-2408-5B82-1476D10C3288}"/>
+              </a:ext>
+            </a:extLst>
+          </p:cNvPr>
+          <p:cNvCxnSpPr>
+            <a:stCxn id="32" idx="0"/>
+            <a:endCxn id="32" idx="2"/>
+          </p:cNvCxnSpPr>
+          <p:nvPr/>
+        </p:nvCxnSpPr>
+        <p:spPr>
+          <a:xfrm>
+            <a:off x="6098364" y="1957409"/>
+            <a:ext cx="0" cy="4452051"/>
+          </a:xfrm>
+          <a:prstGeom prst="line">
+            <a:avLst/>
+          </a:prstGeom>
+          <a:ln w="15875">
+            <a:solidFill>
+              <a:schemeClr val="tx1"/>
+            </a:solidFill>
+            <a:prstDash val="sysDash"/>
+          </a:ln>
         </p:spPr>
         <p:style>
-          <a:lnRef idx="2">
-            <a:schemeClr val="accent1">
-              <a:shade val="50000"/>
-            </a:schemeClr>
+          <a:lnRef idx="1">
+            <a:schemeClr val="accent1"/>
           </a:lnRef>
-          <a:fillRef idx="1">
+          <a:fillRef idx="0">
             <a:schemeClr val="accent1"/>
           </a:fillRef>
           <a:effectRef idx="0">
             <a:schemeClr val="accent1"/>
           </a:effectRef>
           <a:fontRef idx="minor">
-            <a:schemeClr val="lt1"/>
+            <a:schemeClr val="tx1"/>
           </a:fontRef>
         </p:style>
-        <p:txBody>
-          <a:bodyPr rtlCol="0" anchor="ctr"/>
-          <a:lstStyle/>
-          <a:p>
-            <a:pPr algn="ctr"/>
-            <a:endParaRPr lang="fr-FR"/>
-          </a:p>
-        </p:txBody>
-      </p:sp>
-      <p:sp>
-        <p:nvSpPr>
-          <p:cNvPr id="15" name="ZoneTexte 14">
-            <a:extLst>
-              <a:ext uri="{FF2B5EF4-FFF2-40B4-BE49-F238E27FC236}">
-                <a16:creationId xmlns:a16="http://schemas.microsoft.com/office/drawing/2014/main" id="{A0A13529-4C07-9568-6144-8B4591235BE3}"/>
+      </p:cxnSp>
+      <p:sp>
+        <p:nvSpPr>
+          <p:cNvPr id="40" name="ZoneTexte 39">
+            <a:extLst>
+              <a:ext uri="{FF2B5EF4-FFF2-40B4-BE49-F238E27FC236}">
+                <a16:creationId xmlns:a16="http://schemas.microsoft.com/office/drawing/2014/main" id="{7C1CC60C-F4E1-E1DE-BD7D-8D93E7C89F21}"/>
               </a:ext>
             </a:extLst>
           </p:cNvPr>
@@ -3869,36 +4574,14 @@
         </p:nvSpPr>
         <p:spPr>
           <a:xfrm>
-            <a:off x="9035812" y="2532743"/>
-            <a:ext cx="3021276" cy="369332"/>
-          </a:xfrm>
-          <a:prstGeom prst="rect">
-            <a:avLst/>
-          </a:prstGeom>
-          <a:solidFill>
-            <a:schemeClr val="accent6">
-              <a:lumMod val="20000"/>
-              <a:lumOff val="80000"/>
-            </a:schemeClr>
-          </a:solidFill>
-          <a:ln>
-            <a:noFill/>
-          </a:ln>
-        </p:spPr>
-        <p:style>
-          <a:lnRef idx="2">
-            <a:schemeClr val="dk1"/>
-          </a:lnRef>
-          <a:fillRef idx="1">
-            <a:schemeClr val="lt1"/>
-          </a:fillRef>
-          <a:effectRef idx="0">
-            <a:schemeClr val="dk1"/>
-          </a:effectRef>
-          <a:fontRef idx="minor">
-            <a:schemeClr val="dk1"/>
-          </a:fontRef>
-        </p:style>
+            <a:off x="4213074" y="1978954"/>
+            <a:ext cx="534121" cy="276999"/>
+          </a:xfrm>
+          <a:prstGeom prst="rect">
+            <a:avLst/>
+          </a:prstGeom>
+          <a:noFill/>
+        </p:spPr>
         <p:txBody>
           <a:bodyPr wrap="none" rtlCol="0">
             <a:spAutoFit/>
@@ -3906,78 +4589,47 @@
           <a:lstStyle/>
           <a:p>
             <a:r>
-              <a:rPr lang="fr-FR" dirty="0"/>
-              <a:t>Nouvel indice de performance</a:t>
-            </a:r>
-          </a:p>
-        </p:txBody>
-      </p:sp>
-      <p:pic>
-        <p:nvPicPr>
-          <p:cNvPr id="17" name="Image 16">
-            <a:extLst>
-              <a:ext uri="{FF2B5EF4-FFF2-40B4-BE49-F238E27FC236}">
-                <a16:creationId xmlns:a16="http://schemas.microsoft.com/office/drawing/2014/main" id="{BBB041BD-F40C-F5A6-A7E6-FCA095E05E93}"/>
-              </a:ext>
-            </a:extLst>
-          </p:cNvPr>
-          <p:cNvPicPr>
-            <a:picLocks noChangeAspect="1"/>
-          </p:cNvPicPr>
-          <p:nvPr/>
-        </p:nvPicPr>
-        <p:blipFill rotWithShape="1">
-          <a:blip r:embed="rId3"/>
-          <a:srcRect b="25344"/>
-          <a:stretch/>
-        </p:blipFill>
-        <p:spPr>
-          <a:xfrm>
-            <a:off x="9561200" y="3113630"/>
-            <a:ext cx="2107719" cy="3537841"/>
-          </a:xfrm>
-          <a:prstGeom prst="rect">
-            <a:avLst/>
-          </a:prstGeom>
-          <a:effectLst>
-            <a:outerShdw blurRad="63500" sx="102000" sy="102000" algn="ctr" rotWithShape="0">
-              <a:prstClr val="black">
-                <a:alpha val="40000"/>
-              </a:prstClr>
-            </a:outerShdw>
-          </a:effectLst>
-        </p:spPr>
-      </p:pic>
-      <p:pic>
-        <p:nvPicPr>
-          <p:cNvPr id="19" name="Image 18">
-            <a:extLst>
-              <a:ext uri="{FF2B5EF4-FFF2-40B4-BE49-F238E27FC236}">
-                <a16:creationId xmlns:a16="http://schemas.microsoft.com/office/drawing/2014/main" id="{D3728857-027D-6CF5-18E4-6C7854BF8399}"/>
-              </a:ext>
-            </a:extLst>
-          </p:cNvPr>
-          <p:cNvPicPr>
-            <a:picLocks noChangeAspect="1"/>
-          </p:cNvPicPr>
-          <p:nvPr/>
-        </p:nvPicPr>
-        <p:blipFill>
-          <a:blip r:embed="rId4"/>
-          <a:stretch>
-            <a:fillRect/>
-          </a:stretch>
-        </p:blipFill>
-        <p:spPr>
-          <a:xfrm>
-            <a:off x="4752428" y="3428999"/>
-            <a:ext cx="2687143" cy="3222472"/>
-          </a:xfrm>
-          <a:prstGeom prst="rect">
-            <a:avLst/>
-          </a:prstGeom>
-        </p:spPr>
-      </p:pic>
+              <a:rPr lang="fr-FR" sz="1200" dirty="0"/>
+              <a:t>Initial</a:t>
+            </a:r>
+          </a:p>
+        </p:txBody>
+      </p:sp>
+      <p:sp>
+        <p:nvSpPr>
+          <p:cNvPr id="41" name="ZoneTexte 40">
+            <a:extLst>
+              <a:ext uri="{FF2B5EF4-FFF2-40B4-BE49-F238E27FC236}">
+                <a16:creationId xmlns:a16="http://schemas.microsoft.com/office/drawing/2014/main" id="{3A26953B-CE3F-3779-389C-2F1ECAE6FC26}"/>
+              </a:ext>
+            </a:extLst>
+          </p:cNvPr>
+          <p:cNvSpPr txBox="1"/>
+          <p:nvPr/>
+        </p:nvSpPr>
+        <p:spPr>
+          <a:xfrm>
+            <a:off x="7491715" y="1972804"/>
+            <a:ext cx="479618" cy="276999"/>
+          </a:xfrm>
+          <a:prstGeom prst="rect">
+            <a:avLst/>
+          </a:prstGeom>
+          <a:noFill/>
+        </p:spPr>
+        <p:txBody>
+          <a:bodyPr wrap="none" rtlCol="0">
+            <a:spAutoFit/>
+          </a:bodyPr>
+          <a:lstStyle/>
+          <a:p>
+            <a:r>
+              <a:rPr lang="fr-FR" sz="1200" dirty="0"/>
+              <a:t>Final</a:t>
+            </a:r>
+          </a:p>
+        </p:txBody>
+      </p:sp>
     </p:spTree>
     <p:extLst>
       <p:ext uri="{BB962C8B-B14F-4D97-AF65-F5344CB8AC3E}">
@@ -4022,8 +4674,8 @@
         </p:nvSpPr>
         <p:spPr>
           <a:xfrm>
-            <a:off x="4308387" y="536340"/>
-            <a:ext cx="4276235" cy="461665"/>
+            <a:off x="1" y="59609"/>
+            <a:ext cx="12192000" cy="369332"/>
           </a:xfrm>
           <a:prstGeom prst="rect">
             <a:avLst/>
@@ -4031,14 +4683,31 @@
           <a:noFill/>
         </p:spPr>
         <p:txBody>
-          <a:bodyPr wrap="none" rtlCol="0">
+          <a:bodyPr wrap="square" rtlCol="0">
             <a:spAutoFit/>
           </a:bodyPr>
           <a:lstStyle/>
           <a:p>
-            <a:r>
-              <a:rPr lang="fr-FR" sz="2400" b="1" dirty="0"/>
-              <a:t>Optimisation des dépendances </a:t>
+            <a:pPr algn="ctr"/>
+            <a:r>
+              <a:rPr lang="fr-FR" b="1" dirty="0"/>
+              <a:t>Amélioration des balises </a:t>
+            </a:r>
+            <a:r>
+              <a:rPr lang="fr-FR" b="1" dirty="0" err="1"/>
+              <a:t>meta</a:t>
+            </a:r>
+            <a:r>
+              <a:rPr lang="fr-FR" b="1" dirty="0"/>
+              <a:t> </a:t>
+            </a:r>
+            <a:r>
+              <a:rPr lang="fr-FR" b="1" dirty="0" err="1"/>
+              <a:t>title</a:t>
+            </a:r>
+            <a:r>
+              <a:rPr lang="fr-FR" b="1" dirty="0"/>
+              <a:t> et description</a:t>
             </a:r>
           </a:p>
         </p:txBody>
@@ -4057,7 +4726,7 @@
         </p:nvSpPr>
         <p:spPr>
           <a:xfrm>
-            <a:off x="5281992" y="98437"/>
+            <a:off x="0" y="39063"/>
             <a:ext cx="2373331" cy="369332"/>
           </a:xfrm>
           <a:prstGeom prst="rect">
@@ -4110,8 +4779,8 @@
         </p:nvSpPr>
         <p:spPr>
           <a:xfrm>
-            <a:off x="160811" y="2532743"/>
-            <a:ext cx="2884059" cy="369332"/>
+            <a:off x="468367" y="2398590"/>
+            <a:ext cx="1978427" cy="276999"/>
           </a:xfrm>
           <a:prstGeom prst="rect">
             <a:avLst/>
@@ -4147,7 +4816,7 @@
           <a:lstStyle/>
           <a:p>
             <a:r>
-              <a:rPr lang="fr-FR" dirty="0"/>
+              <a:rPr lang="fr-FR" sz="1200" dirty="0"/>
               <a:t>Indice de performance initial</a:t>
             </a:r>
           </a:p>
@@ -4167,14 +4836,72 @@
         </p:nvSpPr>
         <p:spPr>
           <a:xfrm>
-            <a:off x="2001954" y="1391456"/>
-            <a:ext cx="8793241" cy="369332"/>
+            <a:off x="1167063" y="1172664"/>
+            <a:ext cx="9857874" cy="461665"/>
           </a:xfrm>
           <a:prstGeom prst="rect">
             <a:avLst/>
           </a:prstGeom>
           <a:noFill/>
         </p:spPr>
+        <p:txBody>
+          <a:bodyPr wrap="square" rtlCol="0">
+            <a:spAutoFit/>
+          </a:bodyPr>
+          <a:lstStyle/>
+          <a:p>
+            <a:pPr algn="ctr"/>
+            <a:r>
+              <a:rPr lang="fr-FR" sz="1200" dirty="0"/>
+              <a:t>Ajout d’un titre de page unique et descriptif et suppression de la balise méta keyword qui est inutile. Actuellement vide, la balise méta description agit directement sur le pourcentage de clics.</a:t>
+            </a:r>
+          </a:p>
+        </p:txBody>
+      </p:sp>
+      <p:sp>
+        <p:nvSpPr>
+          <p:cNvPr id="15" name="ZoneTexte 14">
+            <a:extLst>
+              <a:ext uri="{FF2B5EF4-FFF2-40B4-BE49-F238E27FC236}">
+                <a16:creationId xmlns:a16="http://schemas.microsoft.com/office/drawing/2014/main" id="{A0A13529-4C07-9568-6144-8B4591235BE3}"/>
+              </a:ext>
+            </a:extLst>
+          </p:cNvPr>
+          <p:cNvSpPr txBox="1"/>
+          <p:nvPr/>
+        </p:nvSpPr>
+        <p:spPr>
+          <a:xfrm>
+            <a:off x="9558323" y="2398590"/>
+            <a:ext cx="2069926" cy="276999"/>
+          </a:xfrm>
+          <a:prstGeom prst="rect">
+            <a:avLst/>
+          </a:prstGeom>
+          <a:solidFill>
+            <a:schemeClr val="accent6">
+              <a:lumMod val="20000"/>
+              <a:lumOff val="80000"/>
+            </a:schemeClr>
+          </a:solidFill>
+          <a:ln>
+            <a:noFill/>
+          </a:ln>
+        </p:spPr>
+        <p:style>
+          <a:lnRef idx="2">
+            <a:schemeClr val="dk1"/>
+          </a:lnRef>
+          <a:fillRef idx="1">
+            <a:schemeClr val="lt1"/>
+          </a:fillRef>
+          <a:effectRef idx="0">
+            <a:schemeClr val="dk1"/>
+          </a:effectRef>
+          <a:fontRef idx="minor">
+            <a:schemeClr val="dk1"/>
+          </a:fontRef>
+        </p:style>
         <p:txBody>
           <a:bodyPr wrap="none" rtlCol="0">
             <a:spAutoFit/>
@@ -4182,26 +4909,18 @@
           <a:lstStyle/>
           <a:p>
             <a:r>
-              <a:rPr lang="fr-FR" dirty="0"/>
-              <a:t>Minification des dépendances et </a:t>
-            </a:r>
-            <a:r>
-              <a:rPr lang="fr-FR" dirty="0" err="1"/>
-              <a:t>defer</a:t>
-            </a:r>
-            <a:r>
-              <a:rPr lang="fr-FR" dirty="0"/>
-              <a:t> des scripts pour améliorer les performances et le SEO</a:t>
-            </a:r>
-          </a:p>
-        </p:txBody>
-      </p:sp>
-      <p:sp>
-        <p:nvSpPr>
-          <p:cNvPr id="12" name="Flèche vers la droite 11">
-            <a:extLst>
-              <a:ext uri="{FF2B5EF4-FFF2-40B4-BE49-F238E27FC236}">
-                <a16:creationId xmlns:a16="http://schemas.microsoft.com/office/drawing/2014/main" id="{B1F6F914-A369-D8B5-AAD8-3AA9EE6365F9}"/>
+              <a:rPr lang="fr-FR" sz="1200" dirty="0"/>
+              <a:t>Nouvel indice de performance</a:t>
+            </a:r>
+          </a:p>
+        </p:txBody>
+      </p:sp>
+      <p:sp>
+        <p:nvSpPr>
+          <p:cNvPr id="32" name="Rectangle 31">
+            <a:extLst>
+              <a:ext uri="{FF2B5EF4-FFF2-40B4-BE49-F238E27FC236}">
+                <a16:creationId xmlns:a16="http://schemas.microsoft.com/office/drawing/2014/main" id="{E87445C3-CA42-3ACB-2A95-D44AFE635827}"/>
               </a:ext>
             </a:extLst>
           </p:cNvPr>
@@ -4210,12 +4929,18 @@
         </p:nvSpPr>
         <p:spPr>
           <a:xfrm>
-            <a:off x="3338285" y="2440447"/>
-            <a:ext cx="1843316" cy="553923"/>
-          </a:xfrm>
-          <a:prstGeom prst="rightArrow">
-            <a:avLst/>
-          </a:prstGeom>
+            <a:off x="3020644" y="3224730"/>
+            <a:ext cx="6155440" cy="1456196"/>
+          </a:xfrm>
+          <a:prstGeom prst="rect">
+            <a:avLst/>
+          </a:prstGeom>
+          <a:noFill/>
+          <a:ln w="6350">
+            <a:solidFill>
+              <a:schemeClr val="tx1"/>
+            </a:solidFill>
+          </a:ln>
         </p:spPr>
         <p:style>
           <a:lnRef idx="2">
@@ -4242,6 +4967,51 @@
           </a:p>
         </p:txBody>
       </p:sp>
+      <p:cxnSp>
+        <p:nvCxnSpPr>
+          <p:cNvPr id="34" name="Connecteur droit avec flèche 33">
+            <a:extLst>
+              <a:ext uri="{FF2B5EF4-FFF2-40B4-BE49-F238E27FC236}">
+                <a16:creationId xmlns:a16="http://schemas.microsoft.com/office/drawing/2014/main" id="{167D1B32-2353-2387-A6C2-6087EA481FB5}"/>
+              </a:ext>
+            </a:extLst>
+          </p:cNvPr>
+          <p:cNvCxnSpPr>
+            <a:cxnSpLocks/>
+            <a:endCxn id="15" idx="1"/>
+          </p:cNvCxnSpPr>
+          <p:nvPr/>
+        </p:nvCxnSpPr>
+        <p:spPr>
+          <a:xfrm>
+            <a:off x="2446794" y="2537089"/>
+            <a:ext cx="7111529" cy="1"/>
+          </a:xfrm>
+          <a:prstGeom prst="straightConnector1">
+            <a:avLst/>
+          </a:prstGeom>
+          <a:ln w="19050">
+            <a:solidFill>
+              <a:schemeClr val="tx1"/>
+            </a:solidFill>
+            <a:tailEnd type="triangle"/>
+          </a:ln>
+        </p:spPr>
+        <p:style>
+          <a:lnRef idx="1">
+            <a:schemeClr val="accent1"/>
+          </a:lnRef>
+          <a:fillRef idx="0">
+            <a:schemeClr val="accent1"/>
+          </a:fillRef>
+          <a:effectRef idx="0">
+            <a:schemeClr val="accent1"/>
+          </a:effectRef>
+          <a:fontRef idx="minor">
+            <a:schemeClr val="tx1"/>
+          </a:fontRef>
+        </p:style>
+      </p:cxnSp>
       <p:sp>
         <p:nvSpPr>
           <p:cNvPr id="13" name="ZoneTexte 12">
@@ -4256,8 +5026,8 @@
         </p:nvSpPr>
         <p:spPr>
           <a:xfrm>
-            <a:off x="5351800" y="2532743"/>
-            <a:ext cx="1396601" cy="369332"/>
+            <a:off x="5599165" y="2398590"/>
+            <a:ext cx="993670" cy="276999"/>
           </a:xfrm>
           <a:prstGeom prst="rect">
             <a:avLst/>
@@ -4293,18 +5063,276 @@
           <a:lstStyle/>
           <a:p>
             <a:r>
-              <a:rPr lang="fr-FR" dirty="0"/>
+              <a:rPr lang="fr-FR" sz="1200" dirty="0"/>
               <a:t>Optimisation</a:t>
             </a:r>
           </a:p>
         </p:txBody>
       </p:sp>
-      <p:sp>
-        <p:nvSpPr>
-          <p:cNvPr id="14" name="Flèche vers la droite 13">
-            <a:extLst>
-              <a:ext uri="{FF2B5EF4-FFF2-40B4-BE49-F238E27FC236}">
-                <a16:creationId xmlns:a16="http://schemas.microsoft.com/office/drawing/2014/main" id="{8F3FFAC4-8285-DBFF-C459-ACA1B75767E0}"/>
+      <p:cxnSp>
+        <p:nvCxnSpPr>
+          <p:cNvPr id="39" name="Connecteur droit 38">
+            <a:extLst>
+              <a:ext uri="{FF2B5EF4-FFF2-40B4-BE49-F238E27FC236}">
+                <a16:creationId xmlns:a16="http://schemas.microsoft.com/office/drawing/2014/main" id="{780747E3-7747-2408-5B82-1476D10C3288}"/>
+              </a:ext>
+            </a:extLst>
+          </p:cNvPr>
+          <p:cNvCxnSpPr>
+            <a:cxnSpLocks/>
+            <a:stCxn id="32" idx="0"/>
+            <a:endCxn id="32" idx="2"/>
+          </p:cNvCxnSpPr>
+          <p:nvPr/>
+        </p:nvCxnSpPr>
+        <p:spPr>
+          <a:xfrm>
+            <a:off x="6098364" y="3224730"/>
+            <a:ext cx="0" cy="1456196"/>
+          </a:xfrm>
+          <a:prstGeom prst="line">
+            <a:avLst/>
+          </a:prstGeom>
+          <a:ln w="15875">
+            <a:solidFill>
+              <a:schemeClr val="tx1"/>
+            </a:solidFill>
+            <a:prstDash val="sysDash"/>
+          </a:ln>
+        </p:spPr>
+        <p:style>
+          <a:lnRef idx="1">
+            <a:schemeClr val="accent1"/>
+          </a:lnRef>
+          <a:fillRef idx="0">
+            <a:schemeClr val="accent1"/>
+          </a:fillRef>
+          <a:effectRef idx="0">
+            <a:schemeClr val="accent1"/>
+          </a:effectRef>
+          <a:fontRef idx="minor">
+            <a:schemeClr val="tx1"/>
+          </a:fontRef>
+        </p:style>
+      </p:cxnSp>
+      <p:sp>
+        <p:nvSpPr>
+          <p:cNvPr id="40" name="ZoneTexte 39">
+            <a:extLst>
+              <a:ext uri="{FF2B5EF4-FFF2-40B4-BE49-F238E27FC236}">
+                <a16:creationId xmlns:a16="http://schemas.microsoft.com/office/drawing/2014/main" id="{7C1CC60C-F4E1-E1DE-BD7D-8D93E7C89F21}"/>
+              </a:ext>
+            </a:extLst>
+          </p:cNvPr>
+          <p:cNvSpPr txBox="1"/>
+          <p:nvPr/>
+        </p:nvSpPr>
+        <p:spPr>
+          <a:xfrm>
+            <a:off x="4213074" y="3246274"/>
+            <a:ext cx="534121" cy="276999"/>
+          </a:xfrm>
+          <a:prstGeom prst="rect">
+            <a:avLst/>
+          </a:prstGeom>
+          <a:noFill/>
+        </p:spPr>
+        <p:txBody>
+          <a:bodyPr wrap="none" rtlCol="0">
+            <a:spAutoFit/>
+          </a:bodyPr>
+          <a:lstStyle/>
+          <a:p>
+            <a:r>
+              <a:rPr lang="fr-FR" sz="1200" dirty="0"/>
+              <a:t>Initial</a:t>
+            </a:r>
+          </a:p>
+        </p:txBody>
+      </p:sp>
+      <p:sp>
+        <p:nvSpPr>
+          <p:cNvPr id="41" name="ZoneTexte 40">
+            <a:extLst>
+              <a:ext uri="{FF2B5EF4-FFF2-40B4-BE49-F238E27FC236}">
+                <a16:creationId xmlns:a16="http://schemas.microsoft.com/office/drawing/2014/main" id="{3A26953B-CE3F-3779-389C-2F1ECAE6FC26}"/>
+              </a:ext>
+            </a:extLst>
+          </p:cNvPr>
+          <p:cNvSpPr txBox="1"/>
+          <p:nvPr/>
+        </p:nvSpPr>
+        <p:spPr>
+          <a:xfrm>
+            <a:off x="7491715" y="3240124"/>
+            <a:ext cx="479618" cy="276999"/>
+          </a:xfrm>
+          <a:prstGeom prst="rect">
+            <a:avLst/>
+          </a:prstGeom>
+          <a:noFill/>
+        </p:spPr>
+        <p:txBody>
+          <a:bodyPr wrap="none" rtlCol="0">
+            <a:spAutoFit/>
+          </a:bodyPr>
+          <a:lstStyle/>
+          <a:p>
+            <a:r>
+              <a:rPr lang="fr-FR" sz="1200" dirty="0"/>
+              <a:t>Final</a:t>
+            </a:r>
+          </a:p>
+        </p:txBody>
+      </p:sp>
+      <p:pic>
+        <p:nvPicPr>
+          <p:cNvPr id="2" name="Image 1">
+            <a:extLst>
+              <a:ext uri="{FF2B5EF4-FFF2-40B4-BE49-F238E27FC236}">
+                <a16:creationId xmlns:a16="http://schemas.microsoft.com/office/drawing/2014/main" id="{32EA416C-53A6-EAA5-796B-10A2359D393C}"/>
+              </a:ext>
+            </a:extLst>
+          </p:cNvPr>
+          <p:cNvPicPr>
+            <a:picLocks noChangeAspect="1"/>
+          </p:cNvPicPr>
+          <p:nvPr/>
+        </p:nvPicPr>
+        <p:blipFill rotWithShape="1">
+          <a:blip r:embed="rId3"/>
+          <a:srcRect l="40323" t="-813" r="40984" b="78295"/>
+          <a:stretch/>
+        </p:blipFill>
+        <p:spPr>
+          <a:xfrm>
+            <a:off x="1034715" y="5357084"/>
+            <a:ext cx="864678" cy="1061042"/>
+          </a:xfrm>
+          <a:prstGeom prst="rect">
+            <a:avLst/>
+          </a:prstGeom>
+          <a:effectLst>
+            <a:outerShdw blurRad="63500" sx="102000" sy="102000" algn="ctr" rotWithShape="0">
+              <a:prstClr val="black">
+                <a:alpha val="40000"/>
+              </a:prstClr>
+            </a:outerShdw>
+          </a:effectLst>
+        </p:spPr>
+      </p:pic>
+      <p:pic>
+        <p:nvPicPr>
+          <p:cNvPr id="3" name="Image 2">
+            <a:extLst>
+              <a:ext uri="{FF2B5EF4-FFF2-40B4-BE49-F238E27FC236}">
+                <a16:creationId xmlns:a16="http://schemas.microsoft.com/office/drawing/2014/main" id="{CCD1A038-60BD-4276-7A9C-DB0A83D8A09E}"/>
+              </a:ext>
+            </a:extLst>
+          </p:cNvPr>
+          <p:cNvPicPr>
+            <a:picLocks noChangeAspect="1"/>
+          </p:cNvPicPr>
+          <p:nvPr/>
+        </p:nvPicPr>
+        <p:blipFill rotWithShape="1">
+          <a:blip r:embed="rId4"/>
+          <a:srcRect l="40515" t="559" r="40687" b="69155"/>
+          <a:stretch/>
+        </p:blipFill>
+        <p:spPr>
+          <a:xfrm>
+            <a:off x="10040302" y="3389104"/>
+            <a:ext cx="864678" cy="1022404"/>
+          </a:xfrm>
+          <a:prstGeom prst="rect">
+            <a:avLst/>
+          </a:prstGeom>
+          <a:effectLst>
+            <a:outerShdw blurRad="63500" sx="102000" sy="102000" algn="ctr" rotWithShape="0">
+              <a:prstClr val="black">
+                <a:alpha val="40000"/>
+              </a:prstClr>
+            </a:outerShdw>
+          </a:effectLst>
+        </p:spPr>
+      </p:pic>
+      <p:pic>
+        <p:nvPicPr>
+          <p:cNvPr id="10" name="Image 9">
+            <a:extLst>
+              <a:ext uri="{FF2B5EF4-FFF2-40B4-BE49-F238E27FC236}">
+                <a16:creationId xmlns:a16="http://schemas.microsoft.com/office/drawing/2014/main" id="{638781A5-DFC2-D8C2-1519-66B11851B178}"/>
+              </a:ext>
+            </a:extLst>
+          </p:cNvPr>
+          <p:cNvPicPr>
+            <a:picLocks noChangeAspect="1"/>
+          </p:cNvPicPr>
+          <p:nvPr/>
+        </p:nvPicPr>
+        <p:blipFill rotWithShape="1">
+          <a:blip r:embed="rId5"/>
+          <a:srcRect t="15558" b="35049"/>
+          <a:stretch/>
+        </p:blipFill>
+        <p:spPr>
+          <a:xfrm>
+            <a:off x="3081558" y="3839064"/>
+            <a:ext cx="2921000" cy="435971"/>
+          </a:xfrm>
+          <a:prstGeom prst="rect">
+            <a:avLst/>
+          </a:prstGeom>
+        </p:spPr>
+      </p:pic>
+      <p:sp>
+        <p:nvSpPr>
+          <p:cNvPr id="17" name="ZoneTexte 16">
+            <a:extLst>
+              <a:ext uri="{FF2B5EF4-FFF2-40B4-BE49-F238E27FC236}">
+                <a16:creationId xmlns:a16="http://schemas.microsoft.com/office/drawing/2014/main" id="{D9CD2188-4458-EDAF-C3BB-0406064B25B1}"/>
+              </a:ext>
+            </a:extLst>
+          </p:cNvPr>
+          <p:cNvSpPr txBox="1"/>
+          <p:nvPr/>
+        </p:nvSpPr>
+        <p:spPr>
+          <a:xfrm>
+            <a:off x="-1606462" y="2804142"/>
+            <a:ext cx="6128084" cy="369332"/>
+          </a:xfrm>
+          <a:prstGeom prst="rect">
+            <a:avLst/>
+          </a:prstGeom>
+          <a:noFill/>
+        </p:spPr>
+        <p:txBody>
+          <a:bodyPr wrap="square">
+            <a:spAutoFit/>
+          </a:bodyPr>
+          <a:lstStyle/>
+          <a:p>
+            <a:pPr algn="ctr"/>
+            <a:r>
+              <a:rPr lang="fr-FR" b="1" dirty="0" err="1">
+                <a:solidFill>
+                  <a:srgbClr val="FF0000"/>
+                </a:solidFill>
+              </a:rPr>
+              <a:t>index.html</a:t>
+            </a:r>
+            <a:endParaRPr lang="fr-FR" dirty="0"/>
+          </a:p>
+        </p:txBody>
+      </p:sp>
+      <p:sp>
+        <p:nvSpPr>
+          <p:cNvPr id="18" name="Rectangle 17">
+            <a:extLst>
+              <a:ext uri="{FF2B5EF4-FFF2-40B4-BE49-F238E27FC236}">
+                <a16:creationId xmlns:a16="http://schemas.microsoft.com/office/drawing/2014/main" id="{8693F1C6-3B7E-308F-CAB8-DF87B9DC4429}"/>
               </a:ext>
             </a:extLst>
           </p:cNvPr>
@@ -4313,12 +5341,18 @@
         </p:nvSpPr>
         <p:spPr>
           <a:xfrm>
-            <a:off x="8040914" y="6021518"/>
-            <a:ext cx="1374968" cy="553923"/>
-          </a:xfrm>
-          <a:prstGeom prst="rightArrow">
-            <a:avLst/>
-          </a:prstGeom>
+            <a:off x="3020644" y="5195858"/>
+            <a:ext cx="6155440" cy="1456196"/>
+          </a:xfrm>
+          <a:prstGeom prst="rect">
+            <a:avLst/>
+          </a:prstGeom>
+          <a:noFill/>
+          <a:ln w="6350">
+            <a:solidFill>
+              <a:schemeClr val="tx1"/>
+            </a:solidFill>
+          </a:ln>
         </p:spPr>
         <p:style>
           <a:lnRef idx="2">
@@ -4347,10 +5381,10 @@
       </p:sp>
       <p:sp>
         <p:nvSpPr>
-          <p:cNvPr id="15" name="ZoneTexte 14">
-            <a:extLst>
-              <a:ext uri="{FF2B5EF4-FFF2-40B4-BE49-F238E27FC236}">
-                <a16:creationId xmlns:a16="http://schemas.microsoft.com/office/drawing/2014/main" id="{A0A13529-4C07-9568-6144-8B4591235BE3}"/>
+          <p:cNvPr id="20" name="ZoneTexte 19">
+            <a:extLst>
+              <a:ext uri="{FF2B5EF4-FFF2-40B4-BE49-F238E27FC236}">
+                <a16:creationId xmlns:a16="http://schemas.microsoft.com/office/drawing/2014/main" id="{560F92C3-8494-13F7-A4D6-65C3C206D5BA}"/>
               </a:ext>
             </a:extLst>
           </p:cNvPr>
@@ -4359,16 +5393,450 @@
         </p:nvSpPr>
         <p:spPr>
           <a:xfrm>
-            <a:off x="9035812" y="2532743"/>
-            <a:ext cx="3021276" cy="369332"/>
+            <a:off x="4213074" y="5217402"/>
+            <a:ext cx="534121" cy="276999"/>
+          </a:xfrm>
+          <a:prstGeom prst="rect">
+            <a:avLst/>
+          </a:prstGeom>
+          <a:noFill/>
+        </p:spPr>
+        <p:txBody>
+          <a:bodyPr wrap="none" rtlCol="0">
+            <a:spAutoFit/>
+          </a:bodyPr>
+          <a:lstStyle/>
+          <a:p>
+            <a:r>
+              <a:rPr lang="fr-FR" sz="1200" dirty="0"/>
+              <a:t>Initial</a:t>
+            </a:r>
+          </a:p>
+        </p:txBody>
+      </p:sp>
+      <p:sp>
+        <p:nvSpPr>
+          <p:cNvPr id="21" name="ZoneTexte 20">
+            <a:extLst>
+              <a:ext uri="{FF2B5EF4-FFF2-40B4-BE49-F238E27FC236}">
+                <a16:creationId xmlns:a16="http://schemas.microsoft.com/office/drawing/2014/main" id="{126A797E-3767-8BBB-7471-B460D8818274}"/>
+              </a:ext>
+            </a:extLst>
+          </p:cNvPr>
+          <p:cNvSpPr txBox="1"/>
+          <p:nvPr/>
+        </p:nvSpPr>
+        <p:spPr>
+          <a:xfrm>
+            <a:off x="7491715" y="5211252"/>
+            <a:ext cx="479618" cy="276999"/>
+          </a:xfrm>
+          <a:prstGeom prst="rect">
+            <a:avLst/>
+          </a:prstGeom>
+          <a:noFill/>
+        </p:spPr>
+        <p:txBody>
+          <a:bodyPr wrap="none" rtlCol="0">
+            <a:spAutoFit/>
+          </a:bodyPr>
+          <a:lstStyle/>
+          <a:p>
+            <a:r>
+              <a:rPr lang="fr-FR" sz="1200" dirty="0"/>
+              <a:t>Final</a:t>
+            </a:r>
+          </a:p>
+        </p:txBody>
+      </p:sp>
+      <p:pic>
+        <p:nvPicPr>
+          <p:cNvPr id="26" name="Image 25">
+            <a:extLst>
+              <a:ext uri="{FF2B5EF4-FFF2-40B4-BE49-F238E27FC236}">
+                <a16:creationId xmlns:a16="http://schemas.microsoft.com/office/drawing/2014/main" id="{FC89088A-4527-1B74-1224-A669D3DB5501}"/>
+              </a:ext>
+            </a:extLst>
+          </p:cNvPr>
+          <p:cNvPicPr>
+            <a:picLocks noChangeAspect="1"/>
+          </p:cNvPicPr>
+          <p:nvPr/>
+        </p:nvPicPr>
+        <p:blipFill rotWithShape="1">
+          <a:blip r:embed="rId6"/>
+          <a:srcRect t="13255" r="20657" b="17056"/>
+          <a:stretch/>
+        </p:blipFill>
+        <p:spPr>
+          <a:xfrm>
+            <a:off x="6182650" y="5796091"/>
+            <a:ext cx="2897622" cy="460330"/>
+          </a:xfrm>
+          <a:prstGeom prst="rect">
+            <a:avLst/>
+          </a:prstGeom>
+        </p:spPr>
+      </p:pic>
+      <p:sp>
+        <p:nvSpPr>
+          <p:cNvPr id="27" name="ZoneTexte 26">
+            <a:extLst>
+              <a:ext uri="{FF2B5EF4-FFF2-40B4-BE49-F238E27FC236}">
+                <a16:creationId xmlns:a16="http://schemas.microsoft.com/office/drawing/2014/main" id="{CA21AC7A-06C2-0632-9B13-3110AD3F3E3F}"/>
+              </a:ext>
+            </a:extLst>
+          </p:cNvPr>
+          <p:cNvSpPr txBox="1"/>
+          <p:nvPr/>
+        </p:nvSpPr>
+        <p:spPr>
+          <a:xfrm>
+            <a:off x="-1727349" y="4814118"/>
+            <a:ext cx="6128084" cy="369332"/>
+          </a:xfrm>
+          <a:prstGeom prst="rect">
+            <a:avLst/>
+          </a:prstGeom>
+          <a:noFill/>
+        </p:spPr>
+        <p:txBody>
+          <a:bodyPr wrap="square">
+            <a:spAutoFit/>
+          </a:bodyPr>
+          <a:lstStyle/>
+          <a:p>
+            <a:pPr algn="ctr"/>
+            <a:r>
+              <a:rPr lang="fr-FR" b="1" dirty="0" err="1">
+                <a:solidFill>
+                  <a:srgbClr val="FF0000"/>
+                </a:solidFill>
+              </a:rPr>
+              <a:t>contact.html</a:t>
+            </a:r>
+            <a:endParaRPr lang="fr-FR" dirty="0"/>
+          </a:p>
+        </p:txBody>
+      </p:sp>
+      <p:pic>
+        <p:nvPicPr>
+          <p:cNvPr id="31" name="Image 30">
+            <a:extLst>
+              <a:ext uri="{FF2B5EF4-FFF2-40B4-BE49-F238E27FC236}">
+                <a16:creationId xmlns:a16="http://schemas.microsoft.com/office/drawing/2014/main" id="{82F1485A-5228-DFD8-BAF0-68029D27F56C}"/>
+              </a:ext>
+            </a:extLst>
+          </p:cNvPr>
+          <p:cNvPicPr>
+            <a:picLocks noChangeAspect="1"/>
+          </p:cNvPicPr>
+          <p:nvPr/>
+        </p:nvPicPr>
+        <p:blipFill rotWithShape="1">
+          <a:blip r:embed="rId7"/>
+          <a:srcRect t="10695" b="1"/>
+          <a:stretch/>
+        </p:blipFill>
+        <p:spPr>
+          <a:xfrm>
+            <a:off x="6194171" y="3829458"/>
+            <a:ext cx="2897620" cy="455185"/>
+          </a:xfrm>
+          <a:prstGeom prst="rect">
+            <a:avLst/>
+          </a:prstGeom>
+        </p:spPr>
+      </p:pic>
+      <p:pic>
+        <p:nvPicPr>
+          <p:cNvPr id="35" name="Image 34">
+            <a:extLst>
+              <a:ext uri="{FF2B5EF4-FFF2-40B4-BE49-F238E27FC236}">
+                <a16:creationId xmlns:a16="http://schemas.microsoft.com/office/drawing/2014/main" id="{D7C94B25-EE26-C9D2-980F-413D2E204D99}"/>
+              </a:ext>
+            </a:extLst>
+          </p:cNvPr>
+          <p:cNvPicPr>
+            <a:picLocks noChangeAspect="1"/>
+          </p:cNvPicPr>
+          <p:nvPr/>
+        </p:nvPicPr>
+        <p:blipFill>
+          <a:blip r:embed="rId8"/>
+          <a:stretch>
+            <a:fillRect/>
+          </a:stretch>
+        </p:blipFill>
+        <p:spPr>
+          <a:xfrm>
+            <a:off x="3148639" y="5839760"/>
+            <a:ext cx="1752224" cy="219028"/>
+          </a:xfrm>
+          <a:prstGeom prst="rect">
+            <a:avLst/>
+          </a:prstGeom>
+        </p:spPr>
+      </p:pic>
+      <p:cxnSp>
+        <p:nvCxnSpPr>
+          <p:cNvPr id="37" name="Connecteur droit 36">
+            <a:extLst>
+              <a:ext uri="{FF2B5EF4-FFF2-40B4-BE49-F238E27FC236}">
+                <a16:creationId xmlns:a16="http://schemas.microsoft.com/office/drawing/2014/main" id="{F70B4F57-D23B-2CA1-7E57-90F8A8333895}"/>
+              </a:ext>
+            </a:extLst>
+          </p:cNvPr>
+          <p:cNvCxnSpPr>
+            <a:cxnSpLocks/>
+          </p:cNvCxnSpPr>
+          <p:nvPr/>
+        </p:nvCxnSpPr>
+        <p:spPr>
+          <a:xfrm>
+            <a:off x="6096000" y="5211252"/>
+            <a:ext cx="0" cy="1456196"/>
+          </a:xfrm>
+          <a:prstGeom prst="line">
+            <a:avLst/>
+          </a:prstGeom>
+          <a:ln w="15875">
+            <a:solidFill>
+              <a:schemeClr val="tx1"/>
+            </a:solidFill>
+            <a:prstDash val="sysDash"/>
+          </a:ln>
+        </p:spPr>
+        <p:style>
+          <a:lnRef idx="1">
+            <a:schemeClr val="accent1"/>
+          </a:lnRef>
+          <a:fillRef idx="0">
+            <a:schemeClr val="accent1"/>
+          </a:fillRef>
+          <a:effectRef idx="0">
+            <a:schemeClr val="accent1"/>
+          </a:effectRef>
+          <a:fontRef idx="minor">
+            <a:schemeClr val="tx1"/>
+          </a:fontRef>
+        </p:style>
+      </p:cxnSp>
+      <p:pic>
+        <p:nvPicPr>
+          <p:cNvPr id="44" name="Image 43">
+            <a:extLst>
+              <a:ext uri="{FF2B5EF4-FFF2-40B4-BE49-F238E27FC236}">
+                <a16:creationId xmlns:a16="http://schemas.microsoft.com/office/drawing/2014/main" id="{2E66E4C9-3FAD-F7F8-E33D-57472F53EB3A}"/>
+              </a:ext>
+            </a:extLst>
+          </p:cNvPr>
+          <p:cNvPicPr>
+            <a:picLocks noChangeAspect="1"/>
+          </p:cNvPicPr>
+          <p:nvPr/>
+        </p:nvPicPr>
+        <p:blipFill rotWithShape="1">
+          <a:blip r:embed="rId9"/>
+          <a:srcRect l="37247" r="36550" b="39703"/>
+          <a:stretch/>
+        </p:blipFill>
+        <p:spPr>
+          <a:xfrm>
+            <a:off x="1034715" y="3384969"/>
+            <a:ext cx="864678" cy="1030674"/>
+          </a:xfrm>
+          <a:prstGeom prst="rect">
+            <a:avLst/>
+          </a:prstGeom>
+          <a:effectLst>
+            <a:outerShdw blurRad="63500" sx="102000" sy="102000" algn="ctr" rotWithShape="0">
+              <a:prstClr val="black">
+                <a:alpha val="40000"/>
+              </a:prstClr>
+            </a:outerShdw>
+          </a:effectLst>
+        </p:spPr>
+      </p:pic>
+      <p:pic>
+        <p:nvPicPr>
+          <p:cNvPr id="46" name="Image 45">
+            <a:extLst>
+              <a:ext uri="{FF2B5EF4-FFF2-40B4-BE49-F238E27FC236}">
+                <a16:creationId xmlns:a16="http://schemas.microsoft.com/office/drawing/2014/main" id="{11B13EE6-0582-9836-0CCA-57B86D367CF1}"/>
+              </a:ext>
+            </a:extLst>
+          </p:cNvPr>
+          <p:cNvPicPr>
+            <a:picLocks noChangeAspect="1"/>
+          </p:cNvPicPr>
+          <p:nvPr/>
+        </p:nvPicPr>
+        <p:blipFill rotWithShape="1">
+          <a:blip r:embed="rId3"/>
+          <a:srcRect l="40323" t="-813" r="40984" b="78295"/>
+          <a:stretch/>
+        </p:blipFill>
+        <p:spPr>
+          <a:xfrm>
+            <a:off x="10043647" y="5357084"/>
+            <a:ext cx="864678" cy="1061042"/>
+          </a:xfrm>
+          <a:prstGeom prst="rect">
+            <a:avLst/>
+          </a:prstGeom>
+          <a:effectLst>
+            <a:outerShdw blurRad="63500" sx="102000" sy="102000" algn="ctr" rotWithShape="0">
+              <a:prstClr val="black">
+                <a:alpha val="40000"/>
+              </a:prstClr>
+            </a:outerShdw>
+          </a:effectLst>
+        </p:spPr>
+      </p:pic>
+    </p:spTree>
+    <p:extLst>
+      <p:ext uri="{BB962C8B-B14F-4D97-AF65-F5344CB8AC3E}">
+        <p14:creationId xmlns:p14="http://schemas.microsoft.com/office/powerpoint/2010/main" val="2030300945"/>
+      </p:ext>
+    </p:extLst>
+  </p:cSld>
+  <p:clrMapOvr>
+    <a:masterClrMapping/>
+  </p:clrMapOvr>
+</p:sld>
+</file>
+
+<file path=ppt/slides/slide4.xml><?xml version="1.0" encoding="utf-8"?>
+<p:sld xmlns:a="http://schemas.openxmlformats.org/drawingml/2006/main" xmlns:r="http://schemas.openxmlformats.org/officeDocument/2006/relationships" xmlns:p="http://schemas.openxmlformats.org/presentationml/2006/main">
+  <p:cSld>
+    <p:spTree>
+      <p:nvGrpSpPr>
+        <p:cNvPr id="1" name=""/>
+        <p:cNvGrpSpPr/>
+        <p:nvPr/>
+      </p:nvGrpSpPr>
+      <p:grpSpPr>
+        <a:xfrm>
+          <a:off x="0" y="0"/>
+          <a:ext cx="0" cy="0"/>
+          <a:chOff x="0" y="0"/>
+          <a:chExt cx="0" cy="0"/>
+        </a:xfrm>
+      </p:grpSpPr>
+      <p:sp>
+        <p:nvSpPr>
+          <p:cNvPr id="4" name="ZoneTexte 3">
+            <a:extLst>
+              <a:ext uri="{FF2B5EF4-FFF2-40B4-BE49-F238E27FC236}">
+                <a16:creationId xmlns:a16="http://schemas.microsoft.com/office/drawing/2014/main" id="{D5AF4086-E4F9-400C-439A-69A4DD381368}"/>
+              </a:ext>
+            </a:extLst>
+          </p:cNvPr>
+          <p:cNvSpPr txBox="1"/>
+          <p:nvPr/>
+        </p:nvSpPr>
+        <p:spPr>
+          <a:xfrm>
+            <a:off x="1" y="59609"/>
+            <a:ext cx="12192000" cy="369332"/>
+          </a:xfrm>
+          <a:prstGeom prst="rect">
+            <a:avLst/>
+          </a:prstGeom>
+          <a:noFill/>
+        </p:spPr>
+        <p:txBody>
+          <a:bodyPr wrap="square" rtlCol="0">
+            <a:spAutoFit/>
+          </a:bodyPr>
+          <a:lstStyle/>
+          <a:p>
+            <a:pPr algn="ctr"/>
+            <a:r>
+              <a:rPr lang="fr-FR" b="1" dirty="0"/>
+              <a:t>Optimisation des dépendances </a:t>
+            </a:r>
+          </a:p>
+        </p:txBody>
+      </p:sp>
+      <p:sp>
+        <p:nvSpPr>
+          <p:cNvPr id="7" name="ZoneTexte 6">
+            <a:extLst>
+              <a:ext uri="{FF2B5EF4-FFF2-40B4-BE49-F238E27FC236}">
+                <a16:creationId xmlns:a16="http://schemas.microsoft.com/office/drawing/2014/main" id="{1CEC4A1E-A155-F6B6-9443-3D525E1BB932}"/>
+              </a:ext>
+            </a:extLst>
+          </p:cNvPr>
+          <p:cNvSpPr txBox="1"/>
+          <p:nvPr/>
+        </p:nvSpPr>
+        <p:spPr>
+          <a:xfrm>
+            <a:off x="0" y="39063"/>
+            <a:ext cx="2373331" cy="369332"/>
+          </a:xfrm>
+          <a:prstGeom prst="rect">
+            <a:avLst/>
+          </a:prstGeom>
+        </p:spPr>
+        <p:style>
+          <a:lnRef idx="0">
+            <a:schemeClr val="accent2"/>
+          </a:lnRef>
+          <a:fillRef idx="3">
+            <a:schemeClr val="accent2"/>
+          </a:fillRef>
+          <a:effectRef idx="3">
+            <a:schemeClr val="accent2"/>
+          </a:effectRef>
+          <a:fontRef idx="minor">
+            <a:schemeClr val="lt1"/>
+          </a:fontRef>
+        </p:style>
+        <p:txBody>
+          <a:bodyPr wrap="square" rtlCol="0">
+            <a:spAutoFit/>
+          </a:bodyPr>
+          <a:lstStyle/>
+          <a:p>
+            <a:pPr algn="ctr"/>
+            <a:r>
+              <a:rPr lang="fr-FR" dirty="0">
+                <a:solidFill>
+                  <a:schemeClr val="bg1"/>
+                </a:solidFill>
+              </a:rPr>
+              <a:t>Recommandation SEO</a:t>
+            </a:r>
+          </a:p>
+        </p:txBody>
+      </p:sp>
+      <p:sp>
+        <p:nvSpPr>
+          <p:cNvPr id="8" name="ZoneTexte 7">
+            <a:extLst>
+              <a:ext uri="{FF2B5EF4-FFF2-40B4-BE49-F238E27FC236}">
+                <a16:creationId xmlns:a16="http://schemas.microsoft.com/office/drawing/2014/main" id="{231C4DA3-2EE1-9462-D37E-4C8DAE227CE2}"/>
+              </a:ext>
+            </a:extLst>
+          </p:cNvPr>
+          <p:cNvSpPr txBox="1"/>
+          <p:nvPr/>
+        </p:nvSpPr>
+        <p:spPr>
+          <a:xfrm>
+            <a:off x="468367" y="1460133"/>
+            <a:ext cx="1978427" cy="276999"/>
           </a:xfrm>
           <a:prstGeom prst="rect">
             <a:avLst/>
           </a:prstGeom>
           <a:solidFill>
-            <a:schemeClr val="accent6">
-              <a:lumMod val="20000"/>
-              <a:lumOff val="80000"/>
+            <a:schemeClr val="accent2">
+              <a:lumMod val="40000"/>
+              <a:lumOff val="60000"/>
             </a:schemeClr>
           </a:solidFill>
           <a:ln>
@@ -4396,150 +5864,126 @@
           <a:lstStyle/>
           <a:p>
             <a:r>
-              <a:rPr lang="fr-FR" dirty="0"/>
+              <a:rPr lang="fr-FR" sz="1200" dirty="0"/>
+              <a:t>Indice de performance initial</a:t>
+            </a:r>
+          </a:p>
+        </p:txBody>
+      </p:sp>
+      <p:sp>
+        <p:nvSpPr>
+          <p:cNvPr id="9" name="ZoneTexte 8">
+            <a:extLst>
+              <a:ext uri="{FF2B5EF4-FFF2-40B4-BE49-F238E27FC236}">
+                <a16:creationId xmlns:a16="http://schemas.microsoft.com/office/drawing/2014/main" id="{A1A27EE7-2211-9309-0602-1315089ABA6E}"/>
+              </a:ext>
+            </a:extLst>
+          </p:cNvPr>
+          <p:cNvSpPr txBox="1"/>
+          <p:nvPr/>
+        </p:nvSpPr>
+        <p:spPr>
+          <a:xfrm>
+            <a:off x="0" y="754311"/>
+            <a:ext cx="12192000" cy="461665"/>
+          </a:xfrm>
+          <a:prstGeom prst="rect">
+            <a:avLst/>
+          </a:prstGeom>
+          <a:noFill/>
+        </p:spPr>
+        <p:txBody>
+          <a:bodyPr wrap="square" rtlCol="0">
+            <a:spAutoFit/>
+          </a:bodyPr>
+          <a:lstStyle/>
+          <a:p>
+            <a:pPr algn="ctr"/>
+            <a:r>
+              <a:rPr lang="fr-FR" sz="1200" dirty="0"/>
+              <a:t>Minification des dépendances et </a:t>
+            </a:r>
+            <a:r>
+              <a:rPr lang="fr-FR" sz="1200" dirty="0" err="1"/>
+              <a:t>defer</a:t>
+            </a:r>
+            <a:r>
+              <a:rPr lang="fr-FR" sz="1200" dirty="0"/>
+              <a:t> des scripts pour améliorer les performances et le SEO.</a:t>
+            </a:r>
+          </a:p>
+          <a:p>
+            <a:pPr algn="ctr"/>
+            <a:r>
+              <a:rPr lang="fr-FR" sz="1200" dirty="0"/>
+              <a:t>Report du chargement des polices (font-display: swap)</a:t>
+            </a:r>
+          </a:p>
+        </p:txBody>
+      </p:sp>
+      <p:sp>
+        <p:nvSpPr>
+          <p:cNvPr id="15" name="ZoneTexte 14">
+            <a:extLst>
+              <a:ext uri="{FF2B5EF4-FFF2-40B4-BE49-F238E27FC236}">
+                <a16:creationId xmlns:a16="http://schemas.microsoft.com/office/drawing/2014/main" id="{A0A13529-4C07-9568-6144-8B4591235BE3}"/>
+              </a:ext>
+            </a:extLst>
+          </p:cNvPr>
+          <p:cNvSpPr txBox="1"/>
+          <p:nvPr/>
+        </p:nvSpPr>
+        <p:spPr>
+          <a:xfrm>
+            <a:off x="9558323" y="1460133"/>
+            <a:ext cx="2069926" cy="276999"/>
+          </a:xfrm>
+          <a:prstGeom prst="rect">
+            <a:avLst/>
+          </a:prstGeom>
+          <a:solidFill>
+            <a:schemeClr val="accent6">
+              <a:lumMod val="20000"/>
+              <a:lumOff val="80000"/>
+            </a:schemeClr>
+          </a:solidFill>
+          <a:ln>
+            <a:noFill/>
+          </a:ln>
+        </p:spPr>
+        <p:style>
+          <a:lnRef idx="2">
+            <a:schemeClr val="dk1"/>
+          </a:lnRef>
+          <a:fillRef idx="1">
+            <a:schemeClr val="lt1"/>
+          </a:fillRef>
+          <a:effectRef idx="0">
+            <a:schemeClr val="dk1"/>
+          </a:effectRef>
+          <a:fontRef idx="minor">
+            <a:schemeClr val="dk1"/>
+          </a:fontRef>
+        </p:style>
+        <p:txBody>
+          <a:bodyPr wrap="none" rtlCol="0">
+            <a:spAutoFit/>
+          </a:bodyPr>
+          <a:lstStyle/>
+          <a:p>
+            <a:r>
+              <a:rPr lang="fr-FR" sz="1200" dirty="0"/>
               <a:t>Nouvel indice de performance</a:t>
             </a:r>
           </a:p>
         </p:txBody>
       </p:sp>
-      <p:pic>
-        <p:nvPicPr>
-          <p:cNvPr id="17" name="Image 16">
-            <a:extLst>
-              <a:ext uri="{FF2B5EF4-FFF2-40B4-BE49-F238E27FC236}">
-                <a16:creationId xmlns:a16="http://schemas.microsoft.com/office/drawing/2014/main" id="{BBB041BD-F40C-F5A6-A7E6-FCA095E05E93}"/>
-              </a:ext>
-            </a:extLst>
-          </p:cNvPr>
-          <p:cNvPicPr>
-            <a:picLocks noChangeAspect="1"/>
-          </p:cNvPicPr>
-          <p:nvPr/>
-        </p:nvPicPr>
-        <p:blipFill rotWithShape="1">
-          <a:blip r:embed="rId2"/>
-          <a:srcRect b="25344"/>
-          <a:stretch/>
-        </p:blipFill>
-        <p:spPr>
-          <a:xfrm>
-            <a:off x="9561200" y="3113630"/>
-            <a:ext cx="2107719" cy="3537841"/>
-          </a:xfrm>
-          <a:prstGeom prst="rect">
-            <a:avLst/>
-          </a:prstGeom>
-          <a:effectLst>
-            <a:outerShdw blurRad="63500" sx="102000" sy="102000" algn="ctr" rotWithShape="0">
-              <a:prstClr val="black">
-                <a:alpha val="40000"/>
-              </a:prstClr>
-            </a:outerShdw>
-          </a:effectLst>
-        </p:spPr>
-      </p:pic>
-      <p:pic>
-        <p:nvPicPr>
-          <p:cNvPr id="2" name="Image 1">
-            <a:extLst>
-              <a:ext uri="{FF2B5EF4-FFF2-40B4-BE49-F238E27FC236}">
-                <a16:creationId xmlns:a16="http://schemas.microsoft.com/office/drawing/2014/main" id="{18DB64E9-54E3-681A-70A8-C5885E9998B4}"/>
-              </a:ext>
-            </a:extLst>
-          </p:cNvPr>
-          <p:cNvPicPr>
-            <a:picLocks noChangeAspect="1"/>
-          </p:cNvPicPr>
-          <p:nvPr/>
-        </p:nvPicPr>
-        <p:blipFill rotWithShape="1">
-          <a:blip r:embed="rId2"/>
-          <a:srcRect b="25344"/>
-          <a:stretch/>
-        </p:blipFill>
-        <p:spPr>
-          <a:xfrm>
-            <a:off x="523080" y="3160951"/>
-            <a:ext cx="2107719" cy="3537841"/>
-          </a:xfrm>
-          <a:prstGeom prst="rect">
-            <a:avLst/>
-          </a:prstGeom>
-          <a:effectLst>
-            <a:outerShdw blurRad="63500" sx="102000" sy="102000" algn="ctr" rotWithShape="0">
-              <a:prstClr val="black">
-                <a:alpha val="40000"/>
-              </a:prstClr>
-            </a:outerShdw>
-          </a:effectLst>
-        </p:spPr>
-      </p:pic>
-      <p:pic>
-        <p:nvPicPr>
-          <p:cNvPr id="11" name="Image 10">
-            <a:extLst>
-              <a:ext uri="{FF2B5EF4-FFF2-40B4-BE49-F238E27FC236}">
-                <a16:creationId xmlns:a16="http://schemas.microsoft.com/office/drawing/2014/main" id="{60C434CD-0598-8E68-34E1-7381B79E0E65}"/>
-              </a:ext>
-            </a:extLst>
-          </p:cNvPr>
-          <p:cNvPicPr>
-            <a:picLocks noChangeAspect="1"/>
-          </p:cNvPicPr>
-          <p:nvPr/>
-        </p:nvPicPr>
-        <p:blipFill>
-          <a:blip r:embed="rId3"/>
-          <a:stretch>
-            <a:fillRect/>
-          </a:stretch>
-        </p:blipFill>
-        <p:spPr>
-          <a:xfrm>
-            <a:off x="4160522" y="5453720"/>
-            <a:ext cx="3725636" cy="1197751"/>
-          </a:xfrm>
-          <a:prstGeom prst="rect">
-            <a:avLst/>
-          </a:prstGeom>
-        </p:spPr>
-      </p:pic>
-      <p:pic>
-        <p:nvPicPr>
-          <p:cNvPr id="18" name="Image 17">
-            <a:extLst>
-              <a:ext uri="{FF2B5EF4-FFF2-40B4-BE49-F238E27FC236}">
-                <a16:creationId xmlns:a16="http://schemas.microsoft.com/office/drawing/2014/main" id="{3F9C8854-AE9F-9FD6-6904-F335D253324A}"/>
-              </a:ext>
-            </a:extLst>
-          </p:cNvPr>
-          <p:cNvPicPr>
-            <a:picLocks noChangeAspect="1"/>
-          </p:cNvPicPr>
-          <p:nvPr/>
-        </p:nvPicPr>
-        <p:blipFill>
-          <a:blip r:embed="rId4"/>
-          <a:stretch>
-            <a:fillRect/>
-          </a:stretch>
-        </p:blipFill>
-        <p:spPr>
-          <a:xfrm>
-            <a:off x="4160522" y="3113630"/>
-            <a:ext cx="3725636" cy="1468965"/>
-          </a:xfrm>
-          <a:prstGeom prst="rect">
-            <a:avLst/>
-          </a:prstGeom>
-        </p:spPr>
-      </p:pic>
-      <p:sp>
-        <p:nvSpPr>
-          <p:cNvPr id="20" name="Flèche vers la droite 19">
-            <a:extLst>
-              <a:ext uri="{FF2B5EF4-FFF2-40B4-BE49-F238E27FC236}">
-                <a16:creationId xmlns:a16="http://schemas.microsoft.com/office/drawing/2014/main" id="{38FD39FC-7D7F-C074-FD0F-D94889B6DDE2}"/>
+      <p:sp>
+        <p:nvSpPr>
+          <p:cNvPr id="32" name="Rectangle 31">
+            <a:extLst>
+              <a:ext uri="{FF2B5EF4-FFF2-40B4-BE49-F238E27FC236}">
+                <a16:creationId xmlns:a16="http://schemas.microsoft.com/office/drawing/2014/main" id="{E87445C3-CA42-3ACB-2A95-D44AFE635827}"/>
               </a:ext>
             </a:extLst>
           </p:cNvPr>
@@ -4547,13 +5991,19 @@
           <p:nvPr/>
         </p:nvSpPr>
         <p:spPr>
-          <a:xfrm rot="5400000">
-            <a:off x="5725796" y="4752241"/>
-            <a:ext cx="595086" cy="553923"/>
-          </a:xfrm>
-          <a:prstGeom prst="rightArrow">
-            <a:avLst/>
-          </a:prstGeom>
+          <a:xfrm>
+            <a:off x="3020644" y="1957409"/>
+            <a:ext cx="6155440" cy="4452051"/>
+          </a:xfrm>
+          <a:prstGeom prst="rect">
+            <a:avLst/>
+          </a:prstGeom>
+          <a:noFill/>
+          <a:ln w="6350">
+            <a:solidFill>
+              <a:schemeClr val="tx1"/>
+            </a:solidFill>
+          </a:ln>
         </p:spPr>
         <p:style>
           <a:lnRef idx="2">
@@ -4580,10 +6030,3080 @@
           </a:p>
         </p:txBody>
       </p:sp>
+      <p:cxnSp>
+        <p:nvCxnSpPr>
+          <p:cNvPr id="34" name="Connecteur droit avec flèche 33">
+            <a:extLst>
+              <a:ext uri="{FF2B5EF4-FFF2-40B4-BE49-F238E27FC236}">
+                <a16:creationId xmlns:a16="http://schemas.microsoft.com/office/drawing/2014/main" id="{167D1B32-2353-2387-A6C2-6087EA481FB5}"/>
+              </a:ext>
+            </a:extLst>
+          </p:cNvPr>
+          <p:cNvCxnSpPr>
+            <a:cxnSpLocks/>
+            <a:endCxn id="15" idx="1"/>
+          </p:cNvCxnSpPr>
+          <p:nvPr/>
+        </p:nvCxnSpPr>
+        <p:spPr>
+          <a:xfrm>
+            <a:off x="2446794" y="1598632"/>
+            <a:ext cx="7111529" cy="1"/>
+          </a:xfrm>
+          <a:prstGeom prst="straightConnector1">
+            <a:avLst/>
+          </a:prstGeom>
+          <a:ln w="19050">
+            <a:solidFill>
+              <a:schemeClr val="tx1"/>
+            </a:solidFill>
+            <a:tailEnd type="triangle"/>
+          </a:ln>
+        </p:spPr>
+        <p:style>
+          <a:lnRef idx="1">
+            <a:schemeClr val="accent1"/>
+          </a:lnRef>
+          <a:fillRef idx="0">
+            <a:schemeClr val="accent1"/>
+          </a:fillRef>
+          <a:effectRef idx="0">
+            <a:schemeClr val="accent1"/>
+          </a:effectRef>
+          <a:fontRef idx="minor">
+            <a:schemeClr val="tx1"/>
+          </a:fontRef>
+        </p:style>
+      </p:cxnSp>
+      <p:sp>
+        <p:nvSpPr>
+          <p:cNvPr id="13" name="ZoneTexte 12">
+            <a:extLst>
+              <a:ext uri="{FF2B5EF4-FFF2-40B4-BE49-F238E27FC236}">
+                <a16:creationId xmlns:a16="http://schemas.microsoft.com/office/drawing/2014/main" id="{6CEC4485-E878-8165-7636-0CD29BAE5C9D}"/>
+              </a:ext>
+            </a:extLst>
+          </p:cNvPr>
+          <p:cNvSpPr txBox="1"/>
+          <p:nvPr/>
+        </p:nvSpPr>
+        <p:spPr>
+          <a:xfrm>
+            <a:off x="5599165" y="1460133"/>
+            <a:ext cx="993670" cy="276999"/>
+          </a:xfrm>
+          <a:prstGeom prst="rect">
+            <a:avLst/>
+          </a:prstGeom>
+          <a:solidFill>
+            <a:schemeClr val="accent2">
+              <a:lumMod val="20000"/>
+              <a:lumOff val="80000"/>
+            </a:schemeClr>
+          </a:solidFill>
+          <a:ln>
+            <a:noFill/>
+          </a:ln>
+        </p:spPr>
+        <p:style>
+          <a:lnRef idx="2">
+            <a:schemeClr val="dk1"/>
+          </a:lnRef>
+          <a:fillRef idx="1">
+            <a:schemeClr val="lt1"/>
+          </a:fillRef>
+          <a:effectRef idx="0">
+            <a:schemeClr val="dk1"/>
+          </a:effectRef>
+          <a:fontRef idx="minor">
+            <a:schemeClr val="dk1"/>
+          </a:fontRef>
+        </p:style>
+        <p:txBody>
+          <a:bodyPr wrap="none" rtlCol="0">
+            <a:spAutoFit/>
+          </a:bodyPr>
+          <a:lstStyle/>
+          <a:p>
+            <a:r>
+              <a:rPr lang="fr-FR" sz="1200" dirty="0"/>
+              <a:t>Optimisation</a:t>
+            </a:r>
+          </a:p>
+        </p:txBody>
+      </p:sp>
+      <p:cxnSp>
+        <p:nvCxnSpPr>
+          <p:cNvPr id="39" name="Connecteur droit 38">
+            <a:extLst>
+              <a:ext uri="{FF2B5EF4-FFF2-40B4-BE49-F238E27FC236}">
+                <a16:creationId xmlns:a16="http://schemas.microsoft.com/office/drawing/2014/main" id="{780747E3-7747-2408-5B82-1476D10C3288}"/>
+              </a:ext>
+            </a:extLst>
+          </p:cNvPr>
+          <p:cNvCxnSpPr>
+            <a:stCxn id="32" idx="0"/>
+            <a:endCxn id="32" idx="2"/>
+          </p:cNvCxnSpPr>
+          <p:nvPr/>
+        </p:nvCxnSpPr>
+        <p:spPr>
+          <a:xfrm>
+            <a:off x="6098364" y="1957409"/>
+            <a:ext cx="0" cy="4452051"/>
+          </a:xfrm>
+          <a:prstGeom prst="line">
+            <a:avLst/>
+          </a:prstGeom>
+          <a:ln w="15875">
+            <a:solidFill>
+              <a:schemeClr val="tx1"/>
+            </a:solidFill>
+            <a:prstDash val="sysDash"/>
+          </a:ln>
+        </p:spPr>
+        <p:style>
+          <a:lnRef idx="1">
+            <a:schemeClr val="accent1"/>
+          </a:lnRef>
+          <a:fillRef idx="0">
+            <a:schemeClr val="accent1"/>
+          </a:fillRef>
+          <a:effectRef idx="0">
+            <a:schemeClr val="accent1"/>
+          </a:effectRef>
+          <a:fontRef idx="minor">
+            <a:schemeClr val="tx1"/>
+          </a:fontRef>
+        </p:style>
+      </p:cxnSp>
+      <p:sp>
+        <p:nvSpPr>
+          <p:cNvPr id="40" name="ZoneTexte 39">
+            <a:extLst>
+              <a:ext uri="{FF2B5EF4-FFF2-40B4-BE49-F238E27FC236}">
+                <a16:creationId xmlns:a16="http://schemas.microsoft.com/office/drawing/2014/main" id="{7C1CC60C-F4E1-E1DE-BD7D-8D93E7C89F21}"/>
+              </a:ext>
+            </a:extLst>
+          </p:cNvPr>
+          <p:cNvSpPr txBox="1"/>
+          <p:nvPr/>
+        </p:nvSpPr>
+        <p:spPr>
+          <a:xfrm>
+            <a:off x="4213074" y="1978954"/>
+            <a:ext cx="534121" cy="276999"/>
+          </a:xfrm>
+          <a:prstGeom prst="rect">
+            <a:avLst/>
+          </a:prstGeom>
+          <a:noFill/>
+        </p:spPr>
+        <p:txBody>
+          <a:bodyPr wrap="none" rtlCol="0">
+            <a:spAutoFit/>
+          </a:bodyPr>
+          <a:lstStyle/>
+          <a:p>
+            <a:r>
+              <a:rPr lang="fr-FR" sz="1200" dirty="0"/>
+              <a:t>Initial</a:t>
+            </a:r>
+          </a:p>
+        </p:txBody>
+      </p:sp>
+      <p:sp>
+        <p:nvSpPr>
+          <p:cNvPr id="41" name="ZoneTexte 40">
+            <a:extLst>
+              <a:ext uri="{FF2B5EF4-FFF2-40B4-BE49-F238E27FC236}">
+                <a16:creationId xmlns:a16="http://schemas.microsoft.com/office/drawing/2014/main" id="{3A26953B-CE3F-3779-389C-2F1ECAE6FC26}"/>
+              </a:ext>
+            </a:extLst>
+          </p:cNvPr>
+          <p:cNvSpPr txBox="1"/>
+          <p:nvPr/>
+        </p:nvSpPr>
+        <p:spPr>
+          <a:xfrm>
+            <a:off x="7491715" y="1972804"/>
+            <a:ext cx="479618" cy="276999"/>
+          </a:xfrm>
+          <a:prstGeom prst="rect">
+            <a:avLst/>
+          </a:prstGeom>
+          <a:noFill/>
+        </p:spPr>
+        <p:txBody>
+          <a:bodyPr wrap="none" rtlCol="0">
+            <a:spAutoFit/>
+          </a:bodyPr>
+          <a:lstStyle/>
+          <a:p>
+            <a:r>
+              <a:rPr lang="fr-FR" sz="1200" dirty="0"/>
+              <a:t>Final</a:t>
+            </a:r>
+          </a:p>
+        </p:txBody>
+      </p:sp>
+      <p:pic>
+        <p:nvPicPr>
+          <p:cNvPr id="2" name="Image 1">
+            <a:extLst>
+              <a:ext uri="{FF2B5EF4-FFF2-40B4-BE49-F238E27FC236}">
+                <a16:creationId xmlns:a16="http://schemas.microsoft.com/office/drawing/2014/main" id="{676C69BD-FDB0-7E4D-71B1-3FE91EFFF2F4}"/>
+              </a:ext>
+            </a:extLst>
+          </p:cNvPr>
+          <p:cNvPicPr>
+            <a:picLocks noChangeAspect="1"/>
+          </p:cNvPicPr>
+          <p:nvPr/>
+        </p:nvPicPr>
+        <p:blipFill rotWithShape="1">
+          <a:blip r:embed="rId2"/>
+          <a:srcRect r="18174"/>
+          <a:stretch/>
+        </p:blipFill>
+        <p:spPr>
+          <a:xfrm>
+            <a:off x="190682" y="1972804"/>
+            <a:ext cx="2616480" cy="4436656"/>
+          </a:xfrm>
+          <a:prstGeom prst="rect">
+            <a:avLst/>
+          </a:prstGeom>
+          <a:effectLst>
+            <a:outerShdw blurRad="63500" sx="102000" sy="102000" algn="ctr" rotWithShape="0">
+              <a:prstClr val="black">
+                <a:alpha val="40000"/>
+              </a:prstClr>
+            </a:outerShdw>
+          </a:effectLst>
+        </p:spPr>
+      </p:pic>
+      <p:pic>
+        <p:nvPicPr>
+          <p:cNvPr id="3" name="Image 2">
+            <a:extLst>
+              <a:ext uri="{FF2B5EF4-FFF2-40B4-BE49-F238E27FC236}">
+                <a16:creationId xmlns:a16="http://schemas.microsoft.com/office/drawing/2014/main" id="{CD00160D-9C8E-753D-C179-F367CBAB3417}"/>
+              </a:ext>
+            </a:extLst>
+          </p:cNvPr>
+          <p:cNvPicPr>
+            <a:picLocks noChangeAspect="1"/>
+          </p:cNvPicPr>
+          <p:nvPr/>
+        </p:nvPicPr>
+        <p:blipFill rotWithShape="1">
+          <a:blip r:embed="rId3"/>
+          <a:srcRect r="21464"/>
+          <a:stretch/>
+        </p:blipFill>
+        <p:spPr>
+          <a:xfrm>
+            <a:off x="9371724" y="1957409"/>
+            <a:ext cx="2616480" cy="4436656"/>
+          </a:xfrm>
+          <a:prstGeom prst="rect">
+            <a:avLst/>
+          </a:prstGeom>
+          <a:effectLst>
+            <a:outerShdw blurRad="63500" sx="102000" sy="102000" algn="ctr" rotWithShape="0">
+              <a:prstClr val="black">
+                <a:alpha val="40000"/>
+              </a:prstClr>
+            </a:outerShdw>
+          </a:effectLst>
+        </p:spPr>
+      </p:pic>
+      <p:pic>
+        <p:nvPicPr>
+          <p:cNvPr id="5" name="Image 4">
+            <a:extLst>
+              <a:ext uri="{FF2B5EF4-FFF2-40B4-BE49-F238E27FC236}">
+                <a16:creationId xmlns:a16="http://schemas.microsoft.com/office/drawing/2014/main" id="{33486DDF-9DB8-3C8C-8A64-9AB20A901B28}"/>
+              </a:ext>
+            </a:extLst>
+          </p:cNvPr>
+          <p:cNvPicPr>
+            <a:picLocks noChangeAspect="1"/>
+          </p:cNvPicPr>
+          <p:nvPr/>
+        </p:nvPicPr>
+        <p:blipFill>
+          <a:blip r:embed="rId4"/>
+          <a:stretch>
+            <a:fillRect/>
+          </a:stretch>
+        </p:blipFill>
+        <p:spPr>
+          <a:xfrm>
+            <a:off x="3113739" y="2416821"/>
+            <a:ext cx="2886805" cy="1138226"/>
+          </a:xfrm>
+          <a:prstGeom prst="rect">
+            <a:avLst/>
+          </a:prstGeom>
+        </p:spPr>
+      </p:pic>
+      <p:pic>
+        <p:nvPicPr>
+          <p:cNvPr id="10" name="Image 9">
+            <a:extLst>
+              <a:ext uri="{FF2B5EF4-FFF2-40B4-BE49-F238E27FC236}">
+                <a16:creationId xmlns:a16="http://schemas.microsoft.com/office/drawing/2014/main" id="{7E1A49F1-0ED2-A06F-9ACA-9E9199FEEF79}"/>
+              </a:ext>
+            </a:extLst>
+          </p:cNvPr>
+          <p:cNvPicPr>
+            <a:picLocks noChangeAspect="1"/>
+          </p:cNvPicPr>
+          <p:nvPr/>
+        </p:nvPicPr>
+        <p:blipFill>
+          <a:blip r:embed="rId5"/>
+          <a:stretch>
+            <a:fillRect/>
+          </a:stretch>
+        </p:blipFill>
+        <p:spPr>
+          <a:xfrm>
+            <a:off x="6196184" y="2422198"/>
+            <a:ext cx="2938660" cy="1124828"/>
+          </a:xfrm>
+          <a:prstGeom prst="rect">
+            <a:avLst/>
+          </a:prstGeom>
+        </p:spPr>
+      </p:pic>
+      <p:pic>
+        <p:nvPicPr>
+          <p:cNvPr id="12" name="Image 11">
+            <a:extLst>
+              <a:ext uri="{FF2B5EF4-FFF2-40B4-BE49-F238E27FC236}">
+                <a16:creationId xmlns:a16="http://schemas.microsoft.com/office/drawing/2014/main" id="{EF2C02F8-A90D-F44D-C571-E17A09B140F7}"/>
+              </a:ext>
+            </a:extLst>
+          </p:cNvPr>
+          <p:cNvPicPr>
+            <a:picLocks noChangeAspect="1"/>
+          </p:cNvPicPr>
+          <p:nvPr/>
+        </p:nvPicPr>
+        <p:blipFill>
+          <a:blip r:embed="rId6"/>
+          <a:stretch>
+            <a:fillRect/>
+          </a:stretch>
+        </p:blipFill>
+        <p:spPr>
+          <a:xfrm>
+            <a:off x="6196184" y="3777249"/>
+            <a:ext cx="2864005" cy="1079500"/>
+          </a:xfrm>
+          <a:prstGeom prst="rect">
+            <a:avLst/>
+          </a:prstGeom>
+        </p:spPr>
+      </p:pic>
+      <p:pic>
+        <p:nvPicPr>
+          <p:cNvPr id="16" name="Image 15">
+            <a:extLst>
+              <a:ext uri="{FF2B5EF4-FFF2-40B4-BE49-F238E27FC236}">
+                <a16:creationId xmlns:a16="http://schemas.microsoft.com/office/drawing/2014/main" id="{4E7C35C7-B7BD-E18A-3B0B-4E2E2FF0BD6E}"/>
+              </a:ext>
+            </a:extLst>
+          </p:cNvPr>
+          <p:cNvPicPr>
+            <a:picLocks noChangeAspect="1"/>
+          </p:cNvPicPr>
+          <p:nvPr/>
+        </p:nvPicPr>
+        <p:blipFill>
+          <a:blip r:embed="rId7"/>
+          <a:stretch>
+            <a:fillRect/>
+          </a:stretch>
+        </p:blipFill>
+        <p:spPr>
+          <a:xfrm>
+            <a:off x="3102386" y="4021120"/>
+            <a:ext cx="2909509" cy="559292"/>
+          </a:xfrm>
+          <a:prstGeom prst="rect">
+            <a:avLst/>
+          </a:prstGeom>
+        </p:spPr>
+      </p:pic>
+      <p:pic>
+        <p:nvPicPr>
+          <p:cNvPr id="21" name="Image 20">
+            <a:extLst>
+              <a:ext uri="{FF2B5EF4-FFF2-40B4-BE49-F238E27FC236}">
+                <a16:creationId xmlns:a16="http://schemas.microsoft.com/office/drawing/2014/main" id="{0722D74F-E9EE-B918-A5DF-B1A633F9C916}"/>
+              </a:ext>
+            </a:extLst>
+          </p:cNvPr>
+          <p:cNvPicPr>
+            <a:picLocks noChangeAspect="1"/>
+          </p:cNvPicPr>
+          <p:nvPr/>
+        </p:nvPicPr>
+        <p:blipFill>
+          <a:blip r:embed="rId8"/>
+          <a:stretch>
+            <a:fillRect/>
+          </a:stretch>
+        </p:blipFill>
+        <p:spPr>
+          <a:xfrm>
+            <a:off x="6196184" y="4967039"/>
+            <a:ext cx="2864002" cy="1393088"/>
+          </a:xfrm>
+          <a:prstGeom prst="rect">
+            <a:avLst/>
+          </a:prstGeom>
+        </p:spPr>
+      </p:pic>
+      <p:pic>
+        <p:nvPicPr>
+          <p:cNvPr id="24" name="Image 23">
+            <a:extLst>
+              <a:ext uri="{FF2B5EF4-FFF2-40B4-BE49-F238E27FC236}">
+                <a16:creationId xmlns:a16="http://schemas.microsoft.com/office/drawing/2014/main" id="{844A6F3F-B970-356C-3E7D-7FD15812B63D}"/>
+              </a:ext>
+            </a:extLst>
+          </p:cNvPr>
+          <p:cNvPicPr>
+            <a:picLocks noChangeAspect="1"/>
+          </p:cNvPicPr>
+          <p:nvPr/>
+        </p:nvPicPr>
+        <p:blipFill>
+          <a:blip r:embed="rId9"/>
+          <a:stretch>
+            <a:fillRect/>
+          </a:stretch>
+        </p:blipFill>
+        <p:spPr>
+          <a:xfrm>
+            <a:off x="3100467" y="4939188"/>
+            <a:ext cx="2881999" cy="1217193"/>
+          </a:xfrm>
+          <a:prstGeom prst="rect">
+            <a:avLst/>
+          </a:prstGeom>
+        </p:spPr>
+      </p:pic>
     </p:spTree>
     <p:extLst>
       <p:ext uri="{BB962C8B-B14F-4D97-AF65-F5344CB8AC3E}">
-        <p14:creationId xmlns:p14="http://schemas.microsoft.com/office/powerpoint/2010/main" val="515091971"/>
+        <p14:creationId xmlns:p14="http://schemas.microsoft.com/office/powerpoint/2010/main" val="2309415145"/>
+      </p:ext>
+    </p:extLst>
+  </p:cSld>
+  <p:clrMapOvr>
+    <a:masterClrMapping/>
+  </p:clrMapOvr>
+</p:sld>
+</file>
+
+<file path=ppt/slides/slide5.xml><?xml version="1.0" encoding="utf-8"?>
+<p:sld xmlns:a="http://schemas.openxmlformats.org/drawingml/2006/main" xmlns:r="http://schemas.openxmlformats.org/officeDocument/2006/relationships" xmlns:p="http://schemas.openxmlformats.org/presentationml/2006/main">
+  <p:cSld>
+    <p:spTree>
+      <p:nvGrpSpPr>
+        <p:cNvPr id="1" name=""/>
+        <p:cNvGrpSpPr/>
+        <p:nvPr/>
+      </p:nvGrpSpPr>
+      <p:grpSpPr>
+        <a:xfrm>
+          <a:off x="0" y="0"/>
+          <a:ext cx="0" cy="0"/>
+          <a:chOff x="0" y="0"/>
+          <a:chExt cx="0" cy="0"/>
+        </a:xfrm>
+      </p:grpSpPr>
+      <p:sp>
+        <p:nvSpPr>
+          <p:cNvPr id="4" name="ZoneTexte 3">
+            <a:extLst>
+              <a:ext uri="{FF2B5EF4-FFF2-40B4-BE49-F238E27FC236}">
+                <a16:creationId xmlns:a16="http://schemas.microsoft.com/office/drawing/2014/main" id="{D5AF4086-E4F9-400C-439A-69A4DD381368}"/>
+              </a:ext>
+            </a:extLst>
+          </p:cNvPr>
+          <p:cNvSpPr txBox="1"/>
+          <p:nvPr/>
+        </p:nvSpPr>
+        <p:spPr>
+          <a:xfrm>
+            <a:off x="1" y="59609"/>
+            <a:ext cx="12192000" cy="369332"/>
+          </a:xfrm>
+          <a:prstGeom prst="rect">
+            <a:avLst/>
+          </a:prstGeom>
+          <a:noFill/>
+        </p:spPr>
+        <p:txBody>
+          <a:bodyPr wrap="square" rtlCol="0">
+            <a:spAutoFit/>
+          </a:bodyPr>
+          <a:lstStyle/>
+          <a:p>
+            <a:pPr algn="ctr"/>
+            <a:r>
+              <a:rPr lang="fr-FR" b="1" dirty="0"/>
+              <a:t>Suppression des pratiques de Black Hat</a:t>
+            </a:r>
+          </a:p>
+        </p:txBody>
+      </p:sp>
+      <p:sp>
+        <p:nvSpPr>
+          <p:cNvPr id="7" name="ZoneTexte 6">
+            <a:extLst>
+              <a:ext uri="{FF2B5EF4-FFF2-40B4-BE49-F238E27FC236}">
+                <a16:creationId xmlns:a16="http://schemas.microsoft.com/office/drawing/2014/main" id="{1CEC4A1E-A155-F6B6-9443-3D525E1BB932}"/>
+              </a:ext>
+            </a:extLst>
+          </p:cNvPr>
+          <p:cNvSpPr txBox="1"/>
+          <p:nvPr/>
+        </p:nvSpPr>
+        <p:spPr>
+          <a:xfrm>
+            <a:off x="0" y="39063"/>
+            <a:ext cx="2373331" cy="369332"/>
+          </a:xfrm>
+          <a:prstGeom prst="rect">
+            <a:avLst/>
+          </a:prstGeom>
+        </p:spPr>
+        <p:style>
+          <a:lnRef idx="0">
+            <a:schemeClr val="accent2"/>
+          </a:lnRef>
+          <a:fillRef idx="3">
+            <a:schemeClr val="accent2"/>
+          </a:fillRef>
+          <a:effectRef idx="3">
+            <a:schemeClr val="accent2"/>
+          </a:effectRef>
+          <a:fontRef idx="minor">
+            <a:schemeClr val="lt1"/>
+          </a:fontRef>
+        </p:style>
+        <p:txBody>
+          <a:bodyPr wrap="square" rtlCol="0">
+            <a:spAutoFit/>
+          </a:bodyPr>
+          <a:lstStyle/>
+          <a:p>
+            <a:pPr algn="ctr"/>
+            <a:r>
+              <a:rPr lang="fr-FR" dirty="0">
+                <a:solidFill>
+                  <a:schemeClr val="bg1"/>
+                </a:solidFill>
+              </a:rPr>
+              <a:t>Recommandation SEO</a:t>
+            </a:r>
+          </a:p>
+        </p:txBody>
+      </p:sp>
+      <p:sp>
+        <p:nvSpPr>
+          <p:cNvPr id="9" name="ZoneTexte 8">
+            <a:extLst>
+              <a:ext uri="{FF2B5EF4-FFF2-40B4-BE49-F238E27FC236}">
+                <a16:creationId xmlns:a16="http://schemas.microsoft.com/office/drawing/2014/main" id="{A1A27EE7-2211-9309-0602-1315089ABA6E}"/>
+              </a:ext>
+            </a:extLst>
+          </p:cNvPr>
+          <p:cNvSpPr txBox="1"/>
+          <p:nvPr/>
+        </p:nvSpPr>
+        <p:spPr>
+          <a:xfrm>
+            <a:off x="0" y="754311"/>
+            <a:ext cx="12192000" cy="461665"/>
+          </a:xfrm>
+          <a:prstGeom prst="rect">
+            <a:avLst/>
+          </a:prstGeom>
+          <a:noFill/>
+        </p:spPr>
+        <p:txBody>
+          <a:bodyPr wrap="square" rtlCol="0">
+            <a:spAutoFit/>
+          </a:bodyPr>
+          <a:lstStyle/>
+          <a:p>
+            <a:pPr algn="ctr"/>
+            <a:r>
+              <a:rPr lang="fr-FR" sz="1200" dirty="0"/>
+              <a:t>Pratique jugée irrecevable par les moteurs de recherche.</a:t>
+            </a:r>
+          </a:p>
+          <a:p>
+            <a:pPr algn="ctr"/>
+            <a:r>
+              <a:rPr lang="fr-FR" sz="1200" dirty="0"/>
+              <a:t>Surpression de la div "keywords". L'ensemble des mots clés étant présents dans l'ensemble du site. Suppression des liens non pertinents</a:t>
+            </a:r>
+          </a:p>
+        </p:txBody>
+      </p:sp>
+      <p:sp>
+        <p:nvSpPr>
+          <p:cNvPr id="32" name="Rectangle 31">
+            <a:extLst>
+              <a:ext uri="{FF2B5EF4-FFF2-40B4-BE49-F238E27FC236}">
+                <a16:creationId xmlns:a16="http://schemas.microsoft.com/office/drawing/2014/main" id="{E87445C3-CA42-3ACB-2A95-D44AFE635827}"/>
+              </a:ext>
+            </a:extLst>
+          </p:cNvPr>
+          <p:cNvSpPr/>
+          <p:nvPr/>
+        </p:nvSpPr>
+        <p:spPr>
+          <a:xfrm>
+            <a:off x="160421" y="1957409"/>
+            <a:ext cx="11959390" cy="4452051"/>
+          </a:xfrm>
+          <a:prstGeom prst="rect">
+            <a:avLst/>
+          </a:prstGeom>
+          <a:noFill/>
+          <a:ln w="6350">
+            <a:solidFill>
+              <a:schemeClr val="tx1"/>
+            </a:solidFill>
+          </a:ln>
+        </p:spPr>
+        <p:style>
+          <a:lnRef idx="2">
+            <a:schemeClr val="accent1">
+              <a:shade val="50000"/>
+            </a:schemeClr>
+          </a:lnRef>
+          <a:fillRef idx="1">
+            <a:schemeClr val="accent1"/>
+          </a:fillRef>
+          <a:effectRef idx="0">
+            <a:schemeClr val="accent1"/>
+          </a:effectRef>
+          <a:fontRef idx="minor">
+            <a:schemeClr val="lt1"/>
+          </a:fontRef>
+        </p:style>
+        <p:txBody>
+          <a:bodyPr rtlCol="0" anchor="ctr"/>
+          <a:lstStyle/>
+          <a:p>
+            <a:pPr algn="ctr"/>
+            <a:endParaRPr lang="fr-FR"/>
+          </a:p>
+        </p:txBody>
+      </p:sp>
+      <p:sp>
+        <p:nvSpPr>
+          <p:cNvPr id="13" name="ZoneTexte 12">
+            <a:extLst>
+              <a:ext uri="{FF2B5EF4-FFF2-40B4-BE49-F238E27FC236}">
+                <a16:creationId xmlns:a16="http://schemas.microsoft.com/office/drawing/2014/main" id="{6CEC4485-E878-8165-7636-0CD29BAE5C9D}"/>
+              </a:ext>
+            </a:extLst>
+          </p:cNvPr>
+          <p:cNvSpPr txBox="1"/>
+          <p:nvPr/>
+        </p:nvSpPr>
+        <p:spPr>
+          <a:xfrm>
+            <a:off x="5599165" y="1460133"/>
+            <a:ext cx="993670" cy="276999"/>
+          </a:xfrm>
+          <a:prstGeom prst="rect">
+            <a:avLst/>
+          </a:prstGeom>
+          <a:solidFill>
+            <a:schemeClr val="accent2">
+              <a:lumMod val="20000"/>
+              <a:lumOff val="80000"/>
+            </a:schemeClr>
+          </a:solidFill>
+          <a:ln>
+            <a:noFill/>
+          </a:ln>
+        </p:spPr>
+        <p:style>
+          <a:lnRef idx="2">
+            <a:schemeClr val="dk1"/>
+          </a:lnRef>
+          <a:fillRef idx="1">
+            <a:schemeClr val="lt1"/>
+          </a:fillRef>
+          <a:effectRef idx="0">
+            <a:schemeClr val="dk1"/>
+          </a:effectRef>
+          <a:fontRef idx="minor">
+            <a:schemeClr val="dk1"/>
+          </a:fontRef>
+        </p:style>
+        <p:txBody>
+          <a:bodyPr wrap="none" rtlCol="0">
+            <a:spAutoFit/>
+          </a:bodyPr>
+          <a:lstStyle/>
+          <a:p>
+            <a:r>
+              <a:rPr lang="fr-FR" sz="1200" dirty="0"/>
+              <a:t>Optimisation</a:t>
+            </a:r>
+          </a:p>
+        </p:txBody>
+      </p:sp>
+      <p:pic>
+        <p:nvPicPr>
+          <p:cNvPr id="14" name="Image 13">
+            <a:extLst>
+              <a:ext uri="{FF2B5EF4-FFF2-40B4-BE49-F238E27FC236}">
+                <a16:creationId xmlns:a16="http://schemas.microsoft.com/office/drawing/2014/main" id="{F9F42A47-8438-C351-3259-B5D6FAE3B1B1}"/>
+              </a:ext>
+            </a:extLst>
+          </p:cNvPr>
+          <p:cNvPicPr>
+            <a:picLocks noChangeAspect="1"/>
+          </p:cNvPicPr>
+          <p:nvPr/>
+        </p:nvPicPr>
+        <p:blipFill>
+          <a:blip r:embed="rId2"/>
+          <a:stretch>
+            <a:fillRect/>
+          </a:stretch>
+        </p:blipFill>
+        <p:spPr>
+          <a:xfrm>
+            <a:off x="485038" y="2701441"/>
+            <a:ext cx="5256091" cy="2201546"/>
+          </a:xfrm>
+          <a:prstGeom prst="rect">
+            <a:avLst/>
+          </a:prstGeom>
+        </p:spPr>
+      </p:pic>
+      <p:sp>
+        <p:nvSpPr>
+          <p:cNvPr id="17" name="ZoneTexte 16">
+            <a:extLst>
+              <a:ext uri="{FF2B5EF4-FFF2-40B4-BE49-F238E27FC236}">
+                <a16:creationId xmlns:a16="http://schemas.microsoft.com/office/drawing/2014/main" id="{800DB6F9-A245-CB70-1CA3-90C592AB991B}"/>
+              </a:ext>
+            </a:extLst>
+          </p:cNvPr>
+          <p:cNvSpPr txBox="1"/>
+          <p:nvPr/>
+        </p:nvSpPr>
+        <p:spPr>
+          <a:xfrm>
+            <a:off x="1747894" y="2289757"/>
+            <a:ext cx="2241319" cy="261610"/>
+          </a:xfrm>
+          <a:prstGeom prst="rect">
+            <a:avLst/>
+          </a:prstGeom>
+          <a:noFill/>
+        </p:spPr>
+        <p:txBody>
+          <a:bodyPr wrap="none" rtlCol="0">
+            <a:spAutoFit/>
+          </a:bodyPr>
+          <a:lstStyle/>
+          <a:p>
+            <a:r>
+              <a:rPr lang="fr-FR" sz="1100" dirty="0"/>
+              <a:t>Suppression des keywords black </a:t>
+            </a:r>
+            <a:r>
+              <a:rPr lang="fr-FR" sz="1100" dirty="0" err="1"/>
+              <a:t>hat</a:t>
+            </a:r>
+            <a:endParaRPr lang="fr-FR" sz="1100" dirty="0"/>
+          </a:p>
+        </p:txBody>
+      </p:sp>
+      <p:pic>
+        <p:nvPicPr>
+          <p:cNvPr id="18" name="Image 17">
+            <a:extLst>
+              <a:ext uri="{FF2B5EF4-FFF2-40B4-BE49-F238E27FC236}">
+                <a16:creationId xmlns:a16="http://schemas.microsoft.com/office/drawing/2014/main" id="{99B0C829-390B-852F-9206-90F358062924}"/>
+              </a:ext>
+            </a:extLst>
+          </p:cNvPr>
+          <p:cNvPicPr>
+            <a:picLocks noChangeAspect="1"/>
+          </p:cNvPicPr>
+          <p:nvPr/>
+        </p:nvPicPr>
+        <p:blipFill>
+          <a:blip r:embed="rId3"/>
+          <a:stretch>
+            <a:fillRect/>
+          </a:stretch>
+        </p:blipFill>
+        <p:spPr>
+          <a:xfrm>
+            <a:off x="485038" y="5037173"/>
+            <a:ext cx="5256091" cy="1075975"/>
+          </a:xfrm>
+          <a:prstGeom prst="rect">
+            <a:avLst/>
+          </a:prstGeom>
+        </p:spPr>
+      </p:pic>
+      <p:pic>
+        <p:nvPicPr>
+          <p:cNvPr id="19" name="Image 18">
+            <a:extLst>
+              <a:ext uri="{FF2B5EF4-FFF2-40B4-BE49-F238E27FC236}">
+                <a16:creationId xmlns:a16="http://schemas.microsoft.com/office/drawing/2014/main" id="{73E0706F-AB3E-9A3E-3FA5-627AEB9F65B2}"/>
+              </a:ext>
+            </a:extLst>
+          </p:cNvPr>
+          <p:cNvPicPr>
+            <a:picLocks noChangeAspect="1"/>
+          </p:cNvPicPr>
+          <p:nvPr/>
+        </p:nvPicPr>
+        <p:blipFill rotWithShape="1">
+          <a:blip r:embed="rId4"/>
+          <a:srcRect l="11843"/>
+          <a:stretch/>
+        </p:blipFill>
+        <p:spPr>
+          <a:xfrm>
+            <a:off x="8466220" y="2701441"/>
+            <a:ext cx="2392992" cy="3546251"/>
+          </a:xfrm>
+          <a:prstGeom prst="rect">
+            <a:avLst/>
+          </a:prstGeom>
+        </p:spPr>
+      </p:pic>
+      <p:sp>
+        <p:nvSpPr>
+          <p:cNvPr id="20" name="ZoneTexte 19">
+            <a:extLst>
+              <a:ext uri="{FF2B5EF4-FFF2-40B4-BE49-F238E27FC236}">
+                <a16:creationId xmlns:a16="http://schemas.microsoft.com/office/drawing/2014/main" id="{A6EC859E-EA1A-9E82-FA97-DFE02CF707BB}"/>
+              </a:ext>
+            </a:extLst>
+          </p:cNvPr>
+          <p:cNvSpPr txBox="1"/>
+          <p:nvPr/>
+        </p:nvSpPr>
+        <p:spPr>
+          <a:xfrm>
+            <a:off x="8577818" y="2329693"/>
+            <a:ext cx="2281394" cy="261610"/>
+          </a:xfrm>
+          <a:prstGeom prst="rect">
+            <a:avLst/>
+          </a:prstGeom>
+          <a:noFill/>
+        </p:spPr>
+        <p:txBody>
+          <a:bodyPr wrap="none" rtlCol="0">
+            <a:spAutoFit/>
+          </a:bodyPr>
+          <a:lstStyle/>
+          <a:p>
+            <a:r>
+              <a:rPr lang="fr-FR" sz="1100" dirty="0"/>
+              <a:t>Suppression des liens non pertinents</a:t>
+            </a:r>
+          </a:p>
+        </p:txBody>
+      </p:sp>
+    </p:spTree>
+    <p:extLst>
+      <p:ext uri="{BB962C8B-B14F-4D97-AF65-F5344CB8AC3E}">
+        <p14:creationId xmlns:p14="http://schemas.microsoft.com/office/powerpoint/2010/main" val="3458826649"/>
+      </p:ext>
+    </p:extLst>
+  </p:cSld>
+  <p:clrMapOvr>
+    <a:masterClrMapping/>
+  </p:clrMapOvr>
+</p:sld>
+</file>
+
+<file path=ppt/slides/slide6.xml><?xml version="1.0" encoding="utf-8"?>
+<p:sld xmlns:a="http://schemas.openxmlformats.org/drawingml/2006/main" xmlns:r="http://schemas.openxmlformats.org/officeDocument/2006/relationships" xmlns:p="http://schemas.openxmlformats.org/presentationml/2006/main">
+  <p:cSld>
+    <p:spTree>
+      <p:nvGrpSpPr>
+        <p:cNvPr id="1" name=""/>
+        <p:cNvGrpSpPr/>
+        <p:nvPr/>
+      </p:nvGrpSpPr>
+      <p:grpSpPr>
+        <a:xfrm>
+          <a:off x="0" y="0"/>
+          <a:ext cx="0" cy="0"/>
+          <a:chOff x="0" y="0"/>
+          <a:chExt cx="0" cy="0"/>
+        </a:xfrm>
+      </p:grpSpPr>
+      <p:sp>
+        <p:nvSpPr>
+          <p:cNvPr id="4" name="ZoneTexte 3">
+            <a:extLst>
+              <a:ext uri="{FF2B5EF4-FFF2-40B4-BE49-F238E27FC236}">
+                <a16:creationId xmlns:a16="http://schemas.microsoft.com/office/drawing/2014/main" id="{D5AF4086-E4F9-400C-439A-69A4DD381368}"/>
+              </a:ext>
+            </a:extLst>
+          </p:cNvPr>
+          <p:cNvSpPr txBox="1"/>
+          <p:nvPr/>
+        </p:nvSpPr>
+        <p:spPr>
+          <a:xfrm>
+            <a:off x="1155031" y="59609"/>
+            <a:ext cx="11036969" cy="369332"/>
+          </a:xfrm>
+          <a:prstGeom prst="rect">
+            <a:avLst/>
+          </a:prstGeom>
+          <a:noFill/>
+        </p:spPr>
+        <p:txBody>
+          <a:bodyPr wrap="square" rtlCol="0">
+            <a:spAutoFit/>
+          </a:bodyPr>
+          <a:lstStyle/>
+          <a:p>
+            <a:pPr algn="ctr"/>
+            <a:r>
+              <a:rPr lang="fr-FR" b="1" dirty="0"/>
+              <a:t>Refonte de la sémantique du site et de l’architecture des titres – </a:t>
+            </a:r>
+            <a:r>
+              <a:rPr lang="fr-FR" b="1" dirty="0" err="1">
+                <a:solidFill>
+                  <a:srgbClr val="FF0000"/>
+                </a:solidFill>
+              </a:rPr>
+              <a:t>index.html</a:t>
+            </a:r>
+            <a:endParaRPr lang="fr-FR" b="1" dirty="0">
+              <a:solidFill>
+                <a:srgbClr val="FF0000"/>
+              </a:solidFill>
+            </a:endParaRPr>
+          </a:p>
+        </p:txBody>
+      </p:sp>
+      <p:sp>
+        <p:nvSpPr>
+          <p:cNvPr id="7" name="ZoneTexte 6">
+            <a:extLst>
+              <a:ext uri="{FF2B5EF4-FFF2-40B4-BE49-F238E27FC236}">
+                <a16:creationId xmlns:a16="http://schemas.microsoft.com/office/drawing/2014/main" id="{1CEC4A1E-A155-F6B6-9443-3D525E1BB932}"/>
+              </a:ext>
+            </a:extLst>
+          </p:cNvPr>
+          <p:cNvSpPr txBox="1"/>
+          <p:nvPr/>
+        </p:nvSpPr>
+        <p:spPr>
+          <a:xfrm>
+            <a:off x="0" y="39063"/>
+            <a:ext cx="2373331" cy="369332"/>
+          </a:xfrm>
+          <a:prstGeom prst="rect">
+            <a:avLst/>
+          </a:prstGeom>
+        </p:spPr>
+        <p:style>
+          <a:lnRef idx="0">
+            <a:schemeClr val="accent2"/>
+          </a:lnRef>
+          <a:fillRef idx="3">
+            <a:schemeClr val="accent2"/>
+          </a:fillRef>
+          <a:effectRef idx="3">
+            <a:schemeClr val="accent2"/>
+          </a:effectRef>
+          <a:fontRef idx="minor">
+            <a:schemeClr val="lt1"/>
+          </a:fontRef>
+        </p:style>
+        <p:txBody>
+          <a:bodyPr wrap="square" rtlCol="0">
+            <a:spAutoFit/>
+          </a:bodyPr>
+          <a:lstStyle/>
+          <a:p>
+            <a:pPr algn="ctr"/>
+            <a:r>
+              <a:rPr lang="fr-FR" dirty="0">
+                <a:solidFill>
+                  <a:schemeClr val="bg1"/>
+                </a:solidFill>
+              </a:rPr>
+              <a:t>Recommandation SEO</a:t>
+            </a:r>
+          </a:p>
+        </p:txBody>
+      </p:sp>
+      <p:sp>
+        <p:nvSpPr>
+          <p:cNvPr id="9" name="ZoneTexte 8">
+            <a:extLst>
+              <a:ext uri="{FF2B5EF4-FFF2-40B4-BE49-F238E27FC236}">
+                <a16:creationId xmlns:a16="http://schemas.microsoft.com/office/drawing/2014/main" id="{A1A27EE7-2211-9309-0602-1315089ABA6E}"/>
+              </a:ext>
+            </a:extLst>
+          </p:cNvPr>
+          <p:cNvSpPr txBox="1"/>
+          <p:nvPr/>
+        </p:nvSpPr>
+        <p:spPr>
+          <a:xfrm>
+            <a:off x="0" y="754311"/>
+            <a:ext cx="12192000" cy="461665"/>
+          </a:xfrm>
+          <a:prstGeom prst="rect">
+            <a:avLst/>
+          </a:prstGeom>
+          <a:noFill/>
+        </p:spPr>
+        <p:txBody>
+          <a:bodyPr wrap="square" rtlCol="0">
+            <a:spAutoFit/>
+          </a:bodyPr>
+          <a:lstStyle/>
+          <a:p>
+            <a:pPr algn="ctr"/>
+            <a:r>
+              <a:rPr lang="fr-FR" sz="1200" dirty="0"/>
+              <a:t>La sémantique du HTML est  pauvre, et opère à une mauvaise compréhension du site. Par ailleurs, l'architecture des titres n'est pas cohérente. Les </a:t>
+            </a:r>
+            <a:r>
+              <a:rPr lang="fr-FR" sz="1200" dirty="0" err="1"/>
+              <a:t>crawlers</a:t>
+            </a:r>
+            <a:r>
+              <a:rPr lang="fr-FR" sz="1200" dirty="0"/>
+              <a:t> ne peuvent pas déchiffrer la page. Cela complique également l’accessibilité. Traitement des anomalies du W3C </a:t>
+            </a:r>
+            <a:r>
+              <a:rPr lang="fr-FR" sz="1200" dirty="0" err="1"/>
+              <a:t>validator</a:t>
+            </a:r>
+            <a:endParaRPr lang="fr-FR" sz="1200" dirty="0"/>
+          </a:p>
+        </p:txBody>
+      </p:sp>
+      <p:sp>
+        <p:nvSpPr>
+          <p:cNvPr id="32" name="Rectangle 31">
+            <a:extLst>
+              <a:ext uri="{FF2B5EF4-FFF2-40B4-BE49-F238E27FC236}">
+                <a16:creationId xmlns:a16="http://schemas.microsoft.com/office/drawing/2014/main" id="{E87445C3-CA42-3ACB-2A95-D44AFE635827}"/>
+              </a:ext>
+            </a:extLst>
+          </p:cNvPr>
+          <p:cNvSpPr/>
+          <p:nvPr/>
+        </p:nvSpPr>
+        <p:spPr>
+          <a:xfrm>
+            <a:off x="176463" y="1957409"/>
+            <a:ext cx="11815011" cy="4840982"/>
+          </a:xfrm>
+          <a:prstGeom prst="rect">
+            <a:avLst/>
+          </a:prstGeom>
+          <a:noFill/>
+          <a:ln w="6350">
+            <a:solidFill>
+              <a:schemeClr val="tx1"/>
+            </a:solidFill>
+          </a:ln>
+        </p:spPr>
+        <p:style>
+          <a:lnRef idx="2">
+            <a:schemeClr val="accent1">
+              <a:shade val="50000"/>
+            </a:schemeClr>
+          </a:lnRef>
+          <a:fillRef idx="1">
+            <a:schemeClr val="accent1"/>
+          </a:fillRef>
+          <a:effectRef idx="0">
+            <a:schemeClr val="accent1"/>
+          </a:effectRef>
+          <a:fontRef idx="minor">
+            <a:schemeClr val="lt1"/>
+          </a:fontRef>
+        </p:style>
+        <p:txBody>
+          <a:bodyPr rtlCol="0" anchor="ctr"/>
+          <a:lstStyle/>
+          <a:p>
+            <a:pPr algn="ctr"/>
+            <a:endParaRPr lang="fr-FR"/>
+          </a:p>
+        </p:txBody>
+      </p:sp>
+      <p:sp>
+        <p:nvSpPr>
+          <p:cNvPr id="13" name="ZoneTexte 12">
+            <a:extLst>
+              <a:ext uri="{FF2B5EF4-FFF2-40B4-BE49-F238E27FC236}">
+                <a16:creationId xmlns:a16="http://schemas.microsoft.com/office/drawing/2014/main" id="{6CEC4485-E878-8165-7636-0CD29BAE5C9D}"/>
+              </a:ext>
+            </a:extLst>
+          </p:cNvPr>
+          <p:cNvSpPr txBox="1"/>
+          <p:nvPr/>
+        </p:nvSpPr>
+        <p:spPr>
+          <a:xfrm>
+            <a:off x="5599165" y="1460133"/>
+            <a:ext cx="993670" cy="276999"/>
+          </a:xfrm>
+          <a:prstGeom prst="rect">
+            <a:avLst/>
+          </a:prstGeom>
+          <a:solidFill>
+            <a:schemeClr val="accent2">
+              <a:lumMod val="20000"/>
+              <a:lumOff val="80000"/>
+            </a:schemeClr>
+          </a:solidFill>
+          <a:ln>
+            <a:noFill/>
+          </a:ln>
+        </p:spPr>
+        <p:style>
+          <a:lnRef idx="2">
+            <a:schemeClr val="dk1"/>
+          </a:lnRef>
+          <a:fillRef idx="1">
+            <a:schemeClr val="lt1"/>
+          </a:fillRef>
+          <a:effectRef idx="0">
+            <a:schemeClr val="dk1"/>
+          </a:effectRef>
+          <a:fontRef idx="minor">
+            <a:schemeClr val="dk1"/>
+          </a:fontRef>
+        </p:style>
+        <p:txBody>
+          <a:bodyPr wrap="none" rtlCol="0">
+            <a:spAutoFit/>
+          </a:bodyPr>
+          <a:lstStyle/>
+          <a:p>
+            <a:r>
+              <a:rPr lang="fr-FR" sz="1200" dirty="0"/>
+              <a:t>Optimisation</a:t>
+            </a:r>
+          </a:p>
+        </p:txBody>
+      </p:sp>
+      <p:cxnSp>
+        <p:nvCxnSpPr>
+          <p:cNvPr id="39" name="Connecteur droit 38">
+            <a:extLst>
+              <a:ext uri="{FF2B5EF4-FFF2-40B4-BE49-F238E27FC236}">
+                <a16:creationId xmlns:a16="http://schemas.microsoft.com/office/drawing/2014/main" id="{780747E3-7747-2408-5B82-1476D10C3288}"/>
+              </a:ext>
+            </a:extLst>
+          </p:cNvPr>
+          <p:cNvCxnSpPr>
+            <a:cxnSpLocks/>
+            <a:stCxn id="32" idx="0"/>
+            <a:endCxn id="32" idx="2"/>
+          </p:cNvCxnSpPr>
+          <p:nvPr/>
+        </p:nvCxnSpPr>
+        <p:spPr>
+          <a:xfrm>
+            <a:off x="6083969" y="1957409"/>
+            <a:ext cx="0" cy="4840982"/>
+          </a:xfrm>
+          <a:prstGeom prst="line">
+            <a:avLst/>
+          </a:prstGeom>
+          <a:ln w="15875">
+            <a:solidFill>
+              <a:schemeClr val="tx1"/>
+            </a:solidFill>
+            <a:prstDash val="sysDash"/>
+          </a:ln>
+        </p:spPr>
+        <p:style>
+          <a:lnRef idx="1">
+            <a:schemeClr val="accent1"/>
+          </a:lnRef>
+          <a:fillRef idx="0">
+            <a:schemeClr val="accent1"/>
+          </a:fillRef>
+          <a:effectRef idx="0">
+            <a:schemeClr val="accent1"/>
+          </a:effectRef>
+          <a:fontRef idx="minor">
+            <a:schemeClr val="tx1"/>
+          </a:fontRef>
+        </p:style>
+      </p:cxnSp>
+      <p:sp>
+        <p:nvSpPr>
+          <p:cNvPr id="40" name="ZoneTexte 39">
+            <a:extLst>
+              <a:ext uri="{FF2B5EF4-FFF2-40B4-BE49-F238E27FC236}">
+                <a16:creationId xmlns:a16="http://schemas.microsoft.com/office/drawing/2014/main" id="{7C1CC60C-F4E1-E1DE-BD7D-8D93E7C89F21}"/>
+              </a:ext>
+            </a:extLst>
+          </p:cNvPr>
+          <p:cNvSpPr txBox="1"/>
+          <p:nvPr/>
+        </p:nvSpPr>
+        <p:spPr>
+          <a:xfrm>
+            <a:off x="2863156" y="1691964"/>
+            <a:ext cx="534121" cy="276999"/>
+          </a:xfrm>
+          <a:prstGeom prst="rect">
+            <a:avLst/>
+          </a:prstGeom>
+          <a:noFill/>
+        </p:spPr>
+        <p:txBody>
+          <a:bodyPr wrap="none" rtlCol="0">
+            <a:spAutoFit/>
+          </a:bodyPr>
+          <a:lstStyle/>
+          <a:p>
+            <a:r>
+              <a:rPr lang="fr-FR" sz="1200" dirty="0"/>
+              <a:t>Initial</a:t>
+            </a:r>
+          </a:p>
+        </p:txBody>
+      </p:sp>
+      <p:sp>
+        <p:nvSpPr>
+          <p:cNvPr id="41" name="ZoneTexte 40">
+            <a:extLst>
+              <a:ext uri="{FF2B5EF4-FFF2-40B4-BE49-F238E27FC236}">
+                <a16:creationId xmlns:a16="http://schemas.microsoft.com/office/drawing/2014/main" id="{3A26953B-CE3F-3779-389C-2F1ECAE6FC26}"/>
+              </a:ext>
+            </a:extLst>
+          </p:cNvPr>
+          <p:cNvSpPr txBox="1"/>
+          <p:nvPr/>
+        </p:nvSpPr>
+        <p:spPr>
+          <a:xfrm>
+            <a:off x="8770662" y="1679727"/>
+            <a:ext cx="479618" cy="276999"/>
+          </a:xfrm>
+          <a:prstGeom prst="rect">
+            <a:avLst/>
+          </a:prstGeom>
+          <a:noFill/>
+        </p:spPr>
+        <p:txBody>
+          <a:bodyPr wrap="none" rtlCol="0">
+            <a:spAutoFit/>
+          </a:bodyPr>
+          <a:lstStyle/>
+          <a:p>
+            <a:r>
+              <a:rPr lang="fr-FR" sz="1200" dirty="0"/>
+              <a:t>Final</a:t>
+            </a:r>
+          </a:p>
+        </p:txBody>
+      </p:sp>
+      <p:pic>
+        <p:nvPicPr>
+          <p:cNvPr id="17" name="Image 16">
+            <a:extLst>
+              <a:ext uri="{FF2B5EF4-FFF2-40B4-BE49-F238E27FC236}">
+                <a16:creationId xmlns:a16="http://schemas.microsoft.com/office/drawing/2014/main" id="{AC82C899-2D90-96BD-145A-419CFC87E964}"/>
+              </a:ext>
+            </a:extLst>
+          </p:cNvPr>
+          <p:cNvPicPr>
+            <a:picLocks noChangeAspect="1"/>
+          </p:cNvPicPr>
+          <p:nvPr/>
+        </p:nvPicPr>
+        <p:blipFill>
+          <a:blip r:embed="rId2"/>
+          <a:stretch>
+            <a:fillRect/>
+          </a:stretch>
+        </p:blipFill>
+        <p:spPr>
+          <a:xfrm>
+            <a:off x="371572" y="2581734"/>
+            <a:ext cx="1566917" cy="3335871"/>
+          </a:xfrm>
+          <a:prstGeom prst="rect">
+            <a:avLst/>
+          </a:prstGeom>
+        </p:spPr>
+      </p:pic>
+      <p:pic>
+        <p:nvPicPr>
+          <p:cNvPr id="18" name="Image 17">
+            <a:extLst>
+              <a:ext uri="{FF2B5EF4-FFF2-40B4-BE49-F238E27FC236}">
+                <a16:creationId xmlns:a16="http://schemas.microsoft.com/office/drawing/2014/main" id="{680E90B9-9B68-C08E-8283-4A39819B4B34}"/>
+              </a:ext>
+            </a:extLst>
+          </p:cNvPr>
+          <p:cNvPicPr>
+            <a:picLocks noChangeAspect="1"/>
+          </p:cNvPicPr>
+          <p:nvPr/>
+        </p:nvPicPr>
+        <p:blipFill>
+          <a:blip r:embed="rId3"/>
+          <a:stretch>
+            <a:fillRect/>
+          </a:stretch>
+        </p:blipFill>
+        <p:spPr>
+          <a:xfrm>
+            <a:off x="6339386" y="2274666"/>
+            <a:ext cx="1126967" cy="4206466"/>
+          </a:xfrm>
+          <a:prstGeom prst="rect">
+            <a:avLst/>
+          </a:prstGeom>
+        </p:spPr>
+      </p:pic>
+      <p:pic>
+        <p:nvPicPr>
+          <p:cNvPr id="31" name="Image 30">
+            <a:extLst>
+              <a:ext uri="{FF2B5EF4-FFF2-40B4-BE49-F238E27FC236}">
+                <a16:creationId xmlns:a16="http://schemas.microsoft.com/office/drawing/2014/main" id="{663BF1F8-D62A-AF75-F1AB-F83468E49307}"/>
+              </a:ext>
+            </a:extLst>
+          </p:cNvPr>
+          <p:cNvPicPr>
+            <a:picLocks noChangeAspect="1"/>
+          </p:cNvPicPr>
+          <p:nvPr/>
+        </p:nvPicPr>
+        <p:blipFill>
+          <a:blip r:embed="rId4"/>
+          <a:stretch>
+            <a:fillRect/>
+          </a:stretch>
+        </p:blipFill>
+        <p:spPr>
+          <a:xfrm>
+            <a:off x="2295819" y="2018367"/>
+            <a:ext cx="3303346" cy="4719065"/>
+          </a:xfrm>
+          <a:prstGeom prst="rect">
+            <a:avLst/>
+          </a:prstGeom>
+        </p:spPr>
+      </p:pic>
+      <p:pic>
+        <p:nvPicPr>
+          <p:cNvPr id="6" name="Image 5">
+            <a:extLst>
+              <a:ext uri="{FF2B5EF4-FFF2-40B4-BE49-F238E27FC236}">
+                <a16:creationId xmlns:a16="http://schemas.microsoft.com/office/drawing/2014/main" id="{E5F06F9C-6647-0B8E-1C8F-BA3646C6AC22}"/>
+              </a:ext>
+            </a:extLst>
+          </p:cNvPr>
+          <p:cNvPicPr>
+            <a:picLocks noChangeAspect="1"/>
+          </p:cNvPicPr>
+          <p:nvPr/>
+        </p:nvPicPr>
+        <p:blipFill>
+          <a:blip r:embed="rId5"/>
+          <a:stretch>
+            <a:fillRect/>
+          </a:stretch>
+        </p:blipFill>
+        <p:spPr>
+          <a:xfrm>
+            <a:off x="7718520" y="2177003"/>
+            <a:ext cx="3983745" cy="4480471"/>
+          </a:xfrm>
+          <a:prstGeom prst="rect">
+            <a:avLst/>
+          </a:prstGeom>
+        </p:spPr>
+      </p:pic>
+    </p:spTree>
+    <p:extLst>
+      <p:ext uri="{BB962C8B-B14F-4D97-AF65-F5344CB8AC3E}">
+        <p14:creationId xmlns:p14="http://schemas.microsoft.com/office/powerpoint/2010/main" val="3590472935"/>
+      </p:ext>
+    </p:extLst>
+  </p:cSld>
+  <p:clrMapOvr>
+    <a:masterClrMapping/>
+  </p:clrMapOvr>
+</p:sld>
+</file>
+
+<file path=ppt/slides/slide7.xml><?xml version="1.0" encoding="utf-8"?>
+<p:sld xmlns:a="http://schemas.openxmlformats.org/drawingml/2006/main" xmlns:r="http://schemas.openxmlformats.org/officeDocument/2006/relationships" xmlns:p="http://schemas.openxmlformats.org/presentationml/2006/main">
+  <p:cSld>
+    <p:spTree>
+      <p:nvGrpSpPr>
+        <p:cNvPr id="1" name=""/>
+        <p:cNvGrpSpPr/>
+        <p:nvPr/>
+      </p:nvGrpSpPr>
+      <p:grpSpPr>
+        <a:xfrm>
+          <a:off x="0" y="0"/>
+          <a:ext cx="0" cy="0"/>
+          <a:chOff x="0" y="0"/>
+          <a:chExt cx="0" cy="0"/>
+        </a:xfrm>
+      </p:grpSpPr>
+      <p:sp>
+        <p:nvSpPr>
+          <p:cNvPr id="4" name="ZoneTexte 3">
+            <a:extLst>
+              <a:ext uri="{FF2B5EF4-FFF2-40B4-BE49-F238E27FC236}">
+                <a16:creationId xmlns:a16="http://schemas.microsoft.com/office/drawing/2014/main" id="{D5AF4086-E4F9-400C-439A-69A4DD381368}"/>
+              </a:ext>
+            </a:extLst>
+          </p:cNvPr>
+          <p:cNvSpPr txBox="1"/>
+          <p:nvPr/>
+        </p:nvSpPr>
+        <p:spPr>
+          <a:xfrm>
+            <a:off x="681789" y="59609"/>
+            <a:ext cx="11510212" cy="369332"/>
+          </a:xfrm>
+          <a:prstGeom prst="rect">
+            <a:avLst/>
+          </a:prstGeom>
+          <a:noFill/>
+        </p:spPr>
+        <p:txBody>
+          <a:bodyPr wrap="square" rtlCol="0">
+            <a:spAutoFit/>
+          </a:bodyPr>
+          <a:lstStyle/>
+          <a:p>
+            <a:pPr algn="ctr"/>
+            <a:r>
+              <a:rPr lang="fr-FR" b="1" dirty="0"/>
+              <a:t>Refonte de la sémantique du site et de l’architecture des titres – </a:t>
+            </a:r>
+            <a:r>
+              <a:rPr lang="fr-FR" b="1" dirty="0" err="1">
+                <a:solidFill>
+                  <a:srgbClr val="FF0000"/>
+                </a:solidFill>
+              </a:rPr>
+              <a:t>Contact.html</a:t>
+            </a:r>
+            <a:endParaRPr lang="fr-FR" b="1" dirty="0">
+              <a:solidFill>
+                <a:srgbClr val="FF0000"/>
+              </a:solidFill>
+            </a:endParaRPr>
+          </a:p>
+        </p:txBody>
+      </p:sp>
+      <p:sp>
+        <p:nvSpPr>
+          <p:cNvPr id="7" name="ZoneTexte 6">
+            <a:extLst>
+              <a:ext uri="{FF2B5EF4-FFF2-40B4-BE49-F238E27FC236}">
+                <a16:creationId xmlns:a16="http://schemas.microsoft.com/office/drawing/2014/main" id="{1CEC4A1E-A155-F6B6-9443-3D525E1BB932}"/>
+              </a:ext>
+            </a:extLst>
+          </p:cNvPr>
+          <p:cNvSpPr txBox="1"/>
+          <p:nvPr/>
+        </p:nvSpPr>
+        <p:spPr>
+          <a:xfrm>
+            <a:off x="0" y="39063"/>
+            <a:ext cx="2373331" cy="369332"/>
+          </a:xfrm>
+          <a:prstGeom prst="rect">
+            <a:avLst/>
+          </a:prstGeom>
+        </p:spPr>
+        <p:style>
+          <a:lnRef idx="0">
+            <a:schemeClr val="accent2"/>
+          </a:lnRef>
+          <a:fillRef idx="3">
+            <a:schemeClr val="accent2"/>
+          </a:fillRef>
+          <a:effectRef idx="3">
+            <a:schemeClr val="accent2"/>
+          </a:effectRef>
+          <a:fontRef idx="minor">
+            <a:schemeClr val="lt1"/>
+          </a:fontRef>
+        </p:style>
+        <p:txBody>
+          <a:bodyPr wrap="square" rtlCol="0">
+            <a:spAutoFit/>
+          </a:bodyPr>
+          <a:lstStyle/>
+          <a:p>
+            <a:pPr algn="ctr"/>
+            <a:r>
+              <a:rPr lang="fr-FR" dirty="0">
+                <a:solidFill>
+                  <a:schemeClr val="bg1"/>
+                </a:solidFill>
+              </a:rPr>
+              <a:t>Recommandation SEO</a:t>
+            </a:r>
+          </a:p>
+        </p:txBody>
+      </p:sp>
+      <p:sp>
+        <p:nvSpPr>
+          <p:cNvPr id="9" name="ZoneTexte 8">
+            <a:extLst>
+              <a:ext uri="{FF2B5EF4-FFF2-40B4-BE49-F238E27FC236}">
+                <a16:creationId xmlns:a16="http://schemas.microsoft.com/office/drawing/2014/main" id="{A1A27EE7-2211-9309-0602-1315089ABA6E}"/>
+              </a:ext>
+            </a:extLst>
+          </p:cNvPr>
+          <p:cNvSpPr txBox="1"/>
+          <p:nvPr/>
+        </p:nvSpPr>
+        <p:spPr>
+          <a:xfrm>
+            <a:off x="0" y="754311"/>
+            <a:ext cx="12192000" cy="461665"/>
+          </a:xfrm>
+          <a:prstGeom prst="rect">
+            <a:avLst/>
+          </a:prstGeom>
+          <a:noFill/>
+        </p:spPr>
+        <p:txBody>
+          <a:bodyPr wrap="square" rtlCol="0">
+            <a:spAutoFit/>
+          </a:bodyPr>
+          <a:lstStyle/>
+          <a:p>
+            <a:pPr algn="ctr"/>
+            <a:r>
+              <a:rPr lang="fr-FR" sz="1200" dirty="0"/>
+              <a:t>La sémantique du HTML est  pauvre, et opère à une mauvaise compréhension du site. Par ailleurs, l'architecture des titres n'est pas cohérente. Les </a:t>
+            </a:r>
+            <a:r>
+              <a:rPr lang="fr-FR" sz="1200" dirty="0" err="1"/>
+              <a:t>crawlers</a:t>
+            </a:r>
+            <a:r>
+              <a:rPr lang="fr-FR" sz="1200" dirty="0"/>
+              <a:t> ne peuvent pas déchiffrer la page. Cela complique également l’accessibilité. Traitement des anomalies du W3C </a:t>
+            </a:r>
+            <a:r>
+              <a:rPr lang="fr-FR" sz="1200" dirty="0" err="1"/>
+              <a:t>validator</a:t>
+            </a:r>
+            <a:endParaRPr lang="fr-FR" sz="1200" dirty="0"/>
+          </a:p>
+        </p:txBody>
+      </p:sp>
+      <p:sp>
+        <p:nvSpPr>
+          <p:cNvPr id="32" name="Rectangle 31">
+            <a:extLst>
+              <a:ext uri="{FF2B5EF4-FFF2-40B4-BE49-F238E27FC236}">
+                <a16:creationId xmlns:a16="http://schemas.microsoft.com/office/drawing/2014/main" id="{E87445C3-CA42-3ACB-2A95-D44AFE635827}"/>
+              </a:ext>
+            </a:extLst>
+          </p:cNvPr>
+          <p:cNvSpPr/>
+          <p:nvPr/>
+        </p:nvSpPr>
+        <p:spPr>
+          <a:xfrm>
+            <a:off x="176463" y="1957409"/>
+            <a:ext cx="11815011" cy="4840982"/>
+          </a:xfrm>
+          <a:prstGeom prst="rect">
+            <a:avLst/>
+          </a:prstGeom>
+          <a:noFill/>
+          <a:ln w="6350">
+            <a:solidFill>
+              <a:schemeClr val="tx1"/>
+            </a:solidFill>
+          </a:ln>
+        </p:spPr>
+        <p:style>
+          <a:lnRef idx="2">
+            <a:schemeClr val="accent1">
+              <a:shade val="50000"/>
+            </a:schemeClr>
+          </a:lnRef>
+          <a:fillRef idx="1">
+            <a:schemeClr val="accent1"/>
+          </a:fillRef>
+          <a:effectRef idx="0">
+            <a:schemeClr val="accent1"/>
+          </a:effectRef>
+          <a:fontRef idx="minor">
+            <a:schemeClr val="lt1"/>
+          </a:fontRef>
+        </p:style>
+        <p:txBody>
+          <a:bodyPr rtlCol="0" anchor="ctr"/>
+          <a:lstStyle/>
+          <a:p>
+            <a:pPr algn="ctr"/>
+            <a:endParaRPr lang="fr-FR"/>
+          </a:p>
+        </p:txBody>
+      </p:sp>
+      <p:sp>
+        <p:nvSpPr>
+          <p:cNvPr id="13" name="ZoneTexte 12">
+            <a:extLst>
+              <a:ext uri="{FF2B5EF4-FFF2-40B4-BE49-F238E27FC236}">
+                <a16:creationId xmlns:a16="http://schemas.microsoft.com/office/drawing/2014/main" id="{6CEC4485-E878-8165-7636-0CD29BAE5C9D}"/>
+              </a:ext>
+            </a:extLst>
+          </p:cNvPr>
+          <p:cNvSpPr txBox="1"/>
+          <p:nvPr/>
+        </p:nvSpPr>
+        <p:spPr>
+          <a:xfrm>
+            <a:off x="5599165" y="1460133"/>
+            <a:ext cx="993670" cy="276999"/>
+          </a:xfrm>
+          <a:prstGeom prst="rect">
+            <a:avLst/>
+          </a:prstGeom>
+          <a:solidFill>
+            <a:schemeClr val="accent2">
+              <a:lumMod val="20000"/>
+              <a:lumOff val="80000"/>
+            </a:schemeClr>
+          </a:solidFill>
+          <a:ln>
+            <a:noFill/>
+          </a:ln>
+        </p:spPr>
+        <p:style>
+          <a:lnRef idx="2">
+            <a:schemeClr val="dk1"/>
+          </a:lnRef>
+          <a:fillRef idx="1">
+            <a:schemeClr val="lt1"/>
+          </a:fillRef>
+          <a:effectRef idx="0">
+            <a:schemeClr val="dk1"/>
+          </a:effectRef>
+          <a:fontRef idx="minor">
+            <a:schemeClr val="dk1"/>
+          </a:fontRef>
+        </p:style>
+        <p:txBody>
+          <a:bodyPr wrap="none" rtlCol="0">
+            <a:spAutoFit/>
+          </a:bodyPr>
+          <a:lstStyle/>
+          <a:p>
+            <a:r>
+              <a:rPr lang="fr-FR" sz="1200" dirty="0"/>
+              <a:t>Optimisation</a:t>
+            </a:r>
+          </a:p>
+        </p:txBody>
+      </p:sp>
+      <p:cxnSp>
+        <p:nvCxnSpPr>
+          <p:cNvPr id="39" name="Connecteur droit 38">
+            <a:extLst>
+              <a:ext uri="{FF2B5EF4-FFF2-40B4-BE49-F238E27FC236}">
+                <a16:creationId xmlns:a16="http://schemas.microsoft.com/office/drawing/2014/main" id="{780747E3-7747-2408-5B82-1476D10C3288}"/>
+              </a:ext>
+            </a:extLst>
+          </p:cNvPr>
+          <p:cNvCxnSpPr>
+            <a:cxnSpLocks/>
+            <a:stCxn id="32" idx="0"/>
+            <a:endCxn id="32" idx="2"/>
+          </p:cNvCxnSpPr>
+          <p:nvPr/>
+        </p:nvCxnSpPr>
+        <p:spPr>
+          <a:xfrm>
+            <a:off x="6083969" y="1957409"/>
+            <a:ext cx="0" cy="4840982"/>
+          </a:xfrm>
+          <a:prstGeom prst="line">
+            <a:avLst/>
+          </a:prstGeom>
+          <a:ln w="15875">
+            <a:solidFill>
+              <a:schemeClr val="tx1"/>
+            </a:solidFill>
+            <a:prstDash val="sysDash"/>
+          </a:ln>
+        </p:spPr>
+        <p:style>
+          <a:lnRef idx="1">
+            <a:schemeClr val="accent1"/>
+          </a:lnRef>
+          <a:fillRef idx="0">
+            <a:schemeClr val="accent1"/>
+          </a:fillRef>
+          <a:effectRef idx="0">
+            <a:schemeClr val="accent1"/>
+          </a:effectRef>
+          <a:fontRef idx="minor">
+            <a:schemeClr val="tx1"/>
+          </a:fontRef>
+        </p:style>
+      </p:cxnSp>
+      <p:sp>
+        <p:nvSpPr>
+          <p:cNvPr id="40" name="ZoneTexte 39">
+            <a:extLst>
+              <a:ext uri="{FF2B5EF4-FFF2-40B4-BE49-F238E27FC236}">
+                <a16:creationId xmlns:a16="http://schemas.microsoft.com/office/drawing/2014/main" id="{7C1CC60C-F4E1-E1DE-BD7D-8D93E7C89F21}"/>
+              </a:ext>
+            </a:extLst>
+          </p:cNvPr>
+          <p:cNvSpPr txBox="1"/>
+          <p:nvPr/>
+        </p:nvSpPr>
+        <p:spPr>
+          <a:xfrm>
+            <a:off x="2863156" y="1691964"/>
+            <a:ext cx="534121" cy="276999"/>
+          </a:xfrm>
+          <a:prstGeom prst="rect">
+            <a:avLst/>
+          </a:prstGeom>
+          <a:noFill/>
+        </p:spPr>
+        <p:txBody>
+          <a:bodyPr wrap="none" rtlCol="0">
+            <a:spAutoFit/>
+          </a:bodyPr>
+          <a:lstStyle/>
+          <a:p>
+            <a:r>
+              <a:rPr lang="fr-FR" sz="1200" dirty="0"/>
+              <a:t>Initial</a:t>
+            </a:r>
+          </a:p>
+        </p:txBody>
+      </p:sp>
+      <p:sp>
+        <p:nvSpPr>
+          <p:cNvPr id="41" name="ZoneTexte 40">
+            <a:extLst>
+              <a:ext uri="{FF2B5EF4-FFF2-40B4-BE49-F238E27FC236}">
+                <a16:creationId xmlns:a16="http://schemas.microsoft.com/office/drawing/2014/main" id="{3A26953B-CE3F-3779-389C-2F1ECAE6FC26}"/>
+              </a:ext>
+            </a:extLst>
+          </p:cNvPr>
+          <p:cNvSpPr txBox="1"/>
+          <p:nvPr/>
+        </p:nvSpPr>
+        <p:spPr>
+          <a:xfrm>
+            <a:off x="8770662" y="1679727"/>
+            <a:ext cx="479618" cy="276999"/>
+          </a:xfrm>
+          <a:prstGeom prst="rect">
+            <a:avLst/>
+          </a:prstGeom>
+          <a:noFill/>
+        </p:spPr>
+        <p:txBody>
+          <a:bodyPr wrap="none" rtlCol="0">
+            <a:spAutoFit/>
+          </a:bodyPr>
+          <a:lstStyle/>
+          <a:p>
+            <a:r>
+              <a:rPr lang="fr-FR" sz="1200" dirty="0"/>
+              <a:t>Final</a:t>
+            </a:r>
+          </a:p>
+        </p:txBody>
+      </p:sp>
+      <p:pic>
+        <p:nvPicPr>
+          <p:cNvPr id="19" name="Image 18">
+            <a:extLst>
+              <a:ext uri="{FF2B5EF4-FFF2-40B4-BE49-F238E27FC236}">
+                <a16:creationId xmlns:a16="http://schemas.microsoft.com/office/drawing/2014/main" id="{4A24E202-F163-0C64-6611-5980F459A470}"/>
+              </a:ext>
+            </a:extLst>
+          </p:cNvPr>
+          <p:cNvPicPr>
+            <a:picLocks noChangeAspect="1"/>
+          </p:cNvPicPr>
+          <p:nvPr/>
+        </p:nvPicPr>
+        <p:blipFill rotWithShape="1">
+          <a:blip r:embed="rId2"/>
+          <a:srcRect t="1" b="57431"/>
+          <a:stretch/>
+        </p:blipFill>
+        <p:spPr>
+          <a:xfrm>
+            <a:off x="686852" y="3748108"/>
+            <a:ext cx="1297248" cy="450067"/>
+          </a:xfrm>
+          <a:prstGeom prst="rect">
+            <a:avLst/>
+          </a:prstGeom>
+        </p:spPr>
+      </p:pic>
+      <p:pic>
+        <p:nvPicPr>
+          <p:cNvPr id="20" name="Image 19">
+            <a:extLst>
+              <a:ext uri="{FF2B5EF4-FFF2-40B4-BE49-F238E27FC236}">
+                <a16:creationId xmlns:a16="http://schemas.microsoft.com/office/drawing/2014/main" id="{9C22A754-C94C-1DE0-5202-750E29A8CD2E}"/>
+              </a:ext>
+            </a:extLst>
+          </p:cNvPr>
+          <p:cNvPicPr>
+            <a:picLocks noChangeAspect="1"/>
+          </p:cNvPicPr>
+          <p:nvPr/>
+        </p:nvPicPr>
+        <p:blipFill>
+          <a:blip r:embed="rId3"/>
+          <a:stretch>
+            <a:fillRect/>
+          </a:stretch>
+        </p:blipFill>
+        <p:spPr>
+          <a:xfrm>
+            <a:off x="6436895" y="3429000"/>
+            <a:ext cx="1101784" cy="1387669"/>
+          </a:xfrm>
+          <a:prstGeom prst="rect">
+            <a:avLst/>
+          </a:prstGeom>
+        </p:spPr>
+      </p:pic>
+      <p:pic>
+        <p:nvPicPr>
+          <p:cNvPr id="28" name="Image 27">
+            <a:extLst>
+              <a:ext uri="{FF2B5EF4-FFF2-40B4-BE49-F238E27FC236}">
+                <a16:creationId xmlns:a16="http://schemas.microsoft.com/office/drawing/2014/main" id="{C8F59CFF-18AD-EFBC-2354-EDDB504AA022}"/>
+              </a:ext>
+            </a:extLst>
+          </p:cNvPr>
+          <p:cNvPicPr>
+            <a:picLocks noChangeAspect="1"/>
+          </p:cNvPicPr>
+          <p:nvPr/>
+        </p:nvPicPr>
+        <p:blipFill rotWithShape="1">
+          <a:blip r:embed="rId4"/>
+          <a:srcRect t="49705" r="69465" b="38700"/>
+          <a:stretch/>
+        </p:blipFill>
+        <p:spPr>
+          <a:xfrm>
+            <a:off x="365803" y="6103689"/>
+            <a:ext cx="2373330" cy="360947"/>
+          </a:xfrm>
+          <a:prstGeom prst="rect">
+            <a:avLst/>
+          </a:prstGeom>
+        </p:spPr>
+      </p:pic>
+      <p:pic>
+        <p:nvPicPr>
+          <p:cNvPr id="35" name="Image 34">
+            <a:extLst>
+              <a:ext uri="{FF2B5EF4-FFF2-40B4-BE49-F238E27FC236}">
+                <a16:creationId xmlns:a16="http://schemas.microsoft.com/office/drawing/2014/main" id="{26536B08-4279-1D93-7128-BFFA93D3FEF2}"/>
+              </a:ext>
+            </a:extLst>
+          </p:cNvPr>
+          <p:cNvPicPr>
+            <a:picLocks noChangeAspect="1"/>
+          </p:cNvPicPr>
+          <p:nvPr/>
+        </p:nvPicPr>
+        <p:blipFill rotWithShape="1">
+          <a:blip r:embed="rId5"/>
+          <a:srcRect r="26303"/>
+          <a:stretch/>
+        </p:blipFill>
+        <p:spPr>
+          <a:xfrm>
+            <a:off x="3078780" y="2684474"/>
+            <a:ext cx="2889658" cy="3027403"/>
+          </a:xfrm>
+          <a:prstGeom prst="rect">
+            <a:avLst/>
+          </a:prstGeom>
+        </p:spPr>
+      </p:pic>
+      <p:pic>
+        <p:nvPicPr>
+          <p:cNvPr id="36" name="Image 35">
+            <a:extLst>
+              <a:ext uri="{FF2B5EF4-FFF2-40B4-BE49-F238E27FC236}">
+                <a16:creationId xmlns:a16="http://schemas.microsoft.com/office/drawing/2014/main" id="{A50B0D51-A0EF-5A7B-D3E2-B4AAB3465C80}"/>
+              </a:ext>
+            </a:extLst>
+          </p:cNvPr>
+          <p:cNvPicPr>
+            <a:picLocks noChangeAspect="1"/>
+          </p:cNvPicPr>
+          <p:nvPr/>
+        </p:nvPicPr>
+        <p:blipFill rotWithShape="1">
+          <a:blip r:embed="rId4"/>
+          <a:srcRect r="69465" b="88082"/>
+          <a:stretch/>
+        </p:blipFill>
+        <p:spPr>
+          <a:xfrm>
+            <a:off x="3319555" y="6103689"/>
+            <a:ext cx="2373330" cy="371003"/>
+          </a:xfrm>
+          <a:prstGeom prst="rect">
+            <a:avLst/>
+          </a:prstGeom>
+        </p:spPr>
+      </p:pic>
+      <p:pic>
+        <p:nvPicPr>
+          <p:cNvPr id="38" name="Image 37">
+            <a:extLst>
+              <a:ext uri="{FF2B5EF4-FFF2-40B4-BE49-F238E27FC236}">
+                <a16:creationId xmlns:a16="http://schemas.microsoft.com/office/drawing/2014/main" id="{285D32A5-7E2A-57D8-DA15-8305332FB773}"/>
+              </a:ext>
+            </a:extLst>
+          </p:cNvPr>
+          <p:cNvPicPr>
+            <a:picLocks noChangeAspect="1"/>
+          </p:cNvPicPr>
+          <p:nvPr/>
+        </p:nvPicPr>
+        <p:blipFill>
+          <a:blip r:embed="rId6"/>
+          <a:stretch>
+            <a:fillRect/>
+          </a:stretch>
+        </p:blipFill>
+        <p:spPr>
+          <a:xfrm>
+            <a:off x="7816517" y="2716505"/>
+            <a:ext cx="3851193" cy="2995372"/>
+          </a:xfrm>
+          <a:prstGeom prst="rect">
+            <a:avLst/>
+          </a:prstGeom>
+        </p:spPr>
+      </p:pic>
+    </p:spTree>
+    <p:extLst>
+      <p:ext uri="{BB962C8B-B14F-4D97-AF65-F5344CB8AC3E}">
+        <p14:creationId xmlns:p14="http://schemas.microsoft.com/office/powerpoint/2010/main" val="2817722395"/>
+      </p:ext>
+    </p:extLst>
+  </p:cSld>
+  <p:clrMapOvr>
+    <a:masterClrMapping/>
+  </p:clrMapOvr>
+</p:sld>
+</file>
+
+<file path=ppt/slides/slide8.xml><?xml version="1.0" encoding="utf-8"?>
+<p:sld xmlns:a="http://schemas.openxmlformats.org/drawingml/2006/main" xmlns:r="http://schemas.openxmlformats.org/officeDocument/2006/relationships" xmlns:p="http://schemas.openxmlformats.org/presentationml/2006/main">
+  <p:cSld>
+    <p:spTree>
+      <p:nvGrpSpPr>
+        <p:cNvPr id="1" name=""/>
+        <p:cNvGrpSpPr/>
+        <p:nvPr/>
+      </p:nvGrpSpPr>
+      <p:grpSpPr>
+        <a:xfrm>
+          <a:off x="0" y="0"/>
+          <a:ext cx="0" cy="0"/>
+          <a:chOff x="0" y="0"/>
+          <a:chExt cx="0" cy="0"/>
+        </a:xfrm>
+      </p:grpSpPr>
+      <p:sp>
+        <p:nvSpPr>
+          <p:cNvPr id="4" name="ZoneTexte 3">
+            <a:extLst>
+              <a:ext uri="{FF2B5EF4-FFF2-40B4-BE49-F238E27FC236}">
+                <a16:creationId xmlns:a16="http://schemas.microsoft.com/office/drawing/2014/main" id="{D5AF4086-E4F9-400C-439A-69A4DD381368}"/>
+              </a:ext>
+            </a:extLst>
+          </p:cNvPr>
+          <p:cNvSpPr txBox="1"/>
+          <p:nvPr/>
+        </p:nvSpPr>
+        <p:spPr>
+          <a:xfrm>
+            <a:off x="1" y="59609"/>
+            <a:ext cx="12192000" cy="369332"/>
+          </a:xfrm>
+          <a:prstGeom prst="rect">
+            <a:avLst/>
+          </a:prstGeom>
+          <a:noFill/>
+        </p:spPr>
+        <p:txBody>
+          <a:bodyPr wrap="square" rtlCol="0">
+            <a:spAutoFit/>
+          </a:bodyPr>
+          <a:lstStyle/>
+          <a:p>
+            <a:pPr algn="ctr"/>
+            <a:r>
+              <a:rPr lang="fr-FR" b="1" dirty="0"/>
+              <a:t>Identification de la langue de page</a:t>
+            </a:r>
+          </a:p>
+        </p:txBody>
+      </p:sp>
+      <p:sp>
+        <p:nvSpPr>
+          <p:cNvPr id="7" name="ZoneTexte 6">
+            <a:extLst>
+              <a:ext uri="{FF2B5EF4-FFF2-40B4-BE49-F238E27FC236}">
+                <a16:creationId xmlns:a16="http://schemas.microsoft.com/office/drawing/2014/main" id="{1CEC4A1E-A155-F6B6-9443-3D525E1BB932}"/>
+              </a:ext>
+            </a:extLst>
+          </p:cNvPr>
+          <p:cNvSpPr txBox="1"/>
+          <p:nvPr/>
+        </p:nvSpPr>
+        <p:spPr>
+          <a:xfrm>
+            <a:off x="0" y="39063"/>
+            <a:ext cx="2373331" cy="646331"/>
+          </a:xfrm>
+          <a:prstGeom prst="rect">
+            <a:avLst/>
+          </a:prstGeom>
+          <a:solidFill>
+            <a:schemeClr val="accent6">
+              <a:lumMod val="75000"/>
+            </a:schemeClr>
+          </a:solidFill>
+        </p:spPr>
+        <p:style>
+          <a:lnRef idx="0">
+            <a:schemeClr val="accent2"/>
+          </a:lnRef>
+          <a:fillRef idx="3">
+            <a:schemeClr val="accent2"/>
+          </a:fillRef>
+          <a:effectRef idx="3">
+            <a:schemeClr val="accent2"/>
+          </a:effectRef>
+          <a:fontRef idx="minor">
+            <a:schemeClr val="lt1"/>
+          </a:fontRef>
+        </p:style>
+        <p:txBody>
+          <a:bodyPr wrap="square" rtlCol="0">
+            <a:spAutoFit/>
+          </a:bodyPr>
+          <a:lstStyle/>
+          <a:p>
+            <a:pPr algn="ctr"/>
+            <a:r>
+              <a:rPr lang="fr-FR" dirty="0">
+                <a:solidFill>
+                  <a:schemeClr val="bg1"/>
+                </a:solidFill>
+              </a:rPr>
+              <a:t>Recommandation Accessibilité</a:t>
+            </a:r>
+          </a:p>
+        </p:txBody>
+      </p:sp>
+      <p:sp>
+        <p:nvSpPr>
+          <p:cNvPr id="8" name="ZoneTexte 7">
+            <a:extLst>
+              <a:ext uri="{FF2B5EF4-FFF2-40B4-BE49-F238E27FC236}">
+                <a16:creationId xmlns:a16="http://schemas.microsoft.com/office/drawing/2014/main" id="{231C4DA3-2EE1-9462-D37E-4C8DAE227CE2}"/>
+              </a:ext>
+            </a:extLst>
+          </p:cNvPr>
+          <p:cNvSpPr txBox="1"/>
+          <p:nvPr/>
+        </p:nvSpPr>
+        <p:spPr>
+          <a:xfrm>
+            <a:off x="468367" y="2398590"/>
+            <a:ext cx="1978427" cy="276999"/>
+          </a:xfrm>
+          <a:prstGeom prst="rect">
+            <a:avLst/>
+          </a:prstGeom>
+          <a:solidFill>
+            <a:schemeClr val="accent2">
+              <a:lumMod val="40000"/>
+              <a:lumOff val="60000"/>
+            </a:schemeClr>
+          </a:solidFill>
+          <a:ln>
+            <a:noFill/>
+          </a:ln>
+        </p:spPr>
+        <p:style>
+          <a:lnRef idx="2">
+            <a:schemeClr val="dk1"/>
+          </a:lnRef>
+          <a:fillRef idx="1">
+            <a:schemeClr val="lt1"/>
+          </a:fillRef>
+          <a:effectRef idx="0">
+            <a:schemeClr val="dk1"/>
+          </a:effectRef>
+          <a:fontRef idx="minor">
+            <a:schemeClr val="dk1"/>
+          </a:fontRef>
+        </p:style>
+        <p:txBody>
+          <a:bodyPr wrap="none" rtlCol="0">
+            <a:spAutoFit/>
+          </a:bodyPr>
+          <a:lstStyle/>
+          <a:p>
+            <a:r>
+              <a:rPr lang="fr-FR" sz="1200" dirty="0"/>
+              <a:t>Indice de performance initial</a:t>
+            </a:r>
+          </a:p>
+        </p:txBody>
+      </p:sp>
+      <p:sp>
+        <p:nvSpPr>
+          <p:cNvPr id="9" name="ZoneTexte 8">
+            <a:extLst>
+              <a:ext uri="{FF2B5EF4-FFF2-40B4-BE49-F238E27FC236}">
+                <a16:creationId xmlns:a16="http://schemas.microsoft.com/office/drawing/2014/main" id="{A1A27EE7-2211-9309-0602-1315089ABA6E}"/>
+              </a:ext>
+            </a:extLst>
+          </p:cNvPr>
+          <p:cNvSpPr txBox="1"/>
+          <p:nvPr/>
+        </p:nvSpPr>
+        <p:spPr>
+          <a:xfrm>
+            <a:off x="1167063" y="1172664"/>
+            <a:ext cx="9857874" cy="461665"/>
+          </a:xfrm>
+          <a:prstGeom prst="rect">
+            <a:avLst/>
+          </a:prstGeom>
+          <a:noFill/>
+        </p:spPr>
+        <p:txBody>
+          <a:bodyPr wrap="square" rtlCol="0">
+            <a:spAutoFit/>
+          </a:bodyPr>
+          <a:lstStyle/>
+          <a:p>
+            <a:pPr algn="ctr"/>
+            <a:r>
+              <a:rPr lang="fr-FR" sz="1200" dirty="0"/>
+              <a:t>L'identification de la langue de la page ou des éléments de la page permet aux lecteurs d'écran de lire le contenu dans la langue appropriée. Il facilite également la traduction automatique du contenu.</a:t>
+            </a:r>
+          </a:p>
+        </p:txBody>
+      </p:sp>
+      <p:sp>
+        <p:nvSpPr>
+          <p:cNvPr id="15" name="ZoneTexte 14">
+            <a:extLst>
+              <a:ext uri="{FF2B5EF4-FFF2-40B4-BE49-F238E27FC236}">
+                <a16:creationId xmlns:a16="http://schemas.microsoft.com/office/drawing/2014/main" id="{A0A13529-4C07-9568-6144-8B4591235BE3}"/>
+              </a:ext>
+            </a:extLst>
+          </p:cNvPr>
+          <p:cNvSpPr txBox="1"/>
+          <p:nvPr/>
+        </p:nvSpPr>
+        <p:spPr>
+          <a:xfrm>
+            <a:off x="9558323" y="2398590"/>
+            <a:ext cx="2069926" cy="276999"/>
+          </a:xfrm>
+          <a:prstGeom prst="rect">
+            <a:avLst/>
+          </a:prstGeom>
+          <a:solidFill>
+            <a:schemeClr val="accent6">
+              <a:lumMod val="20000"/>
+              <a:lumOff val="80000"/>
+            </a:schemeClr>
+          </a:solidFill>
+          <a:ln>
+            <a:noFill/>
+          </a:ln>
+        </p:spPr>
+        <p:style>
+          <a:lnRef idx="2">
+            <a:schemeClr val="dk1"/>
+          </a:lnRef>
+          <a:fillRef idx="1">
+            <a:schemeClr val="lt1"/>
+          </a:fillRef>
+          <a:effectRef idx="0">
+            <a:schemeClr val="dk1"/>
+          </a:effectRef>
+          <a:fontRef idx="minor">
+            <a:schemeClr val="dk1"/>
+          </a:fontRef>
+        </p:style>
+        <p:txBody>
+          <a:bodyPr wrap="none" rtlCol="0">
+            <a:spAutoFit/>
+          </a:bodyPr>
+          <a:lstStyle/>
+          <a:p>
+            <a:r>
+              <a:rPr lang="fr-FR" sz="1200" dirty="0"/>
+              <a:t>Nouvel indice de performance</a:t>
+            </a:r>
+          </a:p>
+        </p:txBody>
+      </p:sp>
+      <p:cxnSp>
+        <p:nvCxnSpPr>
+          <p:cNvPr id="34" name="Connecteur droit avec flèche 33">
+            <a:extLst>
+              <a:ext uri="{FF2B5EF4-FFF2-40B4-BE49-F238E27FC236}">
+                <a16:creationId xmlns:a16="http://schemas.microsoft.com/office/drawing/2014/main" id="{167D1B32-2353-2387-A6C2-6087EA481FB5}"/>
+              </a:ext>
+            </a:extLst>
+          </p:cNvPr>
+          <p:cNvCxnSpPr>
+            <a:cxnSpLocks/>
+            <a:endCxn id="15" idx="1"/>
+          </p:cNvCxnSpPr>
+          <p:nvPr/>
+        </p:nvCxnSpPr>
+        <p:spPr>
+          <a:xfrm>
+            <a:off x="2446794" y="2537089"/>
+            <a:ext cx="7111529" cy="1"/>
+          </a:xfrm>
+          <a:prstGeom prst="straightConnector1">
+            <a:avLst/>
+          </a:prstGeom>
+          <a:ln w="19050">
+            <a:solidFill>
+              <a:schemeClr val="tx1"/>
+            </a:solidFill>
+            <a:tailEnd type="triangle"/>
+          </a:ln>
+        </p:spPr>
+        <p:style>
+          <a:lnRef idx="1">
+            <a:schemeClr val="accent1"/>
+          </a:lnRef>
+          <a:fillRef idx="0">
+            <a:schemeClr val="accent1"/>
+          </a:fillRef>
+          <a:effectRef idx="0">
+            <a:schemeClr val="accent1"/>
+          </a:effectRef>
+          <a:fontRef idx="minor">
+            <a:schemeClr val="tx1"/>
+          </a:fontRef>
+        </p:style>
+      </p:cxnSp>
+      <p:sp>
+        <p:nvSpPr>
+          <p:cNvPr id="13" name="ZoneTexte 12">
+            <a:extLst>
+              <a:ext uri="{FF2B5EF4-FFF2-40B4-BE49-F238E27FC236}">
+                <a16:creationId xmlns:a16="http://schemas.microsoft.com/office/drawing/2014/main" id="{6CEC4485-E878-8165-7636-0CD29BAE5C9D}"/>
+              </a:ext>
+            </a:extLst>
+          </p:cNvPr>
+          <p:cNvSpPr txBox="1"/>
+          <p:nvPr/>
+        </p:nvSpPr>
+        <p:spPr>
+          <a:xfrm>
+            <a:off x="5599165" y="2398590"/>
+            <a:ext cx="993670" cy="276999"/>
+          </a:xfrm>
+          <a:prstGeom prst="rect">
+            <a:avLst/>
+          </a:prstGeom>
+          <a:solidFill>
+            <a:schemeClr val="accent2">
+              <a:lumMod val="20000"/>
+              <a:lumOff val="80000"/>
+            </a:schemeClr>
+          </a:solidFill>
+          <a:ln>
+            <a:noFill/>
+          </a:ln>
+        </p:spPr>
+        <p:style>
+          <a:lnRef idx="2">
+            <a:schemeClr val="dk1"/>
+          </a:lnRef>
+          <a:fillRef idx="1">
+            <a:schemeClr val="lt1"/>
+          </a:fillRef>
+          <a:effectRef idx="0">
+            <a:schemeClr val="dk1"/>
+          </a:effectRef>
+          <a:fontRef idx="minor">
+            <a:schemeClr val="dk1"/>
+          </a:fontRef>
+        </p:style>
+        <p:txBody>
+          <a:bodyPr wrap="none" rtlCol="0">
+            <a:spAutoFit/>
+          </a:bodyPr>
+          <a:lstStyle/>
+          <a:p>
+            <a:r>
+              <a:rPr lang="fr-FR" sz="1200" dirty="0"/>
+              <a:t>Optimisation</a:t>
+            </a:r>
+          </a:p>
+        </p:txBody>
+      </p:sp>
+      <p:pic>
+        <p:nvPicPr>
+          <p:cNvPr id="6" name="Image 5">
+            <a:extLst>
+              <a:ext uri="{FF2B5EF4-FFF2-40B4-BE49-F238E27FC236}">
+                <a16:creationId xmlns:a16="http://schemas.microsoft.com/office/drawing/2014/main" id="{7A8F19B1-2D0C-A5E1-8129-6798C6847CC6}"/>
+              </a:ext>
+            </a:extLst>
+          </p:cNvPr>
+          <p:cNvPicPr>
+            <a:picLocks noChangeAspect="1"/>
+          </p:cNvPicPr>
+          <p:nvPr/>
+        </p:nvPicPr>
+        <p:blipFill>
+          <a:blip r:embed="rId2"/>
+          <a:stretch>
+            <a:fillRect/>
+          </a:stretch>
+        </p:blipFill>
+        <p:spPr>
+          <a:xfrm>
+            <a:off x="3739172" y="3794078"/>
+            <a:ext cx="1638300" cy="317500"/>
+          </a:xfrm>
+          <a:prstGeom prst="rect">
+            <a:avLst/>
+          </a:prstGeom>
+        </p:spPr>
+      </p:pic>
+      <p:sp>
+        <p:nvSpPr>
+          <p:cNvPr id="11" name="Rectangle 10">
+            <a:extLst>
+              <a:ext uri="{FF2B5EF4-FFF2-40B4-BE49-F238E27FC236}">
+                <a16:creationId xmlns:a16="http://schemas.microsoft.com/office/drawing/2014/main" id="{659553A7-3FA9-5C9C-922C-9EB87EB782E3}"/>
+              </a:ext>
+            </a:extLst>
+          </p:cNvPr>
+          <p:cNvSpPr/>
+          <p:nvPr/>
+        </p:nvSpPr>
+        <p:spPr>
+          <a:xfrm>
+            <a:off x="3020644" y="3224730"/>
+            <a:ext cx="6155440" cy="1456196"/>
+          </a:xfrm>
+          <a:prstGeom prst="rect">
+            <a:avLst/>
+          </a:prstGeom>
+          <a:noFill/>
+          <a:ln w="6350">
+            <a:solidFill>
+              <a:schemeClr val="tx1"/>
+            </a:solidFill>
+          </a:ln>
+        </p:spPr>
+        <p:style>
+          <a:lnRef idx="2">
+            <a:schemeClr val="accent1">
+              <a:shade val="50000"/>
+            </a:schemeClr>
+          </a:lnRef>
+          <a:fillRef idx="1">
+            <a:schemeClr val="accent1"/>
+          </a:fillRef>
+          <a:effectRef idx="0">
+            <a:schemeClr val="accent1"/>
+          </a:effectRef>
+          <a:fontRef idx="minor">
+            <a:schemeClr val="lt1"/>
+          </a:fontRef>
+        </p:style>
+        <p:txBody>
+          <a:bodyPr rtlCol="0" anchor="ctr"/>
+          <a:lstStyle/>
+          <a:p>
+            <a:pPr algn="ctr"/>
+            <a:endParaRPr lang="fr-FR"/>
+          </a:p>
+        </p:txBody>
+      </p:sp>
+      <p:cxnSp>
+        <p:nvCxnSpPr>
+          <p:cNvPr id="14" name="Connecteur droit 13">
+            <a:extLst>
+              <a:ext uri="{FF2B5EF4-FFF2-40B4-BE49-F238E27FC236}">
+                <a16:creationId xmlns:a16="http://schemas.microsoft.com/office/drawing/2014/main" id="{B05B67F1-BA2E-60F4-9CD6-8DE0D690B235}"/>
+              </a:ext>
+            </a:extLst>
+          </p:cNvPr>
+          <p:cNvCxnSpPr>
+            <a:cxnSpLocks/>
+            <a:stCxn id="11" idx="0"/>
+            <a:endCxn id="11" idx="2"/>
+          </p:cNvCxnSpPr>
+          <p:nvPr/>
+        </p:nvCxnSpPr>
+        <p:spPr>
+          <a:xfrm>
+            <a:off x="6098364" y="3224730"/>
+            <a:ext cx="0" cy="1456196"/>
+          </a:xfrm>
+          <a:prstGeom prst="line">
+            <a:avLst/>
+          </a:prstGeom>
+          <a:ln w="15875">
+            <a:solidFill>
+              <a:schemeClr val="tx1"/>
+            </a:solidFill>
+            <a:prstDash val="sysDash"/>
+          </a:ln>
+        </p:spPr>
+        <p:style>
+          <a:lnRef idx="1">
+            <a:schemeClr val="accent1"/>
+          </a:lnRef>
+          <a:fillRef idx="0">
+            <a:schemeClr val="accent1"/>
+          </a:fillRef>
+          <a:effectRef idx="0">
+            <a:schemeClr val="accent1"/>
+          </a:effectRef>
+          <a:fontRef idx="minor">
+            <a:schemeClr val="tx1"/>
+          </a:fontRef>
+        </p:style>
+      </p:cxnSp>
+      <p:sp>
+        <p:nvSpPr>
+          <p:cNvPr id="16" name="ZoneTexte 15">
+            <a:extLst>
+              <a:ext uri="{FF2B5EF4-FFF2-40B4-BE49-F238E27FC236}">
+                <a16:creationId xmlns:a16="http://schemas.microsoft.com/office/drawing/2014/main" id="{CE05185C-0AD9-085D-A266-4689E63619CF}"/>
+              </a:ext>
+            </a:extLst>
+          </p:cNvPr>
+          <p:cNvSpPr txBox="1"/>
+          <p:nvPr/>
+        </p:nvSpPr>
+        <p:spPr>
+          <a:xfrm>
+            <a:off x="4213074" y="3246274"/>
+            <a:ext cx="534121" cy="276999"/>
+          </a:xfrm>
+          <a:prstGeom prst="rect">
+            <a:avLst/>
+          </a:prstGeom>
+          <a:noFill/>
+        </p:spPr>
+        <p:txBody>
+          <a:bodyPr wrap="none" rtlCol="0">
+            <a:spAutoFit/>
+          </a:bodyPr>
+          <a:lstStyle/>
+          <a:p>
+            <a:r>
+              <a:rPr lang="fr-FR" sz="1200" dirty="0"/>
+              <a:t>Initial</a:t>
+            </a:r>
+          </a:p>
+        </p:txBody>
+      </p:sp>
+      <p:sp>
+        <p:nvSpPr>
+          <p:cNvPr id="17" name="ZoneTexte 16">
+            <a:extLst>
+              <a:ext uri="{FF2B5EF4-FFF2-40B4-BE49-F238E27FC236}">
+                <a16:creationId xmlns:a16="http://schemas.microsoft.com/office/drawing/2014/main" id="{B6D5396D-F2DD-FD68-B5FB-EE46753EB14F}"/>
+              </a:ext>
+            </a:extLst>
+          </p:cNvPr>
+          <p:cNvSpPr txBox="1"/>
+          <p:nvPr/>
+        </p:nvSpPr>
+        <p:spPr>
+          <a:xfrm>
+            <a:off x="7491715" y="3240124"/>
+            <a:ext cx="479618" cy="276999"/>
+          </a:xfrm>
+          <a:prstGeom prst="rect">
+            <a:avLst/>
+          </a:prstGeom>
+          <a:noFill/>
+        </p:spPr>
+        <p:txBody>
+          <a:bodyPr wrap="none" rtlCol="0">
+            <a:spAutoFit/>
+          </a:bodyPr>
+          <a:lstStyle/>
+          <a:p>
+            <a:r>
+              <a:rPr lang="fr-FR" sz="1200" dirty="0"/>
+              <a:t>Final</a:t>
+            </a:r>
+          </a:p>
+        </p:txBody>
+      </p:sp>
+      <p:sp>
+        <p:nvSpPr>
+          <p:cNvPr id="21" name="Rectangle 20">
+            <a:extLst>
+              <a:ext uri="{FF2B5EF4-FFF2-40B4-BE49-F238E27FC236}">
+                <a16:creationId xmlns:a16="http://schemas.microsoft.com/office/drawing/2014/main" id="{AAC1CF47-1433-A1AA-48A7-BF148D581476}"/>
+              </a:ext>
+            </a:extLst>
+          </p:cNvPr>
+          <p:cNvSpPr/>
+          <p:nvPr/>
+        </p:nvSpPr>
+        <p:spPr>
+          <a:xfrm>
+            <a:off x="3020644" y="5195858"/>
+            <a:ext cx="6155440" cy="1456196"/>
+          </a:xfrm>
+          <a:prstGeom prst="rect">
+            <a:avLst/>
+          </a:prstGeom>
+          <a:noFill/>
+          <a:ln w="6350">
+            <a:solidFill>
+              <a:schemeClr val="tx1"/>
+            </a:solidFill>
+          </a:ln>
+        </p:spPr>
+        <p:style>
+          <a:lnRef idx="2">
+            <a:schemeClr val="accent1">
+              <a:shade val="50000"/>
+            </a:schemeClr>
+          </a:lnRef>
+          <a:fillRef idx="1">
+            <a:schemeClr val="accent1"/>
+          </a:fillRef>
+          <a:effectRef idx="0">
+            <a:schemeClr val="accent1"/>
+          </a:effectRef>
+          <a:fontRef idx="minor">
+            <a:schemeClr val="lt1"/>
+          </a:fontRef>
+        </p:style>
+        <p:txBody>
+          <a:bodyPr rtlCol="0" anchor="ctr"/>
+          <a:lstStyle/>
+          <a:p>
+            <a:pPr algn="ctr"/>
+            <a:endParaRPr lang="fr-FR"/>
+          </a:p>
+        </p:txBody>
+      </p:sp>
+      <p:sp>
+        <p:nvSpPr>
+          <p:cNvPr id="22" name="ZoneTexte 21">
+            <a:extLst>
+              <a:ext uri="{FF2B5EF4-FFF2-40B4-BE49-F238E27FC236}">
+                <a16:creationId xmlns:a16="http://schemas.microsoft.com/office/drawing/2014/main" id="{B34EFF02-7321-F627-7C90-4A2FEE9B2CD9}"/>
+              </a:ext>
+            </a:extLst>
+          </p:cNvPr>
+          <p:cNvSpPr txBox="1"/>
+          <p:nvPr/>
+        </p:nvSpPr>
+        <p:spPr>
+          <a:xfrm>
+            <a:off x="4213074" y="5217402"/>
+            <a:ext cx="534121" cy="276999"/>
+          </a:xfrm>
+          <a:prstGeom prst="rect">
+            <a:avLst/>
+          </a:prstGeom>
+          <a:noFill/>
+        </p:spPr>
+        <p:txBody>
+          <a:bodyPr wrap="none" rtlCol="0">
+            <a:spAutoFit/>
+          </a:bodyPr>
+          <a:lstStyle/>
+          <a:p>
+            <a:r>
+              <a:rPr lang="fr-FR" sz="1200" dirty="0"/>
+              <a:t>Initial</a:t>
+            </a:r>
+          </a:p>
+        </p:txBody>
+      </p:sp>
+      <p:sp>
+        <p:nvSpPr>
+          <p:cNvPr id="23" name="ZoneTexte 22">
+            <a:extLst>
+              <a:ext uri="{FF2B5EF4-FFF2-40B4-BE49-F238E27FC236}">
+                <a16:creationId xmlns:a16="http://schemas.microsoft.com/office/drawing/2014/main" id="{7C2AC452-2728-89D6-B097-15ABE52B14FA}"/>
+              </a:ext>
+            </a:extLst>
+          </p:cNvPr>
+          <p:cNvSpPr txBox="1"/>
+          <p:nvPr/>
+        </p:nvSpPr>
+        <p:spPr>
+          <a:xfrm>
+            <a:off x="7491715" y="5211252"/>
+            <a:ext cx="479618" cy="276999"/>
+          </a:xfrm>
+          <a:prstGeom prst="rect">
+            <a:avLst/>
+          </a:prstGeom>
+          <a:noFill/>
+        </p:spPr>
+        <p:txBody>
+          <a:bodyPr wrap="none" rtlCol="0">
+            <a:spAutoFit/>
+          </a:bodyPr>
+          <a:lstStyle/>
+          <a:p>
+            <a:r>
+              <a:rPr lang="fr-FR" sz="1200" dirty="0"/>
+              <a:t>Final</a:t>
+            </a:r>
+          </a:p>
+        </p:txBody>
+      </p:sp>
+      <p:cxnSp>
+        <p:nvCxnSpPr>
+          <p:cNvPr id="27" name="Connecteur droit 26">
+            <a:extLst>
+              <a:ext uri="{FF2B5EF4-FFF2-40B4-BE49-F238E27FC236}">
+                <a16:creationId xmlns:a16="http://schemas.microsoft.com/office/drawing/2014/main" id="{58081565-8C7C-A03F-BB75-329116C58425}"/>
+              </a:ext>
+            </a:extLst>
+          </p:cNvPr>
+          <p:cNvCxnSpPr>
+            <a:cxnSpLocks/>
+          </p:cNvCxnSpPr>
+          <p:nvPr/>
+        </p:nvCxnSpPr>
+        <p:spPr>
+          <a:xfrm>
+            <a:off x="6096000" y="5211252"/>
+            <a:ext cx="0" cy="1456196"/>
+          </a:xfrm>
+          <a:prstGeom prst="line">
+            <a:avLst/>
+          </a:prstGeom>
+          <a:ln w="15875">
+            <a:solidFill>
+              <a:schemeClr val="tx1"/>
+            </a:solidFill>
+            <a:prstDash val="sysDash"/>
+          </a:ln>
+        </p:spPr>
+        <p:style>
+          <a:lnRef idx="1">
+            <a:schemeClr val="accent1"/>
+          </a:lnRef>
+          <a:fillRef idx="0">
+            <a:schemeClr val="accent1"/>
+          </a:fillRef>
+          <a:effectRef idx="0">
+            <a:schemeClr val="accent1"/>
+          </a:effectRef>
+          <a:fontRef idx="minor">
+            <a:schemeClr val="tx1"/>
+          </a:fontRef>
+        </p:style>
+      </p:cxnSp>
+      <p:pic>
+        <p:nvPicPr>
+          <p:cNvPr id="30" name="Image 29">
+            <a:extLst>
+              <a:ext uri="{FF2B5EF4-FFF2-40B4-BE49-F238E27FC236}">
+                <a16:creationId xmlns:a16="http://schemas.microsoft.com/office/drawing/2014/main" id="{B8F7FFB9-B79B-2933-2646-16DD84622D67}"/>
+              </a:ext>
+            </a:extLst>
+          </p:cNvPr>
+          <p:cNvPicPr>
+            <a:picLocks noChangeAspect="1"/>
+          </p:cNvPicPr>
+          <p:nvPr/>
+        </p:nvPicPr>
+        <p:blipFill>
+          <a:blip r:embed="rId2"/>
+          <a:stretch>
+            <a:fillRect/>
+          </a:stretch>
+        </p:blipFill>
+        <p:spPr>
+          <a:xfrm>
+            <a:off x="3739172" y="5765206"/>
+            <a:ext cx="1638300" cy="317500"/>
+          </a:xfrm>
+          <a:prstGeom prst="rect">
+            <a:avLst/>
+          </a:prstGeom>
+        </p:spPr>
+      </p:pic>
+      <p:pic>
+        <p:nvPicPr>
+          <p:cNvPr id="36" name="Image 35">
+            <a:extLst>
+              <a:ext uri="{FF2B5EF4-FFF2-40B4-BE49-F238E27FC236}">
+                <a16:creationId xmlns:a16="http://schemas.microsoft.com/office/drawing/2014/main" id="{F7AFD1EE-F098-F766-7E4C-0E51A0946894}"/>
+              </a:ext>
+            </a:extLst>
+          </p:cNvPr>
+          <p:cNvPicPr>
+            <a:picLocks noChangeAspect="1"/>
+          </p:cNvPicPr>
+          <p:nvPr/>
+        </p:nvPicPr>
+        <p:blipFill rotWithShape="1">
+          <a:blip r:embed="rId3"/>
+          <a:srcRect l="33577" t="2234" r="34650" b="34658"/>
+          <a:stretch/>
+        </p:blipFill>
+        <p:spPr>
+          <a:xfrm>
+            <a:off x="942902" y="3439850"/>
+            <a:ext cx="1077764" cy="1038837"/>
+          </a:xfrm>
+          <a:prstGeom prst="rect">
+            <a:avLst/>
+          </a:prstGeom>
+          <a:effectLst>
+            <a:outerShdw blurRad="63500" sx="102000" sy="102000" algn="ctr" rotWithShape="0">
+              <a:prstClr val="black">
+                <a:alpha val="40000"/>
+              </a:prstClr>
+            </a:outerShdw>
+          </a:effectLst>
+        </p:spPr>
+      </p:pic>
+      <p:pic>
+        <p:nvPicPr>
+          <p:cNvPr id="38" name="Image 37">
+            <a:extLst>
+              <a:ext uri="{FF2B5EF4-FFF2-40B4-BE49-F238E27FC236}">
+                <a16:creationId xmlns:a16="http://schemas.microsoft.com/office/drawing/2014/main" id="{72CA39D2-B072-8C1B-78CF-EA979D02562B}"/>
+              </a:ext>
+            </a:extLst>
+          </p:cNvPr>
+          <p:cNvPicPr>
+            <a:picLocks noChangeAspect="1"/>
+          </p:cNvPicPr>
+          <p:nvPr/>
+        </p:nvPicPr>
+        <p:blipFill rotWithShape="1">
+          <a:blip r:embed="rId4"/>
+          <a:srcRect l="30434" r="33041" b="32642"/>
+          <a:stretch/>
+        </p:blipFill>
+        <p:spPr>
+          <a:xfrm>
+            <a:off x="983540" y="5458915"/>
+            <a:ext cx="1118560" cy="1038837"/>
+          </a:xfrm>
+          <a:prstGeom prst="rect">
+            <a:avLst/>
+          </a:prstGeom>
+          <a:effectLst>
+            <a:outerShdw blurRad="63500" sx="102000" sy="102000" algn="ctr" rotWithShape="0">
+              <a:prstClr val="black">
+                <a:alpha val="40000"/>
+              </a:prstClr>
+            </a:outerShdw>
+          </a:effectLst>
+        </p:spPr>
+      </p:pic>
+      <p:pic>
+        <p:nvPicPr>
+          <p:cNvPr id="43" name="Image 42">
+            <a:extLst>
+              <a:ext uri="{FF2B5EF4-FFF2-40B4-BE49-F238E27FC236}">
+                <a16:creationId xmlns:a16="http://schemas.microsoft.com/office/drawing/2014/main" id="{E2184A85-CC0B-8F2F-BFBF-AFFFB4DBAD63}"/>
+              </a:ext>
+            </a:extLst>
+          </p:cNvPr>
+          <p:cNvPicPr>
+            <a:picLocks noChangeAspect="1"/>
+          </p:cNvPicPr>
+          <p:nvPr/>
+        </p:nvPicPr>
+        <p:blipFill>
+          <a:blip r:embed="rId5"/>
+          <a:stretch>
+            <a:fillRect/>
+          </a:stretch>
+        </p:blipFill>
+        <p:spPr>
+          <a:xfrm>
+            <a:off x="9907445" y="3439850"/>
+            <a:ext cx="1117492" cy="1038837"/>
+          </a:xfrm>
+          <a:prstGeom prst="rect">
+            <a:avLst/>
+          </a:prstGeom>
+          <a:effectLst>
+            <a:outerShdw blurRad="63500" sx="102000" sy="102000" algn="ctr" rotWithShape="0">
+              <a:prstClr val="black">
+                <a:alpha val="40000"/>
+              </a:prstClr>
+            </a:outerShdw>
+          </a:effectLst>
+        </p:spPr>
+      </p:pic>
+      <p:sp>
+        <p:nvSpPr>
+          <p:cNvPr id="44" name="ZoneTexte 43">
+            <a:extLst>
+              <a:ext uri="{FF2B5EF4-FFF2-40B4-BE49-F238E27FC236}">
+                <a16:creationId xmlns:a16="http://schemas.microsoft.com/office/drawing/2014/main" id="{6BDF7645-C92D-1754-8495-BC6FB393B9F5}"/>
+              </a:ext>
+            </a:extLst>
+          </p:cNvPr>
+          <p:cNvSpPr txBox="1"/>
+          <p:nvPr/>
+        </p:nvSpPr>
+        <p:spPr>
+          <a:xfrm>
+            <a:off x="-1606462" y="2804142"/>
+            <a:ext cx="6128084" cy="369332"/>
+          </a:xfrm>
+          <a:prstGeom prst="rect">
+            <a:avLst/>
+          </a:prstGeom>
+          <a:noFill/>
+        </p:spPr>
+        <p:txBody>
+          <a:bodyPr wrap="square">
+            <a:spAutoFit/>
+          </a:bodyPr>
+          <a:lstStyle/>
+          <a:p>
+            <a:pPr algn="ctr"/>
+            <a:r>
+              <a:rPr lang="fr-FR" b="1" dirty="0" err="1">
+                <a:solidFill>
+                  <a:srgbClr val="FF0000"/>
+                </a:solidFill>
+              </a:rPr>
+              <a:t>index.html</a:t>
+            </a:r>
+            <a:endParaRPr lang="fr-FR" dirty="0"/>
+          </a:p>
+        </p:txBody>
+      </p:sp>
+      <p:sp>
+        <p:nvSpPr>
+          <p:cNvPr id="45" name="ZoneTexte 44">
+            <a:extLst>
+              <a:ext uri="{FF2B5EF4-FFF2-40B4-BE49-F238E27FC236}">
+                <a16:creationId xmlns:a16="http://schemas.microsoft.com/office/drawing/2014/main" id="{6D073B22-F921-1E4D-022E-BBCAFA92EE5A}"/>
+              </a:ext>
+            </a:extLst>
+          </p:cNvPr>
+          <p:cNvSpPr txBox="1"/>
+          <p:nvPr/>
+        </p:nvSpPr>
+        <p:spPr>
+          <a:xfrm>
+            <a:off x="-1727349" y="4814118"/>
+            <a:ext cx="6128084" cy="369332"/>
+          </a:xfrm>
+          <a:prstGeom prst="rect">
+            <a:avLst/>
+          </a:prstGeom>
+          <a:noFill/>
+        </p:spPr>
+        <p:txBody>
+          <a:bodyPr wrap="square">
+            <a:spAutoFit/>
+          </a:bodyPr>
+          <a:lstStyle/>
+          <a:p>
+            <a:pPr algn="ctr"/>
+            <a:r>
+              <a:rPr lang="fr-FR" b="1" dirty="0" err="1">
+                <a:solidFill>
+                  <a:srgbClr val="FF0000"/>
+                </a:solidFill>
+              </a:rPr>
+              <a:t>contact.html</a:t>
+            </a:r>
+            <a:endParaRPr lang="fr-FR" dirty="0"/>
+          </a:p>
+        </p:txBody>
+      </p:sp>
+      <p:pic>
+        <p:nvPicPr>
+          <p:cNvPr id="47" name="Image 46">
+            <a:extLst>
+              <a:ext uri="{FF2B5EF4-FFF2-40B4-BE49-F238E27FC236}">
+                <a16:creationId xmlns:a16="http://schemas.microsoft.com/office/drawing/2014/main" id="{6A7E7CA0-1E9D-F8D9-5D83-CD3AC66F1C4E}"/>
+              </a:ext>
+            </a:extLst>
+          </p:cNvPr>
+          <p:cNvPicPr>
+            <a:picLocks noChangeAspect="1"/>
+          </p:cNvPicPr>
+          <p:nvPr/>
+        </p:nvPicPr>
+        <p:blipFill>
+          <a:blip r:embed="rId6"/>
+          <a:stretch>
+            <a:fillRect/>
+          </a:stretch>
+        </p:blipFill>
+        <p:spPr>
+          <a:xfrm>
+            <a:off x="7033974" y="3794078"/>
+            <a:ext cx="1206500" cy="317500"/>
+          </a:xfrm>
+          <a:prstGeom prst="rect">
+            <a:avLst/>
+          </a:prstGeom>
+        </p:spPr>
+      </p:pic>
+      <p:pic>
+        <p:nvPicPr>
+          <p:cNvPr id="48" name="Image 47">
+            <a:extLst>
+              <a:ext uri="{FF2B5EF4-FFF2-40B4-BE49-F238E27FC236}">
+                <a16:creationId xmlns:a16="http://schemas.microsoft.com/office/drawing/2014/main" id="{386C5443-4AD5-376D-4824-5ED964108C19}"/>
+              </a:ext>
+            </a:extLst>
+          </p:cNvPr>
+          <p:cNvPicPr>
+            <a:picLocks noChangeAspect="1"/>
+          </p:cNvPicPr>
+          <p:nvPr/>
+        </p:nvPicPr>
+        <p:blipFill>
+          <a:blip r:embed="rId6"/>
+          <a:stretch>
+            <a:fillRect/>
+          </a:stretch>
+        </p:blipFill>
+        <p:spPr>
+          <a:xfrm>
+            <a:off x="7033974" y="5780600"/>
+            <a:ext cx="1206500" cy="317500"/>
+          </a:xfrm>
+          <a:prstGeom prst="rect">
+            <a:avLst/>
+          </a:prstGeom>
+        </p:spPr>
+      </p:pic>
+      <p:pic>
+        <p:nvPicPr>
+          <p:cNvPr id="50" name="Image 49">
+            <a:extLst>
+              <a:ext uri="{FF2B5EF4-FFF2-40B4-BE49-F238E27FC236}">
+                <a16:creationId xmlns:a16="http://schemas.microsoft.com/office/drawing/2014/main" id="{FFC0BCCB-F799-FA58-9762-F6C179268F66}"/>
+              </a:ext>
+            </a:extLst>
+          </p:cNvPr>
+          <p:cNvPicPr>
+            <a:picLocks noChangeAspect="1"/>
+          </p:cNvPicPr>
+          <p:nvPr/>
+        </p:nvPicPr>
+        <p:blipFill>
+          <a:blip r:embed="rId7"/>
+          <a:stretch>
+            <a:fillRect/>
+          </a:stretch>
+        </p:blipFill>
+        <p:spPr>
+          <a:xfrm>
+            <a:off x="9890135" y="5421977"/>
+            <a:ext cx="1134802" cy="1034746"/>
+          </a:xfrm>
+          <a:prstGeom prst="rect">
+            <a:avLst/>
+          </a:prstGeom>
+          <a:effectLst>
+            <a:outerShdw blurRad="63500" sx="102000" sy="102000" algn="ctr" rotWithShape="0">
+              <a:prstClr val="black">
+                <a:alpha val="40000"/>
+              </a:prstClr>
+            </a:outerShdw>
+          </a:effectLst>
+        </p:spPr>
+      </p:pic>
+    </p:spTree>
+    <p:extLst>
+      <p:ext uri="{BB962C8B-B14F-4D97-AF65-F5344CB8AC3E}">
+        <p14:creationId xmlns:p14="http://schemas.microsoft.com/office/powerpoint/2010/main" val="2299870155"/>
       </p:ext>
     </p:extLst>
   </p:cSld>
@@ -4886,4 +9406,299 @@
     </a:ext>
   </a:extLst>
 </a:theme>
+</file>
+
+<file path=ppt/theme/theme2.xml><?xml version="1.0" encoding="utf-8"?>
+<a:theme xmlns:a="http://schemas.openxmlformats.org/drawingml/2006/main" name="Thème Office">
+  <a:themeElements>
+    <a:clrScheme name="Office">
+      <a:dk1>
+        <a:sysClr val="windowText" lastClr="000000"/>
+      </a:dk1>
+      <a:lt1>
+        <a:sysClr val="window" lastClr="FFFFFF"/>
+      </a:lt1>
+      <a:dk2>
+        <a:srgbClr val="44546A"/>
+      </a:dk2>
+      <a:lt2>
+        <a:srgbClr val="E7E6E6"/>
+      </a:lt2>
+      <a:accent1>
+        <a:srgbClr val="4472C4"/>
+      </a:accent1>
+      <a:accent2>
+        <a:srgbClr val="ED7D31"/>
+      </a:accent2>
+      <a:accent3>
+        <a:srgbClr val="A5A5A5"/>
+      </a:accent3>
+      <a:accent4>
+        <a:srgbClr val="FFC000"/>
+      </a:accent4>
+      <a:accent5>
+        <a:srgbClr val="5B9BD5"/>
+      </a:accent5>
+      <a:accent6>
+        <a:srgbClr val="70AD47"/>
+      </a:accent6>
+      <a:hlink>
+        <a:srgbClr val="0563C1"/>
+      </a:hlink>
+      <a:folHlink>
+        <a:srgbClr val="954F72"/>
+      </a:folHlink>
+    </a:clrScheme>
+    <a:fontScheme name="Office">
+      <a:majorFont>
+        <a:latin typeface="Calibri Light" panose="020F0302020204030204"/>
+        <a:ea typeface=""/>
+        <a:cs typeface=""/>
+        <a:font script="Jpan" typeface="游ゴシック Light"/>
+        <a:font script="Hang" typeface="맑은 고딕"/>
+        <a:font script="Hans" typeface="等线 Light"/>
+        <a:font script="Hant" typeface="新細明體"/>
+        <a:font script="Arab" typeface="Times New Roman"/>
+        <a:font script="Hebr" typeface="Times New Roman"/>
+        <a:font script="Thai" typeface="Angsana New"/>
+        <a:font script="Ethi" typeface="Nyala"/>
+        <a:font script="Beng" typeface="Vrinda"/>
+        <a:font script="Gujr" typeface="Shruti"/>
+        <a:font script="Khmr" typeface="MoolBoran"/>
+        <a:font script="Knda" typeface="Tunga"/>
+        <a:font script="Guru" typeface="Raavi"/>
+        <a:font script="Cans" typeface="Euphemia"/>
+        <a:font script="Cher" typeface="Plantagenet Cherokee"/>
+        <a:font script="Yiii" typeface="Microsoft Yi Baiti"/>
+        <a:font script="Tibt" typeface="Microsoft Himalaya"/>
+        <a:font script="Thaa" typeface="MV Boli"/>
+        <a:font script="Deva" typeface="Mangal"/>
+        <a:font script="Telu" typeface="Gautami"/>
+        <a:font script="Taml" typeface="Latha"/>
+        <a:font script="Syrc" typeface="Estrangelo Edessa"/>
+        <a:font script="Orya" typeface="Kalinga"/>
+        <a:font script="Mlym" typeface="Kartika"/>
+        <a:font script="Laoo" typeface="DokChampa"/>
+        <a:font script="Sinh" typeface="Iskoola Pota"/>
+        <a:font script="Mong" typeface="Mongolian Baiti"/>
+        <a:font script="Viet" typeface="Times New Roman"/>
+        <a:font script="Uigh" typeface="Microsoft Uighur"/>
+        <a:font script="Geor" typeface="Sylfaen"/>
+        <a:font script="Armn" typeface="Arial"/>
+        <a:font script="Bugi" typeface="Leelawadee UI"/>
+        <a:font script="Bopo" typeface="Microsoft JhengHei"/>
+        <a:font script="Java" typeface="Javanese Text"/>
+        <a:font script="Lisu" typeface="Segoe UI"/>
+        <a:font script="Mymr" typeface="Myanmar Text"/>
+        <a:font script="Nkoo" typeface="Ebrima"/>
+        <a:font script="Olck" typeface="Nirmala UI"/>
+        <a:font script="Osma" typeface="Ebrima"/>
+        <a:font script="Phag" typeface="Phagspa"/>
+        <a:font script="Syrn" typeface="Estrangelo Edessa"/>
+        <a:font script="Syrj" typeface="Estrangelo Edessa"/>
+        <a:font script="Syre" typeface="Estrangelo Edessa"/>
+        <a:font script="Sora" typeface="Nirmala UI"/>
+        <a:font script="Tale" typeface="Microsoft Tai Le"/>
+        <a:font script="Talu" typeface="Microsoft New Tai Lue"/>
+        <a:font script="Tfng" typeface="Ebrima"/>
+      </a:majorFont>
+      <a:minorFont>
+        <a:latin typeface="Calibri" panose="020F0502020204030204"/>
+        <a:ea typeface=""/>
+        <a:cs typeface=""/>
+        <a:font script="Jpan" typeface="游ゴシック"/>
+        <a:font script="Hang" typeface="맑은 고딕"/>
+        <a:font script="Hans" typeface="等线"/>
+        <a:font script="Hant" typeface="新細明體"/>
+        <a:font script="Arab" typeface="Arial"/>
+        <a:font script="Hebr" typeface="Arial"/>
+        <a:font script="Thai" typeface="Cordia New"/>
+        <a:font script="Ethi" typeface="Nyala"/>
+        <a:font script="Beng" typeface="Vrinda"/>
+        <a:font script="Gujr" typeface="Shruti"/>
+        <a:font script="Khmr" typeface="DaunPenh"/>
+        <a:font script="Knda" typeface="Tunga"/>
+        <a:font script="Guru" typeface="Raavi"/>
+        <a:font script="Cans" typeface="Euphemia"/>
+        <a:font script="Cher" typeface="Plantagenet Cherokee"/>
+        <a:font script="Yiii" typeface="Microsoft Yi Baiti"/>
+        <a:font script="Tibt" typeface="Microsoft Himalaya"/>
+        <a:font script="Thaa" typeface="MV Boli"/>
+        <a:font script="Deva" typeface="Mangal"/>
+        <a:font script="Telu" typeface="Gautami"/>
+        <a:font script="Taml" typeface="Latha"/>
+        <a:font script="Syrc" typeface="Estrangelo Edessa"/>
+        <a:font script="Orya" typeface="Kalinga"/>
+        <a:font script="Mlym" typeface="Kartika"/>
+        <a:font script="Laoo" typeface="DokChampa"/>
+        <a:font script="Sinh" typeface="Iskoola Pota"/>
+        <a:font script="Mong" typeface="Mongolian Baiti"/>
+        <a:font script="Viet" typeface="Arial"/>
+        <a:font script="Uigh" typeface="Microsoft Uighur"/>
+        <a:font script="Geor" typeface="Sylfaen"/>
+        <a:font script="Armn" typeface="Arial"/>
+        <a:font script="Bugi" typeface="Leelawadee UI"/>
+        <a:font script="Bopo" typeface="Microsoft JhengHei"/>
+        <a:font script="Java" typeface="Javanese Text"/>
+        <a:font script="Lisu" typeface="Segoe UI"/>
+        <a:font script="Mymr" typeface="Myanmar Text"/>
+        <a:font script="Nkoo" typeface="Ebrima"/>
+        <a:font script="Olck" typeface="Nirmala UI"/>
+        <a:font script="Osma" typeface="Ebrima"/>
+        <a:font script="Phag" typeface="Phagspa"/>
+        <a:font script="Syrn" typeface="Estrangelo Edessa"/>
+        <a:font script="Syrj" typeface="Estrangelo Edessa"/>
+        <a:font script="Syre" typeface="Estrangelo Edessa"/>
+        <a:font script="Sora" typeface="Nirmala UI"/>
+        <a:font script="Tale" typeface="Microsoft Tai Le"/>
+        <a:font script="Talu" typeface="Microsoft New Tai Lue"/>
+        <a:font script="Tfng" typeface="Ebrima"/>
+      </a:minorFont>
+    </a:fontScheme>
+    <a:fmtScheme name="Office">
+      <a:fillStyleLst>
+        <a:solidFill>
+          <a:schemeClr val="phClr"/>
+        </a:solidFill>
+        <a:gradFill rotWithShape="1">
+          <a:gsLst>
+            <a:gs pos="0">
+              <a:schemeClr val="phClr">
+                <a:lumMod val="110000"/>
+                <a:satMod val="105000"/>
+                <a:tint val="67000"/>
+              </a:schemeClr>
+            </a:gs>
+            <a:gs pos="50000">
+              <a:schemeClr val="phClr">
+                <a:lumMod val="105000"/>
+                <a:satMod val="103000"/>
+                <a:tint val="73000"/>
+              </a:schemeClr>
+            </a:gs>
+            <a:gs pos="100000">
+              <a:schemeClr val="phClr">
+                <a:lumMod val="105000"/>
+                <a:satMod val="109000"/>
+                <a:tint val="81000"/>
+              </a:schemeClr>
+            </a:gs>
+          </a:gsLst>
+          <a:lin ang="5400000" scaled="0"/>
+        </a:gradFill>
+        <a:gradFill rotWithShape="1">
+          <a:gsLst>
+            <a:gs pos="0">
+              <a:schemeClr val="phClr">
+                <a:satMod val="103000"/>
+                <a:lumMod val="102000"/>
+                <a:tint val="94000"/>
+              </a:schemeClr>
+            </a:gs>
+            <a:gs pos="50000">
+              <a:schemeClr val="phClr">
+                <a:satMod val="110000"/>
+                <a:lumMod val="100000"/>
+                <a:shade val="100000"/>
+              </a:schemeClr>
+            </a:gs>
+            <a:gs pos="100000">
+              <a:schemeClr val="phClr">
+                <a:lumMod val="99000"/>
+                <a:satMod val="120000"/>
+                <a:shade val="78000"/>
+              </a:schemeClr>
+            </a:gs>
+          </a:gsLst>
+          <a:lin ang="5400000" scaled="0"/>
+        </a:gradFill>
+      </a:fillStyleLst>
+      <a:lnStyleLst>
+        <a:ln w="6350" cap="flat" cmpd="sng" algn="ctr">
+          <a:solidFill>
+            <a:schemeClr val="phClr"/>
+          </a:solidFill>
+          <a:prstDash val="solid"/>
+          <a:miter lim="800000"/>
+        </a:ln>
+        <a:ln w="12700" cap="flat" cmpd="sng" algn="ctr">
+          <a:solidFill>
+            <a:schemeClr val="phClr"/>
+          </a:solidFill>
+          <a:prstDash val="solid"/>
+          <a:miter lim="800000"/>
+        </a:ln>
+        <a:ln w="19050" cap="flat" cmpd="sng" algn="ctr">
+          <a:solidFill>
+            <a:schemeClr val="phClr"/>
+          </a:solidFill>
+          <a:prstDash val="solid"/>
+          <a:miter lim="800000"/>
+        </a:ln>
+      </a:lnStyleLst>
+      <a:effectStyleLst>
+        <a:effectStyle>
+          <a:effectLst/>
+        </a:effectStyle>
+        <a:effectStyle>
+          <a:effectLst/>
+        </a:effectStyle>
+        <a:effectStyle>
+          <a:effectLst>
+            <a:outerShdw blurRad="57150" dist="19050" dir="5400000" algn="ctr" rotWithShape="0">
+              <a:srgbClr val="000000">
+                <a:alpha val="63000"/>
+              </a:srgbClr>
+            </a:outerShdw>
+          </a:effectLst>
+        </a:effectStyle>
+      </a:effectStyleLst>
+      <a:bgFillStyleLst>
+        <a:solidFill>
+          <a:schemeClr val="phClr"/>
+        </a:solidFill>
+        <a:solidFill>
+          <a:schemeClr val="phClr">
+            <a:tint val="95000"/>
+            <a:satMod val="170000"/>
+          </a:schemeClr>
+        </a:solidFill>
+        <a:gradFill rotWithShape="1">
+          <a:gsLst>
+            <a:gs pos="0">
+              <a:schemeClr val="phClr">
+                <a:tint val="93000"/>
+                <a:satMod val="150000"/>
+                <a:shade val="98000"/>
+                <a:lumMod val="102000"/>
+              </a:schemeClr>
+            </a:gs>
+            <a:gs pos="50000">
+              <a:schemeClr val="phClr">
+                <a:tint val="98000"/>
+                <a:satMod val="130000"/>
+                <a:shade val="90000"/>
+                <a:lumMod val="103000"/>
+              </a:schemeClr>
+            </a:gs>
+            <a:gs pos="100000">
+              <a:schemeClr val="phClr">
+                <a:shade val="63000"/>
+                <a:satMod val="120000"/>
+              </a:schemeClr>
+            </a:gs>
+          </a:gsLst>
+          <a:lin ang="5400000" scaled="0"/>
+        </a:gradFill>
+      </a:bgFillStyleLst>
+    </a:fmtScheme>
+  </a:themeElements>
+  <a:objectDefaults/>
+  <a:extraClrSchemeLst/>
+  <a:extLst>
+    <a:ext uri="{05A4C25C-085E-4340-85A3-A5531E510DB2}">
+      <thm15:themeFamily xmlns:thm15="http://schemas.microsoft.com/office/thememl/2012/main" name="Office Theme" id="{62F939B6-93AF-4DB8-9C6B-D6C7DFDC589F}" vid="{4A3C46E8-61CC-4603-A589-7422A47A8E4A}"/>
+    </a:ext>
+  </a:extLst>
+</a:theme>
 </file>